--- a/blogs/reg_tile/figures.pptx
+++ b/blogs/reg_tile/figures.pptx
@@ -11,6 +11,9 @@
     <p:sldId id="259" r:id="rId5"/>
     <p:sldId id="260" r:id="rId6"/>
     <p:sldId id="261" r:id="rId7"/>
+    <p:sldId id="262" r:id="rId8"/>
+    <p:sldId id="263" r:id="rId9"/>
+    <p:sldId id="264" r:id="rId10"/>
   </p:sldIdLst>
   <p:sldSz cx="12192000" cy="6858000"/>
   <p:notesSz cx="6858000" cy="9144000"/>
@@ -266,7 +269,7 @@
           <a:p>
             <a:fld id="{89170DA2-E98C-46C7-8CBA-4D919B2F7647}" type="datetimeFigureOut">
               <a:rPr lang="en-US" smtClean="0"/>
-              <a:t>12/16/2024</a:t>
+              <a:t>3/31/2025</a:t>
             </a:fld>
             <a:endParaRPr lang="en-US"/>
           </a:p>
@@ -466,7 +469,7 @@
           <a:p>
             <a:fld id="{89170DA2-E98C-46C7-8CBA-4D919B2F7647}" type="datetimeFigureOut">
               <a:rPr lang="en-US" smtClean="0"/>
-              <a:t>12/16/2024</a:t>
+              <a:t>3/31/2025</a:t>
             </a:fld>
             <a:endParaRPr lang="en-US"/>
           </a:p>
@@ -676,7 +679,7 @@
           <a:p>
             <a:fld id="{89170DA2-E98C-46C7-8CBA-4D919B2F7647}" type="datetimeFigureOut">
               <a:rPr lang="en-US" smtClean="0"/>
-              <a:t>12/16/2024</a:t>
+              <a:t>3/31/2025</a:t>
             </a:fld>
             <a:endParaRPr lang="en-US"/>
           </a:p>
@@ -876,7 +879,7 @@
           <a:p>
             <a:fld id="{89170DA2-E98C-46C7-8CBA-4D919B2F7647}" type="datetimeFigureOut">
               <a:rPr lang="en-US" smtClean="0"/>
-              <a:t>12/16/2024</a:t>
+              <a:t>3/31/2025</a:t>
             </a:fld>
             <a:endParaRPr lang="en-US"/>
           </a:p>
@@ -1152,7 +1155,7 @@
           <a:p>
             <a:fld id="{89170DA2-E98C-46C7-8CBA-4D919B2F7647}" type="datetimeFigureOut">
               <a:rPr lang="en-US" smtClean="0"/>
-              <a:t>12/16/2024</a:t>
+              <a:t>3/31/2025</a:t>
             </a:fld>
             <a:endParaRPr lang="en-US"/>
           </a:p>
@@ -1420,7 +1423,7 @@
           <a:p>
             <a:fld id="{89170DA2-E98C-46C7-8CBA-4D919B2F7647}" type="datetimeFigureOut">
               <a:rPr lang="en-US" smtClean="0"/>
-              <a:t>12/16/2024</a:t>
+              <a:t>3/31/2025</a:t>
             </a:fld>
             <a:endParaRPr lang="en-US"/>
           </a:p>
@@ -1835,7 +1838,7 @@
           <a:p>
             <a:fld id="{89170DA2-E98C-46C7-8CBA-4D919B2F7647}" type="datetimeFigureOut">
               <a:rPr lang="en-US" smtClean="0"/>
-              <a:t>12/16/2024</a:t>
+              <a:t>3/31/2025</a:t>
             </a:fld>
             <a:endParaRPr lang="en-US"/>
           </a:p>
@@ -1977,7 +1980,7 @@
           <a:p>
             <a:fld id="{89170DA2-E98C-46C7-8CBA-4D919B2F7647}" type="datetimeFigureOut">
               <a:rPr lang="en-US" smtClean="0"/>
-              <a:t>12/16/2024</a:t>
+              <a:t>3/31/2025</a:t>
             </a:fld>
             <a:endParaRPr lang="en-US"/>
           </a:p>
@@ -2090,7 +2093,7 @@
           <a:p>
             <a:fld id="{89170DA2-E98C-46C7-8CBA-4D919B2F7647}" type="datetimeFigureOut">
               <a:rPr lang="en-US" smtClean="0"/>
-              <a:t>12/16/2024</a:t>
+              <a:t>3/31/2025</a:t>
             </a:fld>
             <a:endParaRPr lang="en-US"/>
           </a:p>
@@ -2403,7 +2406,7 @@
           <a:p>
             <a:fld id="{89170DA2-E98C-46C7-8CBA-4D919B2F7647}" type="datetimeFigureOut">
               <a:rPr lang="en-US" smtClean="0"/>
-              <a:t>12/16/2024</a:t>
+              <a:t>3/31/2025</a:t>
             </a:fld>
             <a:endParaRPr lang="en-US"/>
           </a:p>
@@ -2692,7 +2695,7 @@
           <a:p>
             <a:fld id="{89170DA2-E98C-46C7-8CBA-4D919B2F7647}" type="datetimeFigureOut">
               <a:rPr lang="en-US" smtClean="0"/>
-              <a:t>12/16/2024</a:t>
+              <a:t>3/31/2025</a:t>
             </a:fld>
             <a:endParaRPr lang="en-US"/>
           </a:p>
@@ -2935,7 +2938,7 @@
           <a:p>
             <a:fld id="{89170DA2-E98C-46C7-8CBA-4D919B2F7647}" type="datetimeFigureOut">
               <a:rPr lang="en-US" smtClean="0"/>
-              <a:t>12/16/2024</a:t>
+              <a:t>3/31/2025</a:t>
             </a:fld>
             <a:endParaRPr lang="en-US"/>
           </a:p>
@@ -8685,6 +8688,7619 @@
 </p:sld>
 </file>
 
+<file path=ppt/slides/slide7.xml><?xml version="1.0" encoding="utf-8"?>
+<p:sld xmlns:a="http://schemas.openxmlformats.org/drawingml/2006/main" xmlns:r="http://schemas.openxmlformats.org/officeDocument/2006/relationships" xmlns:p="http://schemas.openxmlformats.org/presentationml/2006/main">
+  <p:cSld>
+    <p:spTree>
+      <p:nvGrpSpPr>
+        <p:cNvPr id="1" name=""/>
+        <p:cNvGrpSpPr/>
+        <p:nvPr/>
+      </p:nvGrpSpPr>
+      <p:grpSpPr>
+        <a:xfrm>
+          <a:off x="0" y="0"/>
+          <a:ext cx="0" cy="0"/>
+          <a:chOff x="0" y="0"/>
+          <a:chExt cx="0" cy="0"/>
+        </a:xfrm>
+      </p:grpSpPr>
+      <p:graphicFrame>
+        <p:nvGraphicFramePr>
+          <p:cNvPr id="4" name="表格 3">
+            <a:extLst>
+              <a:ext uri="{FF2B5EF4-FFF2-40B4-BE49-F238E27FC236}">
+                <a16:creationId xmlns:a16="http://schemas.microsoft.com/office/drawing/2014/main" id="{380EB912-5F63-4929-262D-505E17881FD7}"/>
+              </a:ext>
+            </a:extLst>
+          </p:cNvPr>
+          <p:cNvGraphicFramePr>
+            <a:graphicFrameLocks noGrp="1"/>
+          </p:cNvGraphicFramePr>
+          <p:nvPr>
+            <p:extLst>
+              <p:ext uri="{D42A27DB-BD31-4B8C-83A1-F6EECF244321}">
+                <p14:modId xmlns:p14="http://schemas.microsoft.com/office/powerpoint/2010/main" val="3870993980"/>
+              </p:ext>
+            </p:extLst>
+          </p:nvPr>
+        </p:nvGraphicFramePr>
+        <p:xfrm>
+          <a:off x="4488953" y="2930128"/>
+          <a:ext cx="2160000" cy="2160000"/>
+        </p:xfrm>
+        <a:graphic>
+          <a:graphicData uri="http://schemas.openxmlformats.org/drawingml/2006/table">
+            <a:tbl>
+              <a:tblPr firstRow="1" bandRow="1">
+                <a:tableStyleId>{2D5ABB26-0587-4C30-8999-92F81FD0307C}</a:tableStyleId>
+              </a:tblPr>
+              <a:tblGrid>
+                <a:gridCol w="540000">
+                  <a:extLst>
+                    <a:ext uri="{9D8B030D-6E8A-4147-A177-3AD203B41FA5}">
+                      <a16:colId xmlns:a16="http://schemas.microsoft.com/office/drawing/2014/main" val="3507072357"/>
+                    </a:ext>
+                  </a:extLst>
+                </a:gridCol>
+                <a:gridCol w="540000">
+                  <a:extLst>
+                    <a:ext uri="{9D8B030D-6E8A-4147-A177-3AD203B41FA5}">
+                      <a16:colId xmlns:a16="http://schemas.microsoft.com/office/drawing/2014/main" val="2099709079"/>
+                    </a:ext>
+                  </a:extLst>
+                </a:gridCol>
+                <a:gridCol w="540000">
+                  <a:extLst>
+                    <a:ext uri="{9D8B030D-6E8A-4147-A177-3AD203B41FA5}">
+                      <a16:colId xmlns:a16="http://schemas.microsoft.com/office/drawing/2014/main" val="3432356744"/>
+                    </a:ext>
+                  </a:extLst>
+                </a:gridCol>
+                <a:gridCol w="540000">
+                  <a:extLst>
+                    <a:ext uri="{9D8B030D-6E8A-4147-A177-3AD203B41FA5}">
+                      <a16:colId xmlns:a16="http://schemas.microsoft.com/office/drawing/2014/main" val="1662690792"/>
+                    </a:ext>
+                  </a:extLst>
+                </a:gridCol>
+              </a:tblGrid>
+              <a:tr h="540000">
+                <a:tc>
+                  <a:txBody>
+                    <a:bodyPr/>
+                    <a:lstStyle/>
+                    <a:p>
+                      <a:r>
+                        <a:rPr lang="en-US" sz="1400" dirty="0"/>
+                        <a:t>(0,0)</a:t>
+                      </a:r>
+                    </a:p>
+                  </a:txBody>
+                  <a:tcPr anchor="ctr">
+                    <a:lnL w="12700" cap="flat" cmpd="sng" algn="ctr">
+                      <a:solidFill>
+                        <a:schemeClr val="tx1"/>
+                      </a:solidFill>
+                      <a:prstDash val="solid"/>
+                      <a:round/>
+                      <a:headEnd type="none" w="med" len="med"/>
+                      <a:tailEnd type="none" w="med" len="med"/>
+                    </a:lnL>
+                    <a:lnR w="12700" cap="flat" cmpd="sng" algn="ctr">
+                      <a:solidFill>
+                        <a:schemeClr val="tx1"/>
+                      </a:solidFill>
+                      <a:prstDash val="solid"/>
+                      <a:round/>
+                      <a:headEnd type="none" w="med" len="med"/>
+                      <a:tailEnd type="none" w="med" len="med"/>
+                    </a:lnR>
+                    <a:lnT w="12700" cap="flat" cmpd="sng" algn="ctr">
+                      <a:solidFill>
+                        <a:schemeClr val="tx1"/>
+                      </a:solidFill>
+                      <a:prstDash val="solid"/>
+                      <a:round/>
+                      <a:headEnd type="none" w="med" len="med"/>
+                      <a:tailEnd type="none" w="med" len="med"/>
+                    </a:lnT>
+                    <a:lnB w="12700" cap="flat" cmpd="sng" algn="ctr">
+                      <a:solidFill>
+                        <a:schemeClr val="tx1"/>
+                      </a:solidFill>
+                      <a:prstDash val="solid"/>
+                      <a:round/>
+                      <a:headEnd type="none" w="med" len="med"/>
+                      <a:tailEnd type="none" w="med" len="med"/>
+                    </a:lnB>
+                    <a:solidFill>
+                      <a:schemeClr val="accent2">
+                        <a:lumMod val="60000"/>
+                        <a:lumOff val="40000"/>
+                      </a:schemeClr>
+                    </a:solidFill>
+                  </a:tcPr>
+                </a:tc>
+                <a:tc>
+                  <a:txBody>
+                    <a:bodyPr/>
+                    <a:lstStyle/>
+                    <a:p>
+                      <a:r>
+                        <a:rPr lang="en-US" sz="1400" dirty="0"/>
+                        <a:t>(0,1)</a:t>
+                      </a:r>
+                    </a:p>
+                  </a:txBody>
+                  <a:tcPr anchor="ctr">
+                    <a:lnL w="12700" cap="flat" cmpd="sng" algn="ctr">
+                      <a:solidFill>
+                        <a:schemeClr val="tx1"/>
+                      </a:solidFill>
+                      <a:prstDash val="solid"/>
+                      <a:round/>
+                      <a:headEnd type="none" w="med" len="med"/>
+                      <a:tailEnd type="none" w="med" len="med"/>
+                    </a:lnL>
+                    <a:lnR w="12700" cap="flat" cmpd="sng" algn="ctr">
+                      <a:solidFill>
+                        <a:schemeClr val="tx1"/>
+                      </a:solidFill>
+                      <a:prstDash val="solid"/>
+                      <a:round/>
+                      <a:headEnd type="none" w="med" len="med"/>
+                      <a:tailEnd type="none" w="med" len="med"/>
+                    </a:lnR>
+                    <a:lnT w="12700" cap="flat" cmpd="sng" algn="ctr">
+                      <a:solidFill>
+                        <a:schemeClr val="tx1"/>
+                      </a:solidFill>
+                      <a:prstDash val="solid"/>
+                      <a:round/>
+                      <a:headEnd type="none" w="med" len="med"/>
+                      <a:tailEnd type="none" w="med" len="med"/>
+                    </a:lnT>
+                    <a:lnB w="12700" cap="flat" cmpd="sng" algn="ctr">
+                      <a:solidFill>
+                        <a:schemeClr val="tx1"/>
+                      </a:solidFill>
+                      <a:prstDash val="solid"/>
+                      <a:round/>
+                      <a:headEnd type="none" w="med" len="med"/>
+                      <a:tailEnd type="none" w="med" len="med"/>
+                    </a:lnB>
+                  </a:tcPr>
+                </a:tc>
+                <a:tc>
+                  <a:txBody>
+                    <a:bodyPr/>
+                    <a:lstStyle/>
+                    <a:p>
+                      <a:pPr marL="0" marR="0" lvl="0" indent="0" algn="l" defTabSz="914400" rtl="0" eaLnBrk="1" fontAlgn="auto" latinLnBrk="0" hangingPunct="1">
+                        <a:lnSpc>
+                          <a:spcPct val="100000"/>
+                        </a:lnSpc>
+                        <a:spcBef>
+                          <a:spcPts val="0"/>
+                        </a:spcBef>
+                        <a:spcAft>
+                          <a:spcPts val="0"/>
+                        </a:spcAft>
+                        <a:buClrTx/>
+                        <a:buSzTx/>
+                        <a:buFontTx/>
+                        <a:buNone/>
+                        <a:tabLst/>
+                        <a:defRPr/>
+                      </a:pPr>
+                      <a:r>
+                        <a:rPr lang="en-US" sz="1400" dirty="0"/>
+                        <a:t>(0,2)</a:t>
+                      </a:r>
+                    </a:p>
+                  </a:txBody>
+                  <a:tcPr anchor="ctr">
+                    <a:lnL w="12700" cap="flat" cmpd="sng" algn="ctr">
+                      <a:solidFill>
+                        <a:schemeClr val="tx1"/>
+                      </a:solidFill>
+                      <a:prstDash val="solid"/>
+                      <a:round/>
+                      <a:headEnd type="none" w="med" len="med"/>
+                      <a:tailEnd type="none" w="med" len="med"/>
+                    </a:lnL>
+                    <a:lnR w="12700" cap="flat" cmpd="sng" algn="ctr">
+                      <a:solidFill>
+                        <a:schemeClr val="tx1"/>
+                      </a:solidFill>
+                      <a:prstDash val="solid"/>
+                      <a:round/>
+                      <a:headEnd type="none" w="med" len="med"/>
+                      <a:tailEnd type="none" w="med" len="med"/>
+                    </a:lnR>
+                    <a:lnT w="12700" cap="flat" cmpd="sng" algn="ctr">
+                      <a:solidFill>
+                        <a:schemeClr val="tx1"/>
+                      </a:solidFill>
+                      <a:prstDash val="solid"/>
+                      <a:round/>
+                      <a:headEnd type="none" w="med" len="med"/>
+                      <a:tailEnd type="none" w="med" len="med"/>
+                    </a:lnT>
+                    <a:lnB w="12700" cap="flat" cmpd="sng" algn="ctr">
+                      <a:solidFill>
+                        <a:schemeClr val="tx1"/>
+                      </a:solidFill>
+                      <a:prstDash val="solid"/>
+                      <a:round/>
+                      <a:headEnd type="none" w="med" len="med"/>
+                      <a:tailEnd type="none" w="med" len="med"/>
+                    </a:lnB>
+                  </a:tcPr>
+                </a:tc>
+                <a:tc>
+                  <a:txBody>
+                    <a:bodyPr/>
+                    <a:lstStyle/>
+                    <a:p>
+                      <a:pPr marL="0" marR="0" lvl="0" indent="0" algn="l" defTabSz="914400" rtl="0" eaLnBrk="1" fontAlgn="auto" latinLnBrk="0" hangingPunct="1">
+                        <a:lnSpc>
+                          <a:spcPct val="100000"/>
+                        </a:lnSpc>
+                        <a:spcBef>
+                          <a:spcPts val="0"/>
+                        </a:spcBef>
+                        <a:spcAft>
+                          <a:spcPts val="0"/>
+                        </a:spcAft>
+                        <a:buClrTx/>
+                        <a:buSzTx/>
+                        <a:buFontTx/>
+                        <a:buNone/>
+                        <a:tabLst/>
+                        <a:defRPr/>
+                      </a:pPr>
+                      <a:r>
+                        <a:rPr lang="en-US" sz="1400" dirty="0"/>
+                        <a:t>(0,3)</a:t>
+                      </a:r>
+                    </a:p>
+                  </a:txBody>
+                  <a:tcPr anchor="ctr">
+                    <a:lnL w="12700" cap="flat" cmpd="sng" algn="ctr">
+                      <a:solidFill>
+                        <a:schemeClr val="tx1"/>
+                      </a:solidFill>
+                      <a:prstDash val="solid"/>
+                      <a:round/>
+                      <a:headEnd type="none" w="med" len="med"/>
+                      <a:tailEnd type="none" w="med" len="med"/>
+                    </a:lnL>
+                    <a:lnR w="12700" cap="flat" cmpd="sng" algn="ctr">
+                      <a:solidFill>
+                        <a:schemeClr val="tx1"/>
+                      </a:solidFill>
+                      <a:prstDash val="solid"/>
+                      <a:round/>
+                      <a:headEnd type="none" w="med" len="med"/>
+                      <a:tailEnd type="none" w="med" len="med"/>
+                    </a:lnR>
+                    <a:lnT w="12700" cap="flat" cmpd="sng" algn="ctr">
+                      <a:solidFill>
+                        <a:schemeClr val="tx1"/>
+                      </a:solidFill>
+                      <a:prstDash val="solid"/>
+                      <a:round/>
+                      <a:headEnd type="none" w="med" len="med"/>
+                      <a:tailEnd type="none" w="med" len="med"/>
+                    </a:lnT>
+                    <a:lnB w="12700" cap="flat" cmpd="sng" algn="ctr">
+                      <a:solidFill>
+                        <a:schemeClr val="tx1"/>
+                      </a:solidFill>
+                      <a:prstDash val="solid"/>
+                      <a:round/>
+                      <a:headEnd type="none" w="med" len="med"/>
+                      <a:tailEnd type="none" w="med" len="med"/>
+                    </a:lnB>
+                  </a:tcPr>
+                </a:tc>
+                <a:extLst>
+                  <a:ext uri="{0D108BD9-81ED-4DB2-BD59-A6C34878D82A}">
+                    <a16:rowId xmlns:a16="http://schemas.microsoft.com/office/drawing/2014/main" val="1183027093"/>
+                  </a:ext>
+                </a:extLst>
+              </a:tr>
+              <a:tr h="540000">
+                <a:tc>
+                  <a:txBody>
+                    <a:bodyPr/>
+                    <a:lstStyle/>
+                    <a:p>
+                      <a:r>
+                        <a:rPr lang="en-US" sz="1400" dirty="0"/>
+                        <a:t>(1,0)</a:t>
+                      </a:r>
+                    </a:p>
+                  </a:txBody>
+                  <a:tcPr anchor="ctr">
+                    <a:lnL w="12700" cap="flat" cmpd="sng" algn="ctr">
+                      <a:solidFill>
+                        <a:schemeClr val="tx1"/>
+                      </a:solidFill>
+                      <a:prstDash val="solid"/>
+                      <a:round/>
+                      <a:headEnd type="none" w="med" len="med"/>
+                      <a:tailEnd type="none" w="med" len="med"/>
+                    </a:lnL>
+                    <a:lnR w="12700" cap="flat" cmpd="sng" algn="ctr">
+                      <a:solidFill>
+                        <a:schemeClr val="tx1"/>
+                      </a:solidFill>
+                      <a:prstDash val="solid"/>
+                      <a:round/>
+                      <a:headEnd type="none" w="med" len="med"/>
+                      <a:tailEnd type="none" w="med" len="med"/>
+                    </a:lnR>
+                    <a:lnT w="12700" cap="flat" cmpd="sng" algn="ctr">
+                      <a:solidFill>
+                        <a:schemeClr val="tx1"/>
+                      </a:solidFill>
+                      <a:prstDash val="solid"/>
+                      <a:round/>
+                      <a:headEnd type="none" w="med" len="med"/>
+                      <a:tailEnd type="none" w="med" len="med"/>
+                    </a:lnT>
+                    <a:lnB w="12700" cap="flat" cmpd="sng" algn="ctr">
+                      <a:solidFill>
+                        <a:schemeClr val="tx1"/>
+                      </a:solidFill>
+                      <a:prstDash val="solid"/>
+                      <a:round/>
+                      <a:headEnd type="none" w="med" len="med"/>
+                      <a:tailEnd type="none" w="med" len="med"/>
+                    </a:lnB>
+                  </a:tcPr>
+                </a:tc>
+                <a:tc>
+                  <a:txBody>
+                    <a:bodyPr/>
+                    <a:lstStyle/>
+                    <a:p>
+                      <a:r>
+                        <a:rPr lang="en-US" sz="1400" dirty="0"/>
+                        <a:t>(1,1)</a:t>
+                      </a:r>
+                    </a:p>
+                  </a:txBody>
+                  <a:tcPr anchor="ctr">
+                    <a:lnL w="12700" cap="flat" cmpd="sng" algn="ctr">
+                      <a:solidFill>
+                        <a:schemeClr val="tx1"/>
+                      </a:solidFill>
+                      <a:prstDash val="solid"/>
+                      <a:round/>
+                      <a:headEnd type="none" w="med" len="med"/>
+                      <a:tailEnd type="none" w="med" len="med"/>
+                    </a:lnL>
+                    <a:lnR w="12700" cap="flat" cmpd="sng" algn="ctr">
+                      <a:solidFill>
+                        <a:schemeClr val="tx1"/>
+                      </a:solidFill>
+                      <a:prstDash val="solid"/>
+                      <a:round/>
+                      <a:headEnd type="none" w="med" len="med"/>
+                      <a:tailEnd type="none" w="med" len="med"/>
+                    </a:lnR>
+                    <a:lnT w="12700" cap="flat" cmpd="sng" algn="ctr">
+                      <a:solidFill>
+                        <a:schemeClr val="tx1"/>
+                      </a:solidFill>
+                      <a:prstDash val="solid"/>
+                      <a:round/>
+                      <a:headEnd type="none" w="med" len="med"/>
+                      <a:tailEnd type="none" w="med" len="med"/>
+                    </a:lnT>
+                    <a:lnB w="12700" cap="flat" cmpd="sng" algn="ctr">
+                      <a:solidFill>
+                        <a:schemeClr val="tx1"/>
+                      </a:solidFill>
+                      <a:prstDash val="solid"/>
+                      <a:round/>
+                      <a:headEnd type="none" w="med" len="med"/>
+                      <a:tailEnd type="none" w="med" len="med"/>
+                    </a:lnB>
+                  </a:tcPr>
+                </a:tc>
+                <a:tc>
+                  <a:txBody>
+                    <a:bodyPr/>
+                    <a:lstStyle/>
+                    <a:p>
+                      <a:pPr marL="0" marR="0" lvl="0" indent="0" algn="l" defTabSz="914400" rtl="0" eaLnBrk="1" fontAlgn="auto" latinLnBrk="0" hangingPunct="1">
+                        <a:lnSpc>
+                          <a:spcPct val="100000"/>
+                        </a:lnSpc>
+                        <a:spcBef>
+                          <a:spcPts val="0"/>
+                        </a:spcBef>
+                        <a:spcAft>
+                          <a:spcPts val="0"/>
+                        </a:spcAft>
+                        <a:buClrTx/>
+                        <a:buSzTx/>
+                        <a:buFontTx/>
+                        <a:buNone/>
+                        <a:tabLst/>
+                        <a:defRPr/>
+                      </a:pPr>
+                      <a:r>
+                        <a:rPr lang="en-US" sz="1400" dirty="0"/>
+                        <a:t>(1,2)</a:t>
+                      </a:r>
+                    </a:p>
+                  </a:txBody>
+                  <a:tcPr anchor="ctr">
+                    <a:lnL w="12700" cap="flat" cmpd="sng" algn="ctr">
+                      <a:solidFill>
+                        <a:schemeClr val="tx1"/>
+                      </a:solidFill>
+                      <a:prstDash val="solid"/>
+                      <a:round/>
+                      <a:headEnd type="none" w="med" len="med"/>
+                      <a:tailEnd type="none" w="med" len="med"/>
+                    </a:lnL>
+                    <a:lnR w="12700" cap="flat" cmpd="sng" algn="ctr">
+                      <a:solidFill>
+                        <a:schemeClr val="tx1"/>
+                      </a:solidFill>
+                      <a:prstDash val="solid"/>
+                      <a:round/>
+                      <a:headEnd type="none" w="med" len="med"/>
+                      <a:tailEnd type="none" w="med" len="med"/>
+                    </a:lnR>
+                    <a:lnT w="12700" cap="flat" cmpd="sng" algn="ctr">
+                      <a:solidFill>
+                        <a:schemeClr val="tx1"/>
+                      </a:solidFill>
+                      <a:prstDash val="solid"/>
+                      <a:round/>
+                      <a:headEnd type="none" w="med" len="med"/>
+                      <a:tailEnd type="none" w="med" len="med"/>
+                    </a:lnT>
+                    <a:lnB w="12700" cap="flat" cmpd="sng" algn="ctr">
+                      <a:solidFill>
+                        <a:schemeClr val="tx1"/>
+                      </a:solidFill>
+                      <a:prstDash val="solid"/>
+                      <a:round/>
+                      <a:headEnd type="none" w="med" len="med"/>
+                      <a:tailEnd type="none" w="med" len="med"/>
+                    </a:lnB>
+                  </a:tcPr>
+                </a:tc>
+                <a:tc>
+                  <a:txBody>
+                    <a:bodyPr/>
+                    <a:lstStyle/>
+                    <a:p>
+                      <a:pPr marL="0" marR="0" lvl="0" indent="0" algn="l" defTabSz="914400" rtl="0" eaLnBrk="1" fontAlgn="auto" latinLnBrk="0" hangingPunct="1">
+                        <a:lnSpc>
+                          <a:spcPct val="100000"/>
+                        </a:lnSpc>
+                        <a:spcBef>
+                          <a:spcPts val="0"/>
+                        </a:spcBef>
+                        <a:spcAft>
+                          <a:spcPts val="0"/>
+                        </a:spcAft>
+                        <a:buClrTx/>
+                        <a:buSzTx/>
+                        <a:buFontTx/>
+                        <a:buNone/>
+                        <a:tabLst/>
+                        <a:defRPr/>
+                      </a:pPr>
+                      <a:r>
+                        <a:rPr lang="en-US" sz="1400" dirty="0"/>
+                        <a:t>(1,3)</a:t>
+                      </a:r>
+                    </a:p>
+                  </a:txBody>
+                  <a:tcPr anchor="ctr">
+                    <a:lnL w="12700" cap="flat" cmpd="sng" algn="ctr">
+                      <a:solidFill>
+                        <a:schemeClr val="tx1"/>
+                      </a:solidFill>
+                      <a:prstDash val="solid"/>
+                      <a:round/>
+                      <a:headEnd type="none" w="med" len="med"/>
+                      <a:tailEnd type="none" w="med" len="med"/>
+                    </a:lnL>
+                    <a:lnR w="12700" cap="flat" cmpd="sng" algn="ctr">
+                      <a:solidFill>
+                        <a:schemeClr val="tx1"/>
+                      </a:solidFill>
+                      <a:prstDash val="solid"/>
+                      <a:round/>
+                      <a:headEnd type="none" w="med" len="med"/>
+                      <a:tailEnd type="none" w="med" len="med"/>
+                    </a:lnR>
+                    <a:lnT w="12700" cap="flat" cmpd="sng" algn="ctr">
+                      <a:solidFill>
+                        <a:schemeClr val="tx1"/>
+                      </a:solidFill>
+                      <a:prstDash val="solid"/>
+                      <a:round/>
+                      <a:headEnd type="none" w="med" len="med"/>
+                      <a:tailEnd type="none" w="med" len="med"/>
+                    </a:lnT>
+                    <a:lnB w="12700" cap="flat" cmpd="sng" algn="ctr">
+                      <a:solidFill>
+                        <a:schemeClr val="tx1"/>
+                      </a:solidFill>
+                      <a:prstDash val="solid"/>
+                      <a:round/>
+                      <a:headEnd type="none" w="med" len="med"/>
+                      <a:tailEnd type="none" w="med" len="med"/>
+                    </a:lnB>
+                  </a:tcPr>
+                </a:tc>
+                <a:extLst>
+                  <a:ext uri="{0D108BD9-81ED-4DB2-BD59-A6C34878D82A}">
+                    <a16:rowId xmlns:a16="http://schemas.microsoft.com/office/drawing/2014/main" val="1771589775"/>
+                  </a:ext>
+                </a:extLst>
+              </a:tr>
+              <a:tr h="540000">
+                <a:tc>
+                  <a:txBody>
+                    <a:bodyPr/>
+                    <a:lstStyle/>
+                    <a:p>
+                      <a:r>
+                        <a:rPr lang="en-US" sz="1400" dirty="0"/>
+                        <a:t>(2,0)</a:t>
+                      </a:r>
+                    </a:p>
+                  </a:txBody>
+                  <a:tcPr anchor="ctr">
+                    <a:lnL w="12700" cap="flat" cmpd="sng" algn="ctr">
+                      <a:solidFill>
+                        <a:schemeClr val="tx1"/>
+                      </a:solidFill>
+                      <a:prstDash val="solid"/>
+                      <a:round/>
+                      <a:headEnd type="none" w="med" len="med"/>
+                      <a:tailEnd type="none" w="med" len="med"/>
+                    </a:lnL>
+                    <a:lnR w="12700" cap="flat" cmpd="sng" algn="ctr">
+                      <a:solidFill>
+                        <a:schemeClr val="tx1"/>
+                      </a:solidFill>
+                      <a:prstDash val="solid"/>
+                      <a:round/>
+                      <a:headEnd type="none" w="med" len="med"/>
+                      <a:tailEnd type="none" w="med" len="med"/>
+                    </a:lnR>
+                    <a:lnT w="12700" cap="flat" cmpd="sng" algn="ctr">
+                      <a:solidFill>
+                        <a:schemeClr val="tx1"/>
+                      </a:solidFill>
+                      <a:prstDash val="solid"/>
+                      <a:round/>
+                      <a:headEnd type="none" w="med" len="med"/>
+                      <a:tailEnd type="none" w="med" len="med"/>
+                    </a:lnT>
+                    <a:lnB w="12700" cap="flat" cmpd="sng" algn="ctr">
+                      <a:solidFill>
+                        <a:schemeClr val="tx1"/>
+                      </a:solidFill>
+                      <a:prstDash val="solid"/>
+                      <a:round/>
+                      <a:headEnd type="none" w="med" len="med"/>
+                      <a:tailEnd type="none" w="med" len="med"/>
+                    </a:lnB>
+                  </a:tcPr>
+                </a:tc>
+                <a:tc>
+                  <a:txBody>
+                    <a:bodyPr/>
+                    <a:lstStyle/>
+                    <a:p>
+                      <a:r>
+                        <a:rPr lang="en-US" sz="1400" dirty="0"/>
+                        <a:t>(2,1)</a:t>
+                      </a:r>
+                    </a:p>
+                  </a:txBody>
+                  <a:tcPr anchor="ctr">
+                    <a:lnL w="12700" cap="flat" cmpd="sng" algn="ctr">
+                      <a:solidFill>
+                        <a:schemeClr val="tx1"/>
+                      </a:solidFill>
+                      <a:prstDash val="solid"/>
+                      <a:round/>
+                      <a:headEnd type="none" w="med" len="med"/>
+                      <a:tailEnd type="none" w="med" len="med"/>
+                    </a:lnL>
+                    <a:lnR w="12700" cap="flat" cmpd="sng" algn="ctr">
+                      <a:solidFill>
+                        <a:schemeClr val="tx1"/>
+                      </a:solidFill>
+                      <a:prstDash val="solid"/>
+                      <a:round/>
+                      <a:headEnd type="none" w="med" len="med"/>
+                      <a:tailEnd type="none" w="med" len="med"/>
+                    </a:lnR>
+                    <a:lnT w="12700" cap="flat" cmpd="sng" algn="ctr">
+                      <a:solidFill>
+                        <a:schemeClr val="tx1"/>
+                      </a:solidFill>
+                      <a:prstDash val="solid"/>
+                      <a:round/>
+                      <a:headEnd type="none" w="med" len="med"/>
+                      <a:tailEnd type="none" w="med" len="med"/>
+                    </a:lnT>
+                    <a:lnB w="12700" cap="flat" cmpd="sng" algn="ctr">
+                      <a:solidFill>
+                        <a:schemeClr val="tx1"/>
+                      </a:solidFill>
+                      <a:prstDash val="solid"/>
+                      <a:round/>
+                      <a:headEnd type="none" w="med" len="med"/>
+                      <a:tailEnd type="none" w="med" len="med"/>
+                    </a:lnB>
+                  </a:tcPr>
+                </a:tc>
+                <a:tc>
+                  <a:txBody>
+                    <a:bodyPr/>
+                    <a:lstStyle/>
+                    <a:p>
+                      <a:pPr marL="0" marR="0" lvl="0" indent="0" algn="l" defTabSz="914400" rtl="0" eaLnBrk="1" fontAlgn="auto" latinLnBrk="0" hangingPunct="1">
+                        <a:lnSpc>
+                          <a:spcPct val="100000"/>
+                        </a:lnSpc>
+                        <a:spcBef>
+                          <a:spcPts val="0"/>
+                        </a:spcBef>
+                        <a:spcAft>
+                          <a:spcPts val="0"/>
+                        </a:spcAft>
+                        <a:buClrTx/>
+                        <a:buSzTx/>
+                        <a:buFontTx/>
+                        <a:buNone/>
+                        <a:tabLst/>
+                        <a:defRPr/>
+                      </a:pPr>
+                      <a:r>
+                        <a:rPr lang="en-US" sz="1400" dirty="0"/>
+                        <a:t>(2,2)</a:t>
+                      </a:r>
+                    </a:p>
+                  </a:txBody>
+                  <a:tcPr anchor="ctr">
+                    <a:lnL w="12700" cap="flat" cmpd="sng" algn="ctr">
+                      <a:solidFill>
+                        <a:schemeClr val="tx1"/>
+                      </a:solidFill>
+                      <a:prstDash val="solid"/>
+                      <a:round/>
+                      <a:headEnd type="none" w="med" len="med"/>
+                      <a:tailEnd type="none" w="med" len="med"/>
+                    </a:lnL>
+                    <a:lnR w="12700" cap="flat" cmpd="sng" algn="ctr">
+                      <a:solidFill>
+                        <a:schemeClr val="tx1"/>
+                      </a:solidFill>
+                      <a:prstDash val="solid"/>
+                      <a:round/>
+                      <a:headEnd type="none" w="med" len="med"/>
+                      <a:tailEnd type="none" w="med" len="med"/>
+                    </a:lnR>
+                    <a:lnT w="12700" cap="flat" cmpd="sng" algn="ctr">
+                      <a:solidFill>
+                        <a:schemeClr val="tx1"/>
+                      </a:solidFill>
+                      <a:prstDash val="solid"/>
+                      <a:round/>
+                      <a:headEnd type="none" w="med" len="med"/>
+                      <a:tailEnd type="none" w="med" len="med"/>
+                    </a:lnT>
+                    <a:lnB w="12700" cap="flat" cmpd="sng" algn="ctr">
+                      <a:solidFill>
+                        <a:schemeClr val="tx1"/>
+                      </a:solidFill>
+                      <a:prstDash val="solid"/>
+                      <a:round/>
+                      <a:headEnd type="none" w="med" len="med"/>
+                      <a:tailEnd type="none" w="med" len="med"/>
+                    </a:lnB>
+                  </a:tcPr>
+                </a:tc>
+                <a:tc>
+                  <a:txBody>
+                    <a:bodyPr/>
+                    <a:lstStyle/>
+                    <a:p>
+                      <a:pPr marL="0" marR="0" lvl="0" indent="0" algn="l" defTabSz="914400" rtl="0" eaLnBrk="1" fontAlgn="auto" latinLnBrk="0" hangingPunct="1">
+                        <a:lnSpc>
+                          <a:spcPct val="100000"/>
+                        </a:lnSpc>
+                        <a:spcBef>
+                          <a:spcPts val="0"/>
+                        </a:spcBef>
+                        <a:spcAft>
+                          <a:spcPts val="0"/>
+                        </a:spcAft>
+                        <a:buClrTx/>
+                        <a:buSzTx/>
+                        <a:buFontTx/>
+                        <a:buNone/>
+                        <a:tabLst/>
+                        <a:defRPr/>
+                      </a:pPr>
+                      <a:r>
+                        <a:rPr lang="en-US" sz="1400" dirty="0"/>
+                        <a:t>(2,3)</a:t>
+                      </a:r>
+                    </a:p>
+                  </a:txBody>
+                  <a:tcPr anchor="ctr">
+                    <a:lnL w="12700" cap="flat" cmpd="sng" algn="ctr">
+                      <a:solidFill>
+                        <a:schemeClr val="tx1"/>
+                      </a:solidFill>
+                      <a:prstDash val="solid"/>
+                      <a:round/>
+                      <a:headEnd type="none" w="med" len="med"/>
+                      <a:tailEnd type="none" w="med" len="med"/>
+                    </a:lnL>
+                    <a:lnR w="12700" cap="flat" cmpd="sng" algn="ctr">
+                      <a:solidFill>
+                        <a:schemeClr val="tx1"/>
+                      </a:solidFill>
+                      <a:prstDash val="solid"/>
+                      <a:round/>
+                      <a:headEnd type="none" w="med" len="med"/>
+                      <a:tailEnd type="none" w="med" len="med"/>
+                    </a:lnR>
+                    <a:lnT w="12700" cap="flat" cmpd="sng" algn="ctr">
+                      <a:solidFill>
+                        <a:schemeClr val="tx1"/>
+                      </a:solidFill>
+                      <a:prstDash val="solid"/>
+                      <a:round/>
+                      <a:headEnd type="none" w="med" len="med"/>
+                      <a:tailEnd type="none" w="med" len="med"/>
+                    </a:lnT>
+                    <a:lnB w="12700" cap="flat" cmpd="sng" algn="ctr">
+                      <a:solidFill>
+                        <a:schemeClr val="tx1"/>
+                      </a:solidFill>
+                      <a:prstDash val="solid"/>
+                      <a:round/>
+                      <a:headEnd type="none" w="med" len="med"/>
+                      <a:tailEnd type="none" w="med" len="med"/>
+                    </a:lnB>
+                  </a:tcPr>
+                </a:tc>
+                <a:extLst>
+                  <a:ext uri="{0D108BD9-81ED-4DB2-BD59-A6C34878D82A}">
+                    <a16:rowId xmlns:a16="http://schemas.microsoft.com/office/drawing/2014/main" val="3415133006"/>
+                  </a:ext>
+                </a:extLst>
+              </a:tr>
+              <a:tr h="540000">
+                <a:tc>
+                  <a:txBody>
+                    <a:bodyPr/>
+                    <a:lstStyle/>
+                    <a:p>
+                      <a:r>
+                        <a:rPr lang="en-US" sz="1400" dirty="0"/>
+                        <a:t>(3,0)</a:t>
+                      </a:r>
+                    </a:p>
+                  </a:txBody>
+                  <a:tcPr anchor="ctr">
+                    <a:lnL w="12700" cap="flat" cmpd="sng" algn="ctr">
+                      <a:solidFill>
+                        <a:schemeClr val="tx1"/>
+                      </a:solidFill>
+                      <a:prstDash val="solid"/>
+                      <a:round/>
+                      <a:headEnd type="none" w="med" len="med"/>
+                      <a:tailEnd type="none" w="med" len="med"/>
+                    </a:lnL>
+                    <a:lnR w="12700" cap="flat" cmpd="sng" algn="ctr">
+                      <a:solidFill>
+                        <a:schemeClr val="tx1"/>
+                      </a:solidFill>
+                      <a:prstDash val="solid"/>
+                      <a:round/>
+                      <a:headEnd type="none" w="med" len="med"/>
+                      <a:tailEnd type="none" w="med" len="med"/>
+                    </a:lnR>
+                    <a:lnT w="12700" cap="flat" cmpd="sng" algn="ctr">
+                      <a:solidFill>
+                        <a:schemeClr val="tx1"/>
+                      </a:solidFill>
+                      <a:prstDash val="solid"/>
+                      <a:round/>
+                      <a:headEnd type="none" w="med" len="med"/>
+                      <a:tailEnd type="none" w="med" len="med"/>
+                    </a:lnT>
+                    <a:lnB w="12700" cap="flat" cmpd="sng" algn="ctr">
+                      <a:solidFill>
+                        <a:schemeClr val="tx1"/>
+                      </a:solidFill>
+                      <a:prstDash val="solid"/>
+                      <a:round/>
+                      <a:headEnd type="none" w="med" len="med"/>
+                      <a:tailEnd type="none" w="med" len="med"/>
+                    </a:lnB>
+                  </a:tcPr>
+                </a:tc>
+                <a:tc>
+                  <a:txBody>
+                    <a:bodyPr/>
+                    <a:lstStyle/>
+                    <a:p>
+                      <a:r>
+                        <a:rPr lang="en-US" sz="1400" dirty="0"/>
+                        <a:t>(3,1)</a:t>
+                      </a:r>
+                    </a:p>
+                  </a:txBody>
+                  <a:tcPr anchor="ctr">
+                    <a:lnL w="12700" cap="flat" cmpd="sng" algn="ctr">
+                      <a:solidFill>
+                        <a:schemeClr val="tx1"/>
+                      </a:solidFill>
+                      <a:prstDash val="solid"/>
+                      <a:round/>
+                      <a:headEnd type="none" w="med" len="med"/>
+                      <a:tailEnd type="none" w="med" len="med"/>
+                    </a:lnL>
+                    <a:lnR w="12700" cap="flat" cmpd="sng" algn="ctr">
+                      <a:solidFill>
+                        <a:schemeClr val="tx1"/>
+                      </a:solidFill>
+                      <a:prstDash val="solid"/>
+                      <a:round/>
+                      <a:headEnd type="none" w="med" len="med"/>
+                      <a:tailEnd type="none" w="med" len="med"/>
+                    </a:lnR>
+                    <a:lnT w="12700" cap="flat" cmpd="sng" algn="ctr">
+                      <a:solidFill>
+                        <a:schemeClr val="tx1"/>
+                      </a:solidFill>
+                      <a:prstDash val="solid"/>
+                      <a:round/>
+                      <a:headEnd type="none" w="med" len="med"/>
+                      <a:tailEnd type="none" w="med" len="med"/>
+                    </a:lnT>
+                    <a:lnB w="12700" cap="flat" cmpd="sng" algn="ctr">
+                      <a:solidFill>
+                        <a:schemeClr val="tx1"/>
+                      </a:solidFill>
+                      <a:prstDash val="solid"/>
+                      <a:round/>
+                      <a:headEnd type="none" w="med" len="med"/>
+                      <a:tailEnd type="none" w="med" len="med"/>
+                    </a:lnB>
+                  </a:tcPr>
+                </a:tc>
+                <a:tc>
+                  <a:txBody>
+                    <a:bodyPr/>
+                    <a:lstStyle/>
+                    <a:p>
+                      <a:pPr marL="0" marR="0" lvl="0" indent="0" algn="l" defTabSz="914400" rtl="0" eaLnBrk="1" fontAlgn="auto" latinLnBrk="0" hangingPunct="1">
+                        <a:lnSpc>
+                          <a:spcPct val="100000"/>
+                        </a:lnSpc>
+                        <a:spcBef>
+                          <a:spcPts val="0"/>
+                        </a:spcBef>
+                        <a:spcAft>
+                          <a:spcPts val="0"/>
+                        </a:spcAft>
+                        <a:buClrTx/>
+                        <a:buSzTx/>
+                        <a:buFontTx/>
+                        <a:buNone/>
+                        <a:tabLst/>
+                        <a:defRPr/>
+                      </a:pPr>
+                      <a:r>
+                        <a:rPr lang="en-US" sz="1400" dirty="0"/>
+                        <a:t>(3,2)</a:t>
+                      </a:r>
+                    </a:p>
+                  </a:txBody>
+                  <a:tcPr anchor="ctr">
+                    <a:lnL w="12700" cap="flat" cmpd="sng" algn="ctr">
+                      <a:solidFill>
+                        <a:schemeClr val="tx1"/>
+                      </a:solidFill>
+                      <a:prstDash val="solid"/>
+                      <a:round/>
+                      <a:headEnd type="none" w="med" len="med"/>
+                      <a:tailEnd type="none" w="med" len="med"/>
+                    </a:lnL>
+                    <a:lnR w="12700" cap="flat" cmpd="sng" algn="ctr">
+                      <a:solidFill>
+                        <a:schemeClr val="tx1"/>
+                      </a:solidFill>
+                      <a:prstDash val="solid"/>
+                      <a:round/>
+                      <a:headEnd type="none" w="med" len="med"/>
+                      <a:tailEnd type="none" w="med" len="med"/>
+                    </a:lnR>
+                    <a:lnT w="12700" cap="flat" cmpd="sng" algn="ctr">
+                      <a:solidFill>
+                        <a:schemeClr val="tx1"/>
+                      </a:solidFill>
+                      <a:prstDash val="solid"/>
+                      <a:round/>
+                      <a:headEnd type="none" w="med" len="med"/>
+                      <a:tailEnd type="none" w="med" len="med"/>
+                    </a:lnT>
+                    <a:lnB w="12700" cap="flat" cmpd="sng" algn="ctr">
+                      <a:solidFill>
+                        <a:schemeClr val="tx1"/>
+                      </a:solidFill>
+                      <a:prstDash val="solid"/>
+                      <a:round/>
+                      <a:headEnd type="none" w="med" len="med"/>
+                      <a:tailEnd type="none" w="med" len="med"/>
+                    </a:lnB>
+                  </a:tcPr>
+                </a:tc>
+                <a:tc>
+                  <a:txBody>
+                    <a:bodyPr/>
+                    <a:lstStyle/>
+                    <a:p>
+                      <a:pPr marL="0" marR="0" lvl="0" indent="0" algn="l" defTabSz="914400" rtl="0" eaLnBrk="1" fontAlgn="auto" latinLnBrk="0" hangingPunct="1">
+                        <a:lnSpc>
+                          <a:spcPct val="100000"/>
+                        </a:lnSpc>
+                        <a:spcBef>
+                          <a:spcPts val="0"/>
+                        </a:spcBef>
+                        <a:spcAft>
+                          <a:spcPts val="0"/>
+                        </a:spcAft>
+                        <a:buClrTx/>
+                        <a:buSzTx/>
+                        <a:buFontTx/>
+                        <a:buNone/>
+                        <a:tabLst/>
+                        <a:defRPr/>
+                      </a:pPr>
+                      <a:r>
+                        <a:rPr lang="en-US" sz="1400" dirty="0"/>
+                        <a:t>(3,3)</a:t>
+                      </a:r>
+                    </a:p>
+                  </a:txBody>
+                  <a:tcPr anchor="ctr">
+                    <a:lnL w="12700" cap="flat" cmpd="sng" algn="ctr">
+                      <a:solidFill>
+                        <a:schemeClr val="tx1"/>
+                      </a:solidFill>
+                      <a:prstDash val="solid"/>
+                      <a:round/>
+                      <a:headEnd type="none" w="med" len="med"/>
+                      <a:tailEnd type="none" w="med" len="med"/>
+                    </a:lnL>
+                    <a:lnR w="12700" cap="flat" cmpd="sng" algn="ctr">
+                      <a:solidFill>
+                        <a:schemeClr val="tx1"/>
+                      </a:solidFill>
+                      <a:prstDash val="solid"/>
+                      <a:round/>
+                      <a:headEnd type="none" w="med" len="med"/>
+                      <a:tailEnd type="none" w="med" len="med"/>
+                    </a:lnR>
+                    <a:lnT w="12700" cap="flat" cmpd="sng" algn="ctr">
+                      <a:solidFill>
+                        <a:schemeClr val="tx1"/>
+                      </a:solidFill>
+                      <a:prstDash val="solid"/>
+                      <a:round/>
+                      <a:headEnd type="none" w="med" len="med"/>
+                      <a:tailEnd type="none" w="med" len="med"/>
+                    </a:lnT>
+                    <a:lnB w="12700" cap="flat" cmpd="sng" algn="ctr">
+                      <a:solidFill>
+                        <a:schemeClr val="tx1"/>
+                      </a:solidFill>
+                      <a:prstDash val="solid"/>
+                      <a:round/>
+                      <a:headEnd type="none" w="med" len="med"/>
+                      <a:tailEnd type="none" w="med" len="med"/>
+                    </a:lnB>
+                  </a:tcPr>
+                </a:tc>
+                <a:extLst>
+                  <a:ext uri="{0D108BD9-81ED-4DB2-BD59-A6C34878D82A}">
+                    <a16:rowId xmlns:a16="http://schemas.microsoft.com/office/drawing/2014/main" val="2791348304"/>
+                  </a:ext>
+                </a:extLst>
+              </a:tr>
+            </a:tbl>
+          </a:graphicData>
+        </a:graphic>
+      </p:graphicFrame>
+      <p:sp>
+        <p:nvSpPr>
+          <p:cNvPr id="5" name="矩形 4">
+            <a:extLst>
+              <a:ext uri="{FF2B5EF4-FFF2-40B4-BE49-F238E27FC236}">
+                <a16:creationId xmlns:a16="http://schemas.microsoft.com/office/drawing/2014/main" id="{DC1C7A96-8D40-6DAD-33CD-8EE3F81285C9}"/>
+              </a:ext>
+            </a:extLst>
+          </p:cNvPr>
+          <p:cNvSpPr/>
+          <p:nvPr/>
+        </p:nvSpPr>
+        <p:spPr>
+          <a:xfrm>
+            <a:off x="4488951" y="922351"/>
+            <a:ext cx="540000" cy="1800000"/>
+          </a:xfrm>
+          <a:prstGeom prst="rect">
+            <a:avLst/>
+          </a:prstGeom>
+        </p:spPr>
+        <p:style>
+          <a:lnRef idx="2">
+            <a:schemeClr val="accent6">
+              <a:shade val="15000"/>
+            </a:schemeClr>
+          </a:lnRef>
+          <a:fillRef idx="1">
+            <a:schemeClr val="accent6"/>
+          </a:fillRef>
+          <a:effectRef idx="0">
+            <a:schemeClr val="accent6"/>
+          </a:effectRef>
+          <a:fontRef idx="minor">
+            <a:schemeClr val="lt1"/>
+          </a:fontRef>
+        </p:style>
+        <p:txBody>
+          <a:bodyPr rtlCol="0" anchor="ctr"/>
+          <a:lstStyle/>
+          <a:p>
+            <a:pPr algn="ctr"/>
+            <a:r>
+              <a:rPr lang="en-US" dirty="0"/>
+              <a:t>B0</a:t>
+            </a:r>
+          </a:p>
+        </p:txBody>
+      </p:sp>
+      <p:sp>
+        <p:nvSpPr>
+          <p:cNvPr id="6" name="矩形 5">
+            <a:extLst>
+              <a:ext uri="{FF2B5EF4-FFF2-40B4-BE49-F238E27FC236}">
+                <a16:creationId xmlns:a16="http://schemas.microsoft.com/office/drawing/2014/main" id="{A40EB308-A95B-155C-BAE6-19C0A12297C0}"/>
+              </a:ext>
+            </a:extLst>
+          </p:cNvPr>
+          <p:cNvSpPr/>
+          <p:nvPr/>
+        </p:nvSpPr>
+        <p:spPr>
+          <a:xfrm>
+            <a:off x="2470645" y="2930128"/>
+            <a:ext cx="1800000" cy="540000"/>
+          </a:xfrm>
+          <a:prstGeom prst="rect">
+            <a:avLst/>
+          </a:prstGeom>
+          <a:solidFill>
+            <a:srgbClr val="0070C0"/>
+          </a:solidFill>
+        </p:spPr>
+        <p:style>
+          <a:lnRef idx="2">
+            <a:schemeClr val="accent6">
+              <a:shade val="15000"/>
+            </a:schemeClr>
+          </a:lnRef>
+          <a:fillRef idx="1">
+            <a:schemeClr val="accent6"/>
+          </a:fillRef>
+          <a:effectRef idx="0">
+            <a:schemeClr val="accent6"/>
+          </a:effectRef>
+          <a:fontRef idx="minor">
+            <a:schemeClr val="lt1"/>
+          </a:fontRef>
+        </p:style>
+        <p:txBody>
+          <a:bodyPr rtlCol="0" anchor="ctr"/>
+          <a:lstStyle/>
+          <a:p>
+            <a:pPr algn="ctr"/>
+            <a:r>
+              <a:rPr lang="en-US" dirty="0"/>
+              <a:t>A0</a:t>
+            </a:r>
+          </a:p>
+        </p:txBody>
+      </p:sp>
+      <p:sp>
+        <p:nvSpPr>
+          <p:cNvPr id="7" name="文本框 6">
+            <a:extLst>
+              <a:ext uri="{FF2B5EF4-FFF2-40B4-BE49-F238E27FC236}">
+                <a16:creationId xmlns:a16="http://schemas.microsoft.com/office/drawing/2014/main" id="{B22353FE-DDF0-1B3C-ACF5-333F835133FE}"/>
+              </a:ext>
+            </a:extLst>
+          </p:cNvPr>
+          <p:cNvSpPr txBox="1"/>
+          <p:nvPr/>
+        </p:nvSpPr>
+        <p:spPr>
+          <a:xfrm>
+            <a:off x="6949702" y="3779293"/>
+            <a:ext cx="428322" cy="461665"/>
+          </a:xfrm>
+          <a:prstGeom prst="rect">
+            <a:avLst/>
+          </a:prstGeom>
+          <a:noFill/>
+        </p:spPr>
+        <p:txBody>
+          <a:bodyPr wrap="none" rtlCol="0">
+            <a:spAutoFit/>
+          </a:bodyPr>
+          <a:lstStyle/>
+          <a:p>
+            <a:r>
+              <a:rPr lang="en-US" sz="2400" dirty="0"/>
+              <a:t>M</a:t>
+            </a:r>
+          </a:p>
+        </p:txBody>
+      </p:sp>
+      <p:sp>
+        <p:nvSpPr>
+          <p:cNvPr id="8" name="右大括号 7">
+            <a:extLst>
+              <a:ext uri="{FF2B5EF4-FFF2-40B4-BE49-F238E27FC236}">
+                <a16:creationId xmlns:a16="http://schemas.microsoft.com/office/drawing/2014/main" id="{7BD490F8-1968-27B1-0A65-5AC561EDE1D7}"/>
+              </a:ext>
+            </a:extLst>
+          </p:cNvPr>
+          <p:cNvSpPr/>
+          <p:nvPr/>
+        </p:nvSpPr>
+        <p:spPr>
+          <a:xfrm rot="10800000" flipH="1">
+            <a:off x="6784820" y="2930127"/>
+            <a:ext cx="164882" cy="2159998"/>
+          </a:xfrm>
+          <a:prstGeom prst="rightBrace">
+            <a:avLst>
+              <a:gd name="adj1" fmla="val 88333"/>
+              <a:gd name="adj2" fmla="val 50000"/>
+            </a:avLst>
+          </a:prstGeom>
+          <a:ln w="28575"/>
+        </p:spPr>
+        <p:style>
+          <a:lnRef idx="2">
+            <a:schemeClr val="dk1"/>
+          </a:lnRef>
+          <a:fillRef idx="0">
+            <a:schemeClr val="dk1"/>
+          </a:fillRef>
+          <a:effectRef idx="1">
+            <a:schemeClr val="dk1"/>
+          </a:effectRef>
+          <a:fontRef idx="minor">
+            <a:schemeClr val="tx1"/>
+          </a:fontRef>
+        </p:style>
+        <p:txBody>
+          <a:bodyPr rtlCol="0" anchor="ctr"/>
+          <a:lstStyle/>
+          <a:p>
+            <a:pPr algn="ctr"/>
+            <a:endParaRPr lang="en-US"/>
+          </a:p>
+        </p:txBody>
+      </p:sp>
+      <p:sp>
+        <p:nvSpPr>
+          <p:cNvPr id="9" name="右大括号 8">
+            <a:extLst>
+              <a:ext uri="{FF2B5EF4-FFF2-40B4-BE49-F238E27FC236}">
+                <a16:creationId xmlns:a16="http://schemas.microsoft.com/office/drawing/2014/main" id="{0C286FE1-5F36-92D5-AE4A-0E3D5E5756EE}"/>
+              </a:ext>
+            </a:extLst>
+          </p:cNvPr>
+          <p:cNvSpPr/>
+          <p:nvPr/>
+        </p:nvSpPr>
+        <p:spPr>
+          <a:xfrm rot="16200000" flipH="1">
+            <a:off x="5486509" y="4217906"/>
+            <a:ext cx="164882" cy="2159998"/>
+          </a:xfrm>
+          <a:prstGeom prst="rightBrace">
+            <a:avLst>
+              <a:gd name="adj1" fmla="val 88333"/>
+              <a:gd name="adj2" fmla="val 50000"/>
+            </a:avLst>
+          </a:prstGeom>
+          <a:ln w="28575"/>
+        </p:spPr>
+        <p:style>
+          <a:lnRef idx="2">
+            <a:schemeClr val="dk1"/>
+          </a:lnRef>
+          <a:fillRef idx="0">
+            <a:schemeClr val="dk1"/>
+          </a:fillRef>
+          <a:effectRef idx="1">
+            <a:schemeClr val="dk1"/>
+          </a:effectRef>
+          <a:fontRef idx="minor">
+            <a:schemeClr val="tx1"/>
+          </a:fontRef>
+        </p:style>
+        <p:txBody>
+          <a:bodyPr rtlCol="0" anchor="ctr"/>
+          <a:lstStyle/>
+          <a:p>
+            <a:pPr algn="ctr"/>
+            <a:endParaRPr lang="en-US"/>
+          </a:p>
+        </p:txBody>
+      </p:sp>
+      <p:sp>
+        <p:nvSpPr>
+          <p:cNvPr id="10" name="文本框 9">
+            <a:extLst>
+              <a:ext uri="{FF2B5EF4-FFF2-40B4-BE49-F238E27FC236}">
+                <a16:creationId xmlns:a16="http://schemas.microsoft.com/office/drawing/2014/main" id="{497E1A8B-77A0-D74A-DE51-88D12DACEC2A}"/>
+              </a:ext>
+            </a:extLst>
+          </p:cNvPr>
+          <p:cNvSpPr txBox="1"/>
+          <p:nvPr/>
+        </p:nvSpPr>
+        <p:spPr>
+          <a:xfrm>
+            <a:off x="5367613" y="5380346"/>
+            <a:ext cx="402674" cy="461665"/>
+          </a:xfrm>
+          <a:prstGeom prst="rect">
+            <a:avLst/>
+          </a:prstGeom>
+          <a:noFill/>
+        </p:spPr>
+        <p:txBody>
+          <a:bodyPr wrap="none" rtlCol="0">
+            <a:spAutoFit/>
+          </a:bodyPr>
+          <a:lstStyle/>
+          <a:p>
+            <a:r>
+              <a:rPr lang="en-US" sz="2400" dirty="0"/>
+              <a:t>N</a:t>
+            </a:r>
+          </a:p>
+        </p:txBody>
+      </p:sp>
+      <p:sp>
+        <p:nvSpPr>
+          <p:cNvPr id="11" name="右大括号 10">
+            <a:extLst>
+              <a:ext uri="{FF2B5EF4-FFF2-40B4-BE49-F238E27FC236}">
+                <a16:creationId xmlns:a16="http://schemas.microsoft.com/office/drawing/2014/main" id="{960597A8-FC3A-F74C-4FCB-2F5F337EE9E8}"/>
+              </a:ext>
+            </a:extLst>
+          </p:cNvPr>
+          <p:cNvSpPr/>
+          <p:nvPr/>
+        </p:nvSpPr>
+        <p:spPr>
+          <a:xfrm rot="10800000">
+            <a:off x="4261803" y="922351"/>
+            <a:ext cx="164882" cy="1800000"/>
+          </a:xfrm>
+          <a:prstGeom prst="rightBrace">
+            <a:avLst>
+              <a:gd name="adj1" fmla="val 88333"/>
+              <a:gd name="adj2" fmla="val 50000"/>
+            </a:avLst>
+          </a:prstGeom>
+          <a:ln w="28575"/>
+        </p:spPr>
+        <p:style>
+          <a:lnRef idx="2">
+            <a:schemeClr val="dk1"/>
+          </a:lnRef>
+          <a:fillRef idx="0">
+            <a:schemeClr val="dk1"/>
+          </a:fillRef>
+          <a:effectRef idx="1">
+            <a:schemeClr val="dk1"/>
+          </a:effectRef>
+          <a:fontRef idx="minor">
+            <a:schemeClr val="tx1"/>
+          </a:fontRef>
+        </p:style>
+        <p:txBody>
+          <a:bodyPr rtlCol="0" anchor="ctr"/>
+          <a:lstStyle/>
+          <a:p>
+            <a:pPr algn="ctr"/>
+            <a:endParaRPr lang="en-US"/>
+          </a:p>
+        </p:txBody>
+      </p:sp>
+      <p:sp>
+        <p:nvSpPr>
+          <p:cNvPr id="12" name="文本框 11">
+            <a:extLst>
+              <a:ext uri="{FF2B5EF4-FFF2-40B4-BE49-F238E27FC236}">
+                <a16:creationId xmlns:a16="http://schemas.microsoft.com/office/drawing/2014/main" id="{95757E39-3E6D-D8AB-6498-689A4B93FA12}"/>
+              </a:ext>
+            </a:extLst>
+          </p:cNvPr>
+          <p:cNvSpPr txBox="1"/>
+          <p:nvPr/>
+        </p:nvSpPr>
+        <p:spPr>
+          <a:xfrm>
+            <a:off x="3902409" y="1591517"/>
+            <a:ext cx="359394" cy="461665"/>
+          </a:xfrm>
+          <a:prstGeom prst="rect">
+            <a:avLst/>
+          </a:prstGeom>
+          <a:noFill/>
+        </p:spPr>
+        <p:txBody>
+          <a:bodyPr wrap="none" rtlCol="0">
+            <a:spAutoFit/>
+          </a:bodyPr>
+          <a:lstStyle/>
+          <a:p>
+            <a:r>
+              <a:rPr lang="en-US" sz="2400" dirty="0"/>
+              <a:t>K</a:t>
+            </a:r>
+          </a:p>
+        </p:txBody>
+      </p:sp>
+      <p:sp>
+        <p:nvSpPr>
+          <p:cNvPr id="13" name="右大括号 12">
+            <a:extLst>
+              <a:ext uri="{FF2B5EF4-FFF2-40B4-BE49-F238E27FC236}">
+                <a16:creationId xmlns:a16="http://schemas.microsoft.com/office/drawing/2014/main" id="{29B555F7-BED0-0489-15C7-312000C7DB56}"/>
+              </a:ext>
+            </a:extLst>
+          </p:cNvPr>
+          <p:cNvSpPr/>
+          <p:nvPr/>
+        </p:nvSpPr>
+        <p:spPr>
+          <a:xfrm rot="5400000" flipH="1" flipV="1">
+            <a:off x="3288204" y="1856013"/>
+            <a:ext cx="164882" cy="1800000"/>
+          </a:xfrm>
+          <a:prstGeom prst="rightBrace">
+            <a:avLst>
+              <a:gd name="adj1" fmla="val 88333"/>
+              <a:gd name="adj2" fmla="val 50000"/>
+            </a:avLst>
+          </a:prstGeom>
+          <a:ln w="28575"/>
+        </p:spPr>
+        <p:style>
+          <a:lnRef idx="2">
+            <a:schemeClr val="dk1"/>
+          </a:lnRef>
+          <a:fillRef idx="0">
+            <a:schemeClr val="dk1"/>
+          </a:fillRef>
+          <a:effectRef idx="1">
+            <a:schemeClr val="dk1"/>
+          </a:effectRef>
+          <a:fontRef idx="minor">
+            <a:schemeClr val="tx1"/>
+          </a:fontRef>
+        </p:style>
+        <p:txBody>
+          <a:bodyPr rtlCol="0" anchor="ctr"/>
+          <a:lstStyle/>
+          <a:p>
+            <a:pPr algn="ctr"/>
+            <a:endParaRPr lang="en-US"/>
+          </a:p>
+        </p:txBody>
+      </p:sp>
+      <p:sp>
+        <p:nvSpPr>
+          <p:cNvPr id="14" name="文本框 13">
+            <a:extLst>
+              <a:ext uri="{FF2B5EF4-FFF2-40B4-BE49-F238E27FC236}">
+                <a16:creationId xmlns:a16="http://schemas.microsoft.com/office/drawing/2014/main" id="{DE36A5B9-A38B-2FDB-494F-2C1110FFA66F}"/>
+              </a:ext>
+            </a:extLst>
+          </p:cNvPr>
+          <p:cNvSpPr txBox="1"/>
+          <p:nvPr/>
+        </p:nvSpPr>
+        <p:spPr>
+          <a:xfrm>
+            <a:off x="3190948" y="2260686"/>
+            <a:ext cx="359394" cy="461665"/>
+          </a:xfrm>
+          <a:prstGeom prst="rect">
+            <a:avLst/>
+          </a:prstGeom>
+          <a:noFill/>
+        </p:spPr>
+        <p:txBody>
+          <a:bodyPr wrap="none" rtlCol="0">
+            <a:spAutoFit/>
+          </a:bodyPr>
+          <a:lstStyle/>
+          <a:p>
+            <a:r>
+              <a:rPr lang="en-US" sz="2400" dirty="0"/>
+              <a:t>K</a:t>
+            </a:r>
+          </a:p>
+        </p:txBody>
+      </p:sp>
+      <p:sp>
+        <p:nvSpPr>
+          <p:cNvPr id="16" name="右大括号 15">
+            <a:extLst>
+              <a:ext uri="{FF2B5EF4-FFF2-40B4-BE49-F238E27FC236}">
+                <a16:creationId xmlns:a16="http://schemas.microsoft.com/office/drawing/2014/main" id="{711E1AA1-CDFA-4FDC-D3BB-B01A80FE2B08}"/>
+              </a:ext>
+            </a:extLst>
+          </p:cNvPr>
+          <p:cNvSpPr/>
+          <p:nvPr/>
+        </p:nvSpPr>
+        <p:spPr>
+          <a:xfrm rot="5400000" flipH="1" flipV="1">
+            <a:off x="4676510" y="480427"/>
+            <a:ext cx="164882" cy="540000"/>
+          </a:xfrm>
+          <a:prstGeom prst="rightBrace">
+            <a:avLst>
+              <a:gd name="adj1" fmla="val 88333"/>
+              <a:gd name="adj2" fmla="val 50000"/>
+            </a:avLst>
+          </a:prstGeom>
+          <a:ln w="28575"/>
+        </p:spPr>
+        <p:style>
+          <a:lnRef idx="2">
+            <a:schemeClr val="dk1"/>
+          </a:lnRef>
+          <a:fillRef idx="0">
+            <a:schemeClr val="dk1"/>
+          </a:fillRef>
+          <a:effectRef idx="1">
+            <a:schemeClr val="dk1"/>
+          </a:effectRef>
+          <a:fontRef idx="minor">
+            <a:schemeClr val="tx1"/>
+          </a:fontRef>
+        </p:style>
+        <p:txBody>
+          <a:bodyPr rtlCol="0" anchor="ctr"/>
+          <a:lstStyle/>
+          <a:p>
+            <a:pPr algn="ctr"/>
+            <a:endParaRPr lang="en-US"/>
+          </a:p>
+        </p:txBody>
+      </p:sp>
+      <p:sp>
+        <p:nvSpPr>
+          <p:cNvPr id="17" name="文本框 16">
+            <a:extLst>
+              <a:ext uri="{FF2B5EF4-FFF2-40B4-BE49-F238E27FC236}">
+                <a16:creationId xmlns:a16="http://schemas.microsoft.com/office/drawing/2014/main" id="{E75FB089-0304-190B-C39B-051C5689A648}"/>
+              </a:ext>
+            </a:extLst>
+          </p:cNvPr>
+          <p:cNvSpPr txBox="1"/>
+          <p:nvPr/>
+        </p:nvSpPr>
+        <p:spPr>
+          <a:xfrm>
+            <a:off x="4185751" y="322516"/>
+            <a:ext cx="1162626" cy="369332"/>
+          </a:xfrm>
+          <a:prstGeom prst="rect">
+            <a:avLst/>
+          </a:prstGeom>
+          <a:noFill/>
+        </p:spPr>
+        <p:txBody>
+          <a:bodyPr wrap="none" rtlCol="0">
+            <a:spAutoFit/>
+          </a:bodyPr>
+          <a:lstStyle/>
+          <a:p>
+            <a:r>
+              <a:rPr lang="en-US" dirty="0"/>
+              <a:t>BLOCK_N</a:t>
+            </a:r>
+          </a:p>
+        </p:txBody>
+      </p:sp>
+      <p:sp>
+        <p:nvSpPr>
+          <p:cNvPr id="18" name="右大括号 17">
+            <a:extLst>
+              <a:ext uri="{FF2B5EF4-FFF2-40B4-BE49-F238E27FC236}">
+                <a16:creationId xmlns:a16="http://schemas.microsoft.com/office/drawing/2014/main" id="{4BD0FBE1-28F0-67B1-AC18-0D659CC824E8}"/>
+              </a:ext>
+            </a:extLst>
+          </p:cNvPr>
+          <p:cNvSpPr/>
+          <p:nvPr/>
+        </p:nvSpPr>
+        <p:spPr>
+          <a:xfrm flipH="1" flipV="1">
+            <a:off x="2237830" y="2930128"/>
+            <a:ext cx="164882" cy="540000"/>
+          </a:xfrm>
+          <a:prstGeom prst="rightBrace">
+            <a:avLst>
+              <a:gd name="adj1" fmla="val 88333"/>
+              <a:gd name="adj2" fmla="val 50000"/>
+            </a:avLst>
+          </a:prstGeom>
+          <a:ln w="28575"/>
+        </p:spPr>
+        <p:style>
+          <a:lnRef idx="2">
+            <a:schemeClr val="dk1"/>
+          </a:lnRef>
+          <a:fillRef idx="0">
+            <a:schemeClr val="dk1"/>
+          </a:fillRef>
+          <a:effectRef idx="1">
+            <a:schemeClr val="dk1"/>
+          </a:effectRef>
+          <a:fontRef idx="minor">
+            <a:schemeClr val="tx1"/>
+          </a:fontRef>
+        </p:style>
+        <p:txBody>
+          <a:bodyPr rtlCol="0" anchor="ctr"/>
+          <a:lstStyle/>
+          <a:p>
+            <a:pPr algn="ctr"/>
+            <a:endParaRPr lang="en-US"/>
+          </a:p>
+        </p:txBody>
+      </p:sp>
+      <p:sp>
+        <p:nvSpPr>
+          <p:cNvPr id="19" name="文本框 18">
+            <a:extLst>
+              <a:ext uri="{FF2B5EF4-FFF2-40B4-BE49-F238E27FC236}">
+                <a16:creationId xmlns:a16="http://schemas.microsoft.com/office/drawing/2014/main" id="{B4A80D6B-59C3-5D6D-BDA3-039605FC5802}"/>
+              </a:ext>
+            </a:extLst>
+          </p:cNvPr>
+          <p:cNvSpPr txBox="1"/>
+          <p:nvPr/>
+        </p:nvSpPr>
+        <p:spPr>
+          <a:xfrm rot="16200000">
+            <a:off x="1490859" y="3025950"/>
+            <a:ext cx="1181862" cy="369332"/>
+          </a:xfrm>
+          <a:prstGeom prst="rect">
+            <a:avLst/>
+          </a:prstGeom>
+          <a:noFill/>
+        </p:spPr>
+        <p:txBody>
+          <a:bodyPr wrap="none" rtlCol="0">
+            <a:spAutoFit/>
+          </a:bodyPr>
+          <a:lstStyle/>
+          <a:p>
+            <a:r>
+              <a:rPr lang="en-US" dirty="0"/>
+              <a:t>BLOCK_M</a:t>
+            </a:r>
+          </a:p>
+        </p:txBody>
+      </p:sp>
+    </p:spTree>
+    <p:extLst>
+      <p:ext uri="{BB962C8B-B14F-4D97-AF65-F5344CB8AC3E}">
+        <p14:creationId xmlns:p14="http://schemas.microsoft.com/office/powerpoint/2010/main" val="2668478116"/>
+      </p:ext>
+    </p:extLst>
+  </p:cSld>
+  <p:clrMapOvr>
+    <a:masterClrMapping/>
+  </p:clrMapOvr>
+</p:sld>
+</file>
+
+<file path=ppt/slides/slide8.xml><?xml version="1.0" encoding="utf-8"?>
+<p:sld xmlns:a="http://schemas.openxmlformats.org/drawingml/2006/main" xmlns:r="http://schemas.openxmlformats.org/officeDocument/2006/relationships" xmlns:p="http://schemas.openxmlformats.org/presentationml/2006/main">
+  <p:cSld>
+    <p:spTree>
+      <p:nvGrpSpPr>
+        <p:cNvPr id="1" name="">
+          <a:extLst>
+            <a:ext uri="{FF2B5EF4-FFF2-40B4-BE49-F238E27FC236}">
+              <a16:creationId xmlns:a16="http://schemas.microsoft.com/office/drawing/2014/main" id="{0EF960B1-64AB-699D-1FBA-B059C56F23D6}"/>
+            </a:ext>
+          </a:extLst>
+        </p:cNvPr>
+        <p:cNvGrpSpPr/>
+        <p:nvPr/>
+      </p:nvGrpSpPr>
+      <p:grpSpPr>
+        <a:xfrm>
+          <a:off x="0" y="0"/>
+          <a:ext cx="0" cy="0"/>
+          <a:chOff x="0" y="0"/>
+          <a:chExt cx="0" cy="0"/>
+        </a:xfrm>
+      </p:grpSpPr>
+      <p:graphicFrame>
+        <p:nvGraphicFramePr>
+          <p:cNvPr id="4" name="表格 3">
+            <a:extLst>
+              <a:ext uri="{FF2B5EF4-FFF2-40B4-BE49-F238E27FC236}">
+                <a16:creationId xmlns:a16="http://schemas.microsoft.com/office/drawing/2014/main" id="{ACCABB2F-8D00-C939-5346-57A214FAFCA6}"/>
+              </a:ext>
+            </a:extLst>
+          </p:cNvPr>
+          <p:cNvGraphicFramePr>
+            <a:graphicFrameLocks noGrp="1"/>
+          </p:cNvGraphicFramePr>
+          <p:nvPr>
+            <p:extLst>
+              <p:ext uri="{D42A27DB-BD31-4B8C-83A1-F6EECF244321}">
+                <p14:modId xmlns:p14="http://schemas.microsoft.com/office/powerpoint/2010/main" val="2545217813"/>
+              </p:ext>
+            </p:extLst>
+          </p:nvPr>
+        </p:nvGraphicFramePr>
+        <p:xfrm>
+          <a:off x="4488953" y="2930128"/>
+          <a:ext cx="2160000" cy="2160000"/>
+        </p:xfrm>
+        <a:graphic>
+          <a:graphicData uri="http://schemas.openxmlformats.org/drawingml/2006/table">
+            <a:tbl>
+              <a:tblPr firstRow="1" bandRow="1">
+                <a:tableStyleId>{2D5ABB26-0587-4C30-8999-92F81FD0307C}</a:tableStyleId>
+              </a:tblPr>
+              <a:tblGrid>
+                <a:gridCol w="540000">
+                  <a:extLst>
+                    <a:ext uri="{9D8B030D-6E8A-4147-A177-3AD203B41FA5}">
+                      <a16:colId xmlns:a16="http://schemas.microsoft.com/office/drawing/2014/main" val="3507072357"/>
+                    </a:ext>
+                  </a:extLst>
+                </a:gridCol>
+                <a:gridCol w="540000">
+                  <a:extLst>
+                    <a:ext uri="{9D8B030D-6E8A-4147-A177-3AD203B41FA5}">
+                      <a16:colId xmlns:a16="http://schemas.microsoft.com/office/drawing/2014/main" val="2099709079"/>
+                    </a:ext>
+                  </a:extLst>
+                </a:gridCol>
+                <a:gridCol w="540000">
+                  <a:extLst>
+                    <a:ext uri="{9D8B030D-6E8A-4147-A177-3AD203B41FA5}">
+                      <a16:colId xmlns:a16="http://schemas.microsoft.com/office/drawing/2014/main" val="3432356744"/>
+                    </a:ext>
+                  </a:extLst>
+                </a:gridCol>
+                <a:gridCol w="540000">
+                  <a:extLst>
+                    <a:ext uri="{9D8B030D-6E8A-4147-A177-3AD203B41FA5}">
+                      <a16:colId xmlns:a16="http://schemas.microsoft.com/office/drawing/2014/main" val="1662690792"/>
+                    </a:ext>
+                  </a:extLst>
+                </a:gridCol>
+              </a:tblGrid>
+              <a:tr h="540000">
+                <a:tc>
+                  <a:txBody>
+                    <a:bodyPr/>
+                    <a:lstStyle/>
+                    <a:p>
+                      <a:r>
+                        <a:rPr lang="en-US" sz="1400" dirty="0"/>
+                        <a:t>(0,0)</a:t>
+                      </a:r>
+                    </a:p>
+                    <a:p>
+                      <a:r>
+                        <a:rPr lang="en-US" sz="1400" dirty="0"/>
+                        <a:t>SM0</a:t>
+                      </a:r>
+                    </a:p>
+                  </a:txBody>
+                  <a:tcPr anchor="ctr">
+                    <a:lnL w="12700" cap="flat" cmpd="sng" algn="ctr">
+                      <a:solidFill>
+                        <a:schemeClr val="tx1"/>
+                      </a:solidFill>
+                      <a:prstDash val="solid"/>
+                      <a:round/>
+                      <a:headEnd type="none" w="med" len="med"/>
+                      <a:tailEnd type="none" w="med" len="med"/>
+                    </a:lnL>
+                    <a:lnR w="12700" cap="flat" cmpd="sng" algn="ctr">
+                      <a:solidFill>
+                        <a:schemeClr val="tx1"/>
+                      </a:solidFill>
+                      <a:prstDash val="solid"/>
+                      <a:round/>
+                      <a:headEnd type="none" w="med" len="med"/>
+                      <a:tailEnd type="none" w="med" len="med"/>
+                    </a:lnR>
+                    <a:lnT w="12700" cap="flat" cmpd="sng" algn="ctr">
+                      <a:solidFill>
+                        <a:schemeClr val="tx1"/>
+                      </a:solidFill>
+                      <a:prstDash val="solid"/>
+                      <a:round/>
+                      <a:headEnd type="none" w="med" len="med"/>
+                      <a:tailEnd type="none" w="med" len="med"/>
+                    </a:lnT>
+                    <a:lnB w="12700" cap="flat" cmpd="sng" algn="ctr">
+                      <a:solidFill>
+                        <a:schemeClr val="tx1"/>
+                      </a:solidFill>
+                      <a:prstDash val="solid"/>
+                      <a:round/>
+                      <a:headEnd type="none" w="med" len="med"/>
+                      <a:tailEnd type="none" w="med" len="med"/>
+                    </a:lnB>
+                    <a:solidFill>
+                      <a:schemeClr val="accent2">
+                        <a:lumMod val="60000"/>
+                        <a:lumOff val="40000"/>
+                      </a:schemeClr>
+                    </a:solidFill>
+                  </a:tcPr>
+                </a:tc>
+                <a:tc>
+                  <a:txBody>
+                    <a:bodyPr/>
+                    <a:lstStyle/>
+                    <a:p>
+                      <a:r>
+                        <a:rPr lang="en-US" sz="1400" dirty="0"/>
+                        <a:t>(0,1)</a:t>
+                      </a:r>
+                    </a:p>
+                    <a:p>
+                      <a:r>
+                        <a:rPr lang="en-US" sz="1400" dirty="0"/>
+                        <a:t>SM1</a:t>
+                      </a:r>
+                    </a:p>
+                  </a:txBody>
+                  <a:tcPr anchor="ctr">
+                    <a:lnL w="12700" cap="flat" cmpd="sng" algn="ctr">
+                      <a:solidFill>
+                        <a:schemeClr val="tx1"/>
+                      </a:solidFill>
+                      <a:prstDash val="solid"/>
+                      <a:round/>
+                      <a:headEnd type="none" w="med" len="med"/>
+                      <a:tailEnd type="none" w="med" len="med"/>
+                    </a:lnL>
+                    <a:lnR w="12700" cap="flat" cmpd="sng" algn="ctr">
+                      <a:solidFill>
+                        <a:schemeClr val="tx1"/>
+                      </a:solidFill>
+                      <a:prstDash val="solid"/>
+                      <a:round/>
+                      <a:headEnd type="none" w="med" len="med"/>
+                      <a:tailEnd type="none" w="med" len="med"/>
+                    </a:lnR>
+                    <a:lnT w="12700" cap="flat" cmpd="sng" algn="ctr">
+                      <a:solidFill>
+                        <a:schemeClr val="tx1"/>
+                      </a:solidFill>
+                      <a:prstDash val="solid"/>
+                      <a:round/>
+                      <a:headEnd type="none" w="med" len="med"/>
+                      <a:tailEnd type="none" w="med" len="med"/>
+                    </a:lnT>
+                    <a:lnB w="12700" cap="flat" cmpd="sng" algn="ctr">
+                      <a:solidFill>
+                        <a:schemeClr val="tx1"/>
+                      </a:solidFill>
+                      <a:prstDash val="solid"/>
+                      <a:round/>
+                      <a:headEnd type="none" w="med" len="med"/>
+                      <a:tailEnd type="none" w="med" len="med"/>
+                    </a:lnB>
+                    <a:solidFill>
+                      <a:schemeClr val="accent2">
+                        <a:lumMod val="60000"/>
+                        <a:lumOff val="40000"/>
+                      </a:schemeClr>
+                    </a:solidFill>
+                  </a:tcPr>
+                </a:tc>
+                <a:tc>
+                  <a:txBody>
+                    <a:bodyPr/>
+                    <a:lstStyle/>
+                    <a:p>
+                      <a:pPr marL="0" marR="0" lvl="0" indent="0" algn="l" defTabSz="914400" rtl="0" eaLnBrk="1" fontAlgn="auto" latinLnBrk="0" hangingPunct="1">
+                        <a:lnSpc>
+                          <a:spcPct val="100000"/>
+                        </a:lnSpc>
+                        <a:spcBef>
+                          <a:spcPts val="0"/>
+                        </a:spcBef>
+                        <a:spcAft>
+                          <a:spcPts val="0"/>
+                        </a:spcAft>
+                        <a:buClrTx/>
+                        <a:buSzTx/>
+                        <a:buFontTx/>
+                        <a:buNone/>
+                        <a:tabLst/>
+                        <a:defRPr/>
+                      </a:pPr>
+                      <a:r>
+                        <a:rPr lang="en-US" sz="1400" dirty="0"/>
+                        <a:t>(0,2)</a:t>
+                      </a:r>
+                    </a:p>
+                  </a:txBody>
+                  <a:tcPr anchor="ctr">
+                    <a:lnL w="12700" cap="flat" cmpd="sng" algn="ctr">
+                      <a:solidFill>
+                        <a:schemeClr val="tx1"/>
+                      </a:solidFill>
+                      <a:prstDash val="solid"/>
+                      <a:round/>
+                      <a:headEnd type="none" w="med" len="med"/>
+                      <a:tailEnd type="none" w="med" len="med"/>
+                    </a:lnL>
+                    <a:lnR w="12700" cap="flat" cmpd="sng" algn="ctr">
+                      <a:solidFill>
+                        <a:schemeClr val="tx1"/>
+                      </a:solidFill>
+                      <a:prstDash val="solid"/>
+                      <a:round/>
+                      <a:headEnd type="none" w="med" len="med"/>
+                      <a:tailEnd type="none" w="med" len="med"/>
+                    </a:lnR>
+                    <a:lnT w="12700" cap="flat" cmpd="sng" algn="ctr">
+                      <a:solidFill>
+                        <a:schemeClr val="tx1"/>
+                      </a:solidFill>
+                      <a:prstDash val="solid"/>
+                      <a:round/>
+                      <a:headEnd type="none" w="med" len="med"/>
+                      <a:tailEnd type="none" w="med" len="med"/>
+                    </a:lnT>
+                    <a:lnB w="12700" cap="flat" cmpd="sng" algn="ctr">
+                      <a:solidFill>
+                        <a:schemeClr val="tx1"/>
+                      </a:solidFill>
+                      <a:prstDash val="solid"/>
+                      <a:round/>
+                      <a:headEnd type="none" w="med" len="med"/>
+                      <a:tailEnd type="none" w="med" len="med"/>
+                    </a:lnB>
+                  </a:tcPr>
+                </a:tc>
+                <a:tc>
+                  <a:txBody>
+                    <a:bodyPr/>
+                    <a:lstStyle/>
+                    <a:p>
+                      <a:pPr marL="0" marR="0" lvl="0" indent="0" algn="l" defTabSz="914400" rtl="0" eaLnBrk="1" fontAlgn="auto" latinLnBrk="0" hangingPunct="1">
+                        <a:lnSpc>
+                          <a:spcPct val="100000"/>
+                        </a:lnSpc>
+                        <a:spcBef>
+                          <a:spcPts val="0"/>
+                        </a:spcBef>
+                        <a:spcAft>
+                          <a:spcPts val="0"/>
+                        </a:spcAft>
+                        <a:buClrTx/>
+                        <a:buSzTx/>
+                        <a:buFontTx/>
+                        <a:buNone/>
+                        <a:tabLst/>
+                        <a:defRPr/>
+                      </a:pPr>
+                      <a:r>
+                        <a:rPr lang="en-US" sz="1400" dirty="0"/>
+                        <a:t>(0,3)</a:t>
+                      </a:r>
+                    </a:p>
+                  </a:txBody>
+                  <a:tcPr anchor="ctr">
+                    <a:lnL w="12700" cap="flat" cmpd="sng" algn="ctr">
+                      <a:solidFill>
+                        <a:schemeClr val="tx1"/>
+                      </a:solidFill>
+                      <a:prstDash val="solid"/>
+                      <a:round/>
+                      <a:headEnd type="none" w="med" len="med"/>
+                      <a:tailEnd type="none" w="med" len="med"/>
+                    </a:lnL>
+                    <a:lnR w="12700" cap="flat" cmpd="sng" algn="ctr">
+                      <a:solidFill>
+                        <a:schemeClr val="tx1"/>
+                      </a:solidFill>
+                      <a:prstDash val="solid"/>
+                      <a:round/>
+                      <a:headEnd type="none" w="med" len="med"/>
+                      <a:tailEnd type="none" w="med" len="med"/>
+                    </a:lnR>
+                    <a:lnT w="12700" cap="flat" cmpd="sng" algn="ctr">
+                      <a:solidFill>
+                        <a:schemeClr val="tx1"/>
+                      </a:solidFill>
+                      <a:prstDash val="solid"/>
+                      <a:round/>
+                      <a:headEnd type="none" w="med" len="med"/>
+                      <a:tailEnd type="none" w="med" len="med"/>
+                    </a:lnT>
+                    <a:lnB w="12700" cap="flat" cmpd="sng" algn="ctr">
+                      <a:solidFill>
+                        <a:schemeClr val="tx1"/>
+                      </a:solidFill>
+                      <a:prstDash val="solid"/>
+                      <a:round/>
+                      <a:headEnd type="none" w="med" len="med"/>
+                      <a:tailEnd type="none" w="med" len="med"/>
+                    </a:lnB>
+                  </a:tcPr>
+                </a:tc>
+                <a:extLst>
+                  <a:ext uri="{0D108BD9-81ED-4DB2-BD59-A6C34878D82A}">
+                    <a16:rowId xmlns:a16="http://schemas.microsoft.com/office/drawing/2014/main" val="1183027093"/>
+                  </a:ext>
+                </a:extLst>
+              </a:tr>
+              <a:tr h="540000">
+                <a:tc>
+                  <a:txBody>
+                    <a:bodyPr/>
+                    <a:lstStyle/>
+                    <a:p>
+                      <a:r>
+                        <a:rPr lang="en-US" sz="1400" dirty="0"/>
+                        <a:t>(1,0)</a:t>
+                      </a:r>
+                    </a:p>
+                    <a:p>
+                      <a:r>
+                        <a:rPr lang="en-US" sz="1400" dirty="0"/>
+                        <a:t>SM2</a:t>
+                      </a:r>
+                    </a:p>
+                  </a:txBody>
+                  <a:tcPr anchor="ctr">
+                    <a:lnL w="12700" cap="flat" cmpd="sng" algn="ctr">
+                      <a:solidFill>
+                        <a:schemeClr val="tx1"/>
+                      </a:solidFill>
+                      <a:prstDash val="solid"/>
+                      <a:round/>
+                      <a:headEnd type="none" w="med" len="med"/>
+                      <a:tailEnd type="none" w="med" len="med"/>
+                    </a:lnL>
+                    <a:lnR w="12700" cap="flat" cmpd="sng" algn="ctr">
+                      <a:solidFill>
+                        <a:schemeClr val="tx1"/>
+                      </a:solidFill>
+                      <a:prstDash val="solid"/>
+                      <a:round/>
+                      <a:headEnd type="none" w="med" len="med"/>
+                      <a:tailEnd type="none" w="med" len="med"/>
+                    </a:lnR>
+                    <a:lnT w="12700" cap="flat" cmpd="sng" algn="ctr">
+                      <a:solidFill>
+                        <a:schemeClr val="tx1"/>
+                      </a:solidFill>
+                      <a:prstDash val="solid"/>
+                      <a:round/>
+                      <a:headEnd type="none" w="med" len="med"/>
+                      <a:tailEnd type="none" w="med" len="med"/>
+                    </a:lnT>
+                    <a:lnB w="12700" cap="flat" cmpd="sng" algn="ctr">
+                      <a:solidFill>
+                        <a:schemeClr val="tx1"/>
+                      </a:solidFill>
+                      <a:prstDash val="solid"/>
+                      <a:round/>
+                      <a:headEnd type="none" w="med" len="med"/>
+                      <a:tailEnd type="none" w="med" len="med"/>
+                    </a:lnB>
+                    <a:solidFill>
+                      <a:schemeClr val="accent2">
+                        <a:lumMod val="60000"/>
+                        <a:lumOff val="40000"/>
+                      </a:schemeClr>
+                    </a:solidFill>
+                  </a:tcPr>
+                </a:tc>
+                <a:tc>
+                  <a:txBody>
+                    <a:bodyPr/>
+                    <a:lstStyle/>
+                    <a:p>
+                      <a:r>
+                        <a:rPr lang="en-US" sz="1400" dirty="0"/>
+                        <a:t>(1,1)</a:t>
+                      </a:r>
+                    </a:p>
+                    <a:p>
+                      <a:r>
+                        <a:rPr lang="en-US" sz="1400" dirty="0"/>
+                        <a:t>SM3</a:t>
+                      </a:r>
+                    </a:p>
+                  </a:txBody>
+                  <a:tcPr anchor="ctr">
+                    <a:lnL w="12700" cap="flat" cmpd="sng" algn="ctr">
+                      <a:solidFill>
+                        <a:schemeClr val="tx1"/>
+                      </a:solidFill>
+                      <a:prstDash val="solid"/>
+                      <a:round/>
+                      <a:headEnd type="none" w="med" len="med"/>
+                      <a:tailEnd type="none" w="med" len="med"/>
+                    </a:lnL>
+                    <a:lnR w="12700" cap="flat" cmpd="sng" algn="ctr">
+                      <a:solidFill>
+                        <a:schemeClr val="tx1"/>
+                      </a:solidFill>
+                      <a:prstDash val="solid"/>
+                      <a:round/>
+                      <a:headEnd type="none" w="med" len="med"/>
+                      <a:tailEnd type="none" w="med" len="med"/>
+                    </a:lnR>
+                    <a:lnT w="12700" cap="flat" cmpd="sng" algn="ctr">
+                      <a:solidFill>
+                        <a:schemeClr val="tx1"/>
+                      </a:solidFill>
+                      <a:prstDash val="solid"/>
+                      <a:round/>
+                      <a:headEnd type="none" w="med" len="med"/>
+                      <a:tailEnd type="none" w="med" len="med"/>
+                    </a:lnT>
+                    <a:lnB w="12700" cap="flat" cmpd="sng" algn="ctr">
+                      <a:solidFill>
+                        <a:schemeClr val="tx1"/>
+                      </a:solidFill>
+                      <a:prstDash val="solid"/>
+                      <a:round/>
+                      <a:headEnd type="none" w="med" len="med"/>
+                      <a:tailEnd type="none" w="med" len="med"/>
+                    </a:lnB>
+                    <a:solidFill>
+                      <a:schemeClr val="accent2">
+                        <a:lumMod val="60000"/>
+                        <a:lumOff val="40000"/>
+                      </a:schemeClr>
+                    </a:solidFill>
+                  </a:tcPr>
+                </a:tc>
+                <a:tc>
+                  <a:txBody>
+                    <a:bodyPr/>
+                    <a:lstStyle/>
+                    <a:p>
+                      <a:pPr marL="0" marR="0" lvl="0" indent="0" algn="l" defTabSz="914400" rtl="0" eaLnBrk="1" fontAlgn="auto" latinLnBrk="0" hangingPunct="1">
+                        <a:lnSpc>
+                          <a:spcPct val="100000"/>
+                        </a:lnSpc>
+                        <a:spcBef>
+                          <a:spcPts val="0"/>
+                        </a:spcBef>
+                        <a:spcAft>
+                          <a:spcPts val="0"/>
+                        </a:spcAft>
+                        <a:buClrTx/>
+                        <a:buSzTx/>
+                        <a:buFontTx/>
+                        <a:buNone/>
+                        <a:tabLst/>
+                        <a:defRPr/>
+                      </a:pPr>
+                      <a:r>
+                        <a:rPr lang="en-US" sz="1400" dirty="0"/>
+                        <a:t>(1,2)</a:t>
+                      </a:r>
+                    </a:p>
+                  </a:txBody>
+                  <a:tcPr anchor="ctr">
+                    <a:lnL w="12700" cap="flat" cmpd="sng" algn="ctr">
+                      <a:solidFill>
+                        <a:schemeClr val="tx1"/>
+                      </a:solidFill>
+                      <a:prstDash val="solid"/>
+                      <a:round/>
+                      <a:headEnd type="none" w="med" len="med"/>
+                      <a:tailEnd type="none" w="med" len="med"/>
+                    </a:lnL>
+                    <a:lnR w="12700" cap="flat" cmpd="sng" algn="ctr">
+                      <a:solidFill>
+                        <a:schemeClr val="tx1"/>
+                      </a:solidFill>
+                      <a:prstDash val="solid"/>
+                      <a:round/>
+                      <a:headEnd type="none" w="med" len="med"/>
+                      <a:tailEnd type="none" w="med" len="med"/>
+                    </a:lnR>
+                    <a:lnT w="12700" cap="flat" cmpd="sng" algn="ctr">
+                      <a:solidFill>
+                        <a:schemeClr val="tx1"/>
+                      </a:solidFill>
+                      <a:prstDash val="solid"/>
+                      <a:round/>
+                      <a:headEnd type="none" w="med" len="med"/>
+                      <a:tailEnd type="none" w="med" len="med"/>
+                    </a:lnT>
+                    <a:lnB w="12700" cap="flat" cmpd="sng" algn="ctr">
+                      <a:solidFill>
+                        <a:schemeClr val="tx1"/>
+                      </a:solidFill>
+                      <a:prstDash val="solid"/>
+                      <a:round/>
+                      <a:headEnd type="none" w="med" len="med"/>
+                      <a:tailEnd type="none" w="med" len="med"/>
+                    </a:lnB>
+                  </a:tcPr>
+                </a:tc>
+                <a:tc>
+                  <a:txBody>
+                    <a:bodyPr/>
+                    <a:lstStyle/>
+                    <a:p>
+                      <a:pPr marL="0" marR="0" lvl="0" indent="0" algn="l" defTabSz="914400" rtl="0" eaLnBrk="1" fontAlgn="auto" latinLnBrk="0" hangingPunct="1">
+                        <a:lnSpc>
+                          <a:spcPct val="100000"/>
+                        </a:lnSpc>
+                        <a:spcBef>
+                          <a:spcPts val="0"/>
+                        </a:spcBef>
+                        <a:spcAft>
+                          <a:spcPts val="0"/>
+                        </a:spcAft>
+                        <a:buClrTx/>
+                        <a:buSzTx/>
+                        <a:buFontTx/>
+                        <a:buNone/>
+                        <a:tabLst/>
+                        <a:defRPr/>
+                      </a:pPr>
+                      <a:r>
+                        <a:rPr lang="en-US" sz="1400" dirty="0"/>
+                        <a:t>(1,3)</a:t>
+                      </a:r>
+                    </a:p>
+                  </a:txBody>
+                  <a:tcPr anchor="ctr">
+                    <a:lnL w="12700" cap="flat" cmpd="sng" algn="ctr">
+                      <a:solidFill>
+                        <a:schemeClr val="tx1"/>
+                      </a:solidFill>
+                      <a:prstDash val="solid"/>
+                      <a:round/>
+                      <a:headEnd type="none" w="med" len="med"/>
+                      <a:tailEnd type="none" w="med" len="med"/>
+                    </a:lnL>
+                    <a:lnR w="12700" cap="flat" cmpd="sng" algn="ctr">
+                      <a:solidFill>
+                        <a:schemeClr val="tx1"/>
+                      </a:solidFill>
+                      <a:prstDash val="solid"/>
+                      <a:round/>
+                      <a:headEnd type="none" w="med" len="med"/>
+                      <a:tailEnd type="none" w="med" len="med"/>
+                    </a:lnR>
+                    <a:lnT w="12700" cap="flat" cmpd="sng" algn="ctr">
+                      <a:solidFill>
+                        <a:schemeClr val="tx1"/>
+                      </a:solidFill>
+                      <a:prstDash val="solid"/>
+                      <a:round/>
+                      <a:headEnd type="none" w="med" len="med"/>
+                      <a:tailEnd type="none" w="med" len="med"/>
+                    </a:lnT>
+                    <a:lnB w="12700" cap="flat" cmpd="sng" algn="ctr">
+                      <a:solidFill>
+                        <a:schemeClr val="tx1"/>
+                      </a:solidFill>
+                      <a:prstDash val="solid"/>
+                      <a:round/>
+                      <a:headEnd type="none" w="med" len="med"/>
+                      <a:tailEnd type="none" w="med" len="med"/>
+                    </a:lnB>
+                  </a:tcPr>
+                </a:tc>
+                <a:extLst>
+                  <a:ext uri="{0D108BD9-81ED-4DB2-BD59-A6C34878D82A}">
+                    <a16:rowId xmlns:a16="http://schemas.microsoft.com/office/drawing/2014/main" val="1771589775"/>
+                  </a:ext>
+                </a:extLst>
+              </a:tr>
+              <a:tr h="540000">
+                <a:tc>
+                  <a:txBody>
+                    <a:bodyPr/>
+                    <a:lstStyle/>
+                    <a:p>
+                      <a:r>
+                        <a:rPr lang="en-US" sz="1400" dirty="0"/>
+                        <a:t>(2,0)</a:t>
+                      </a:r>
+                    </a:p>
+                  </a:txBody>
+                  <a:tcPr anchor="ctr">
+                    <a:lnL w="12700" cap="flat" cmpd="sng" algn="ctr">
+                      <a:solidFill>
+                        <a:schemeClr val="tx1"/>
+                      </a:solidFill>
+                      <a:prstDash val="solid"/>
+                      <a:round/>
+                      <a:headEnd type="none" w="med" len="med"/>
+                      <a:tailEnd type="none" w="med" len="med"/>
+                    </a:lnL>
+                    <a:lnR w="12700" cap="flat" cmpd="sng" algn="ctr">
+                      <a:solidFill>
+                        <a:schemeClr val="tx1"/>
+                      </a:solidFill>
+                      <a:prstDash val="solid"/>
+                      <a:round/>
+                      <a:headEnd type="none" w="med" len="med"/>
+                      <a:tailEnd type="none" w="med" len="med"/>
+                    </a:lnR>
+                    <a:lnT w="12700" cap="flat" cmpd="sng" algn="ctr">
+                      <a:solidFill>
+                        <a:schemeClr val="tx1"/>
+                      </a:solidFill>
+                      <a:prstDash val="solid"/>
+                      <a:round/>
+                      <a:headEnd type="none" w="med" len="med"/>
+                      <a:tailEnd type="none" w="med" len="med"/>
+                    </a:lnT>
+                    <a:lnB w="12700" cap="flat" cmpd="sng" algn="ctr">
+                      <a:solidFill>
+                        <a:schemeClr val="tx1"/>
+                      </a:solidFill>
+                      <a:prstDash val="solid"/>
+                      <a:round/>
+                      <a:headEnd type="none" w="med" len="med"/>
+                      <a:tailEnd type="none" w="med" len="med"/>
+                    </a:lnB>
+                  </a:tcPr>
+                </a:tc>
+                <a:tc>
+                  <a:txBody>
+                    <a:bodyPr/>
+                    <a:lstStyle/>
+                    <a:p>
+                      <a:r>
+                        <a:rPr lang="en-US" sz="1400" dirty="0"/>
+                        <a:t>(2,1)</a:t>
+                      </a:r>
+                    </a:p>
+                  </a:txBody>
+                  <a:tcPr anchor="ctr">
+                    <a:lnL w="12700" cap="flat" cmpd="sng" algn="ctr">
+                      <a:solidFill>
+                        <a:schemeClr val="tx1"/>
+                      </a:solidFill>
+                      <a:prstDash val="solid"/>
+                      <a:round/>
+                      <a:headEnd type="none" w="med" len="med"/>
+                      <a:tailEnd type="none" w="med" len="med"/>
+                    </a:lnL>
+                    <a:lnR w="12700" cap="flat" cmpd="sng" algn="ctr">
+                      <a:solidFill>
+                        <a:schemeClr val="tx1"/>
+                      </a:solidFill>
+                      <a:prstDash val="solid"/>
+                      <a:round/>
+                      <a:headEnd type="none" w="med" len="med"/>
+                      <a:tailEnd type="none" w="med" len="med"/>
+                    </a:lnR>
+                    <a:lnT w="12700" cap="flat" cmpd="sng" algn="ctr">
+                      <a:solidFill>
+                        <a:schemeClr val="tx1"/>
+                      </a:solidFill>
+                      <a:prstDash val="solid"/>
+                      <a:round/>
+                      <a:headEnd type="none" w="med" len="med"/>
+                      <a:tailEnd type="none" w="med" len="med"/>
+                    </a:lnT>
+                    <a:lnB w="12700" cap="flat" cmpd="sng" algn="ctr">
+                      <a:solidFill>
+                        <a:schemeClr val="tx1"/>
+                      </a:solidFill>
+                      <a:prstDash val="solid"/>
+                      <a:round/>
+                      <a:headEnd type="none" w="med" len="med"/>
+                      <a:tailEnd type="none" w="med" len="med"/>
+                    </a:lnB>
+                  </a:tcPr>
+                </a:tc>
+                <a:tc>
+                  <a:txBody>
+                    <a:bodyPr/>
+                    <a:lstStyle/>
+                    <a:p>
+                      <a:pPr marL="0" marR="0" lvl="0" indent="0" algn="l" defTabSz="914400" rtl="0" eaLnBrk="1" fontAlgn="auto" latinLnBrk="0" hangingPunct="1">
+                        <a:lnSpc>
+                          <a:spcPct val="100000"/>
+                        </a:lnSpc>
+                        <a:spcBef>
+                          <a:spcPts val="0"/>
+                        </a:spcBef>
+                        <a:spcAft>
+                          <a:spcPts val="0"/>
+                        </a:spcAft>
+                        <a:buClrTx/>
+                        <a:buSzTx/>
+                        <a:buFontTx/>
+                        <a:buNone/>
+                        <a:tabLst/>
+                        <a:defRPr/>
+                      </a:pPr>
+                      <a:r>
+                        <a:rPr lang="en-US" sz="1400" dirty="0"/>
+                        <a:t>(2,2)</a:t>
+                      </a:r>
+                    </a:p>
+                  </a:txBody>
+                  <a:tcPr anchor="ctr">
+                    <a:lnL w="12700" cap="flat" cmpd="sng" algn="ctr">
+                      <a:solidFill>
+                        <a:schemeClr val="tx1"/>
+                      </a:solidFill>
+                      <a:prstDash val="solid"/>
+                      <a:round/>
+                      <a:headEnd type="none" w="med" len="med"/>
+                      <a:tailEnd type="none" w="med" len="med"/>
+                    </a:lnL>
+                    <a:lnR w="12700" cap="flat" cmpd="sng" algn="ctr">
+                      <a:solidFill>
+                        <a:schemeClr val="tx1"/>
+                      </a:solidFill>
+                      <a:prstDash val="solid"/>
+                      <a:round/>
+                      <a:headEnd type="none" w="med" len="med"/>
+                      <a:tailEnd type="none" w="med" len="med"/>
+                    </a:lnR>
+                    <a:lnT w="12700" cap="flat" cmpd="sng" algn="ctr">
+                      <a:solidFill>
+                        <a:schemeClr val="tx1"/>
+                      </a:solidFill>
+                      <a:prstDash val="solid"/>
+                      <a:round/>
+                      <a:headEnd type="none" w="med" len="med"/>
+                      <a:tailEnd type="none" w="med" len="med"/>
+                    </a:lnT>
+                    <a:lnB w="12700" cap="flat" cmpd="sng" algn="ctr">
+                      <a:solidFill>
+                        <a:schemeClr val="tx1"/>
+                      </a:solidFill>
+                      <a:prstDash val="solid"/>
+                      <a:round/>
+                      <a:headEnd type="none" w="med" len="med"/>
+                      <a:tailEnd type="none" w="med" len="med"/>
+                    </a:lnB>
+                  </a:tcPr>
+                </a:tc>
+                <a:tc>
+                  <a:txBody>
+                    <a:bodyPr/>
+                    <a:lstStyle/>
+                    <a:p>
+                      <a:pPr marL="0" marR="0" lvl="0" indent="0" algn="l" defTabSz="914400" rtl="0" eaLnBrk="1" fontAlgn="auto" latinLnBrk="0" hangingPunct="1">
+                        <a:lnSpc>
+                          <a:spcPct val="100000"/>
+                        </a:lnSpc>
+                        <a:spcBef>
+                          <a:spcPts val="0"/>
+                        </a:spcBef>
+                        <a:spcAft>
+                          <a:spcPts val="0"/>
+                        </a:spcAft>
+                        <a:buClrTx/>
+                        <a:buSzTx/>
+                        <a:buFontTx/>
+                        <a:buNone/>
+                        <a:tabLst/>
+                        <a:defRPr/>
+                      </a:pPr>
+                      <a:r>
+                        <a:rPr lang="en-US" sz="1400" dirty="0"/>
+                        <a:t>(2,3)</a:t>
+                      </a:r>
+                    </a:p>
+                  </a:txBody>
+                  <a:tcPr anchor="ctr">
+                    <a:lnL w="12700" cap="flat" cmpd="sng" algn="ctr">
+                      <a:solidFill>
+                        <a:schemeClr val="tx1"/>
+                      </a:solidFill>
+                      <a:prstDash val="solid"/>
+                      <a:round/>
+                      <a:headEnd type="none" w="med" len="med"/>
+                      <a:tailEnd type="none" w="med" len="med"/>
+                    </a:lnL>
+                    <a:lnR w="12700" cap="flat" cmpd="sng" algn="ctr">
+                      <a:solidFill>
+                        <a:schemeClr val="tx1"/>
+                      </a:solidFill>
+                      <a:prstDash val="solid"/>
+                      <a:round/>
+                      <a:headEnd type="none" w="med" len="med"/>
+                      <a:tailEnd type="none" w="med" len="med"/>
+                    </a:lnR>
+                    <a:lnT w="12700" cap="flat" cmpd="sng" algn="ctr">
+                      <a:solidFill>
+                        <a:schemeClr val="tx1"/>
+                      </a:solidFill>
+                      <a:prstDash val="solid"/>
+                      <a:round/>
+                      <a:headEnd type="none" w="med" len="med"/>
+                      <a:tailEnd type="none" w="med" len="med"/>
+                    </a:lnT>
+                    <a:lnB w="12700" cap="flat" cmpd="sng" algn="ctr">
+                      <a:solidFill>
+                        <a:schemeClr val="tx1"/>
+                      </a:solidFill>
+                      <a:prstDash val="solid"/>
+                      <a:round/>
+                      <a:headEnd type="none" w="med" len="med"/>
+                      <a:tailEnd type="none" w="med" len="med"/>
+                    </a:lnB>
+                  </a:tcPr>
+                </a:tc>
+                <a:extLst>
+                  <a:ext uri="{0D108BD9-81ED-4DB2-BD59-A6C34878D82A}">
+                    <a16:rowId xmlns:a16="http://schemas.microsoft.com/office/drawing/2014/main" val="3415133006"/>
+                  </a:ext>
+                </a:extLst>
+              </a:tr>
+              <a:tr h="540000">
+                <a:tc>
+                  <a:txBody>
+                    <a:bodyPr/>
+                    <a:lstStyle/>
+                    <a:p>
+                      <a:r>
+                        <a:rPr lang="en-US" sz="1400" dirty="0"/>
+                        <a:t>(3,0)</a:t>
+                      </a:r>
+                    </a:p>
+                  </a:txBody>
+                  <a:tcPr anchor="ctr">
+                    <a:lnL w="12700" cap="flat" cmpd="sng" algn="ctr">
+                      <a:solidFill>
+                        <a:schemeClr val="tx1"/>
+                      </a:solidFill>
+                      <a:prstDash val="solid"/>
+                      <a:round/>
+                      <a:headEnd type="none" w="med" len="med"/>
+                      <a:tailEnd type="none" w="med" len="med"/>
+                    </a:lnL>
+                    <a:lnR w="12700" cap="flat" cmpd="sng" algn="ctr">
+                      <a:solidFill>
+                        <a:schemeClr val="tx1"/>
+                      </a:solidFill>
+                      <a:prstDash val="solid"/>
+                      <a:round/>
+                      <a:headEnd type="none" w="med" len="med"/>
+                      <a:tailEnd type="none" w="med" len="med"/>
+                    </a:lnR>
+                    <a:lnT w="12700" cap="flat" cmpd="sng" algn="ctr">
+                      <a:solidFill>
+                        <a:schemeClr val="tx1"/>
+                      </a:solidFill>
+                      <a:prstDash val="solid"/>
+                      <a:round/>
+                      <a:headEnd type="none" w="med" len="med"/>
+                      <a:tailEnd type="none" w="med" len="med"/>
+                    </a:lnT>
+                    <a:lnB w="12700" cap="flat" cmpd="sng" algn="ctr">
+                      <a:solidFill>
+                        <a:schemeClr val="tx1"/>
+                      </a:solidFill>
+                      <a:prstDash val="solid"/>
+                      <a:round/>
+                      <a:headEnd type="none" w="med" len="med"/>
+                      <a:tailEnd type="none" w="med" len="med"/>
+                    </a:lnB>
+                  </a:tcPr>
+                </a:tc>
+                <a:tc>
+                  <a:txBody>
+                    <a:bodyPr/>
+                    <a:lstStyle/>
+                    <a:p>
+                      <a:r>
+                        <a:rPr lang="en-US" sz="1400" dirty="0"/>
+                        <a:t>(3,1)</a:t>
+                      </a:r>
+                    </a:p>
+                  </a:txBody>
+                  <a:tcPr anchor="ctr">
+                    <a:lnL w="12700" cap="flat" cmpd="sng" algn="ctr">
+                      <a:solidFill>
+                        <a:schemeClr val="tx1"/>
+                      </a:solidFill>
+                      <a:prstDash val="solid"/>
+                      <a:round/>
+                      <a:headEnd type="none" w="med" len="med"/>
+                      <a:tailEnd type="none" w="med" len="med"/>
+                    </a:lnL>
+                    <a:lnR w="12700" cap="flat" cmpd="sng" algn="ctr">
+                      <a:solidFill>
+                        <a:schemeClr val="tx1"/>
+                      </a:solidFill>
+                      <a:prstDash val="solid"/>
+                      <a:round/>
+                      <a:headEnd type="none" w="med" len="med"/>
+                      <a:tailEnd type="none" w="med" len="med"/>
+                    </a:lnR>
+                    <a:lnT w="12700" cap="flat" cmpd="sng" algn="ctr">
+                      <a:solidFill>
+                        <a:schemeClr val="tx1"/>
+                      </a:solidFill>
+                      <a:prstDash val="solid"/>
+                      <a:round/>
+                      <a:headEnd type="none" w="med" len="med"/>
+                      <a:tailEnd type="none" w="med" len="med"/>
+                    </a:lnT>
+                    <a:lnB w="12700" cap="flat" cmpd="sng" algn="ctr">
+                      <a:solidFill>
+                        <a:schemeClr val="tx1"/>
+                      </a:solidFill>
+                      <a:prstDash val="solid"/>
+                      <a:round/>
+                      <a:headEnd type="none" w="med" len="med"/>
+                      <a:tailEnd type="none" w="med" len="med"/>
+                    </a:lnB>
+                  </a:tcPr>
+                </a:tc>
+                <a:tc>
+                  <a:txBody>
+                    <a:bodyPr/>
+                    <a:lstStyle/>
+                    <a:p>
+                      <a:pPr marL="0" marR="0" lvl="0" indent="0" algn="l" defTabSz="914400" rtl="0" eaLnBrk="1" fontAlgn="auto" latinLnBrk="0" hangingPunct="1">
+                        <a:lnSpc>
+                          <a:spcPct val="100000"/>
+                        </a:lnSpc>
+                        <a:spcBef>
+                          <a:spcPts val="0"/>
+                        </a:spcBef>
+                        <a:spcAft>
+                          <a:spcPts val="0"/>
+                        </a:spcAft>
+                        <a:buClrTx/>
+                        <a:buSzTx/>
+                        <a:buFontTx/>
+                        <a:buNone/>
+                        <a:tabLst/>
+                        <a:defRPr/>
+                      </a:pPr>
+                      <a:r>
+                        <a:rPr lang="en-US" sz="1400" dirty="0"/>
+                        <a:t>(3,2)</a:t>
+                      </a:r>
+                    </a:p>
+                  </a:txBody>
+                  <a:tcPr anchor="ctr">
+                    <a:lnL w="12700" cap="flat" cmpd="sng" algn="ctr">
+                      <a:solidFill>
+                        <a:schemeClr val="tx1"/>
+                      </a:solidFill>
+                      <a:prstDash val="solid"/>
+                      <a:round/>
+                      <a:headEnd type="none" w="med" len="med"/>
+                      <a:tailEnd type="none" w="med" len="med"/>
+                    </a:lnL>
+                    <a:lnR w="12700" cap="flat" cmpd="sng" algn="ctr">
+                      <a:solidFill>
+                        <a:schemeClr val="tx1"/>
+                      </a:solidFill>
+                      <a:prstDash val="solid"/>
+                      <a:round/>
+                      <a:headEnd type="none" w="med" len="med"/>
+                      <a:tailEnd type="none" w="med" len="med"/>
+                    </a:lnR>
+                    <a:lnT w="12700" cap="flat" cmpd="sng" algn="ctr">
+                      <a:solidFill>
+                        <a:schemeClr val="tx1"/>
+                      </a:solidFill>
+                      <a:prstDash val="solid"/>
+                      <a:round/>
+                      <a:headEnd type="none" w="med" len="med"/>
+                      <a:tailEnd type="none" w="med" len="med"/>
+                    </a:lnT>
+                    <a:lnB w="12700" cap="flat" cmpd="sng" algn="ctr">
+                      <a:solidFill>
+                        <a:schemeClr val="tx1"/>
+                      </a:solidFill>
+                      <a:prstDash val="solid"/>
+                      <a:round/>
+                      <a:headEnd type="none" w="med" len="med"/>
+                      <a:tailEnd type="none" w="med" len="med"/>
+                    </a:lnB>
+                  </a:tcPr>
+                </a:tc>
+                <a:tc>
+                  <a:txBody>
+                    <a:bodyPr/>
+                    <a:lstStyle/>
+                    <a:p>
+                      <a:pPr marL="0" marR="0" lvl="0" indent="0" algn="l" defTabSz="914400" rtl="0" eaLnBrk="1" fontAlgn="auto" latinLnBrk="0" hangingPunct="1">
+                        <a:lnSpc>
+                          <a:spcPct val="100000"/>
+                        </a:lnSpc>
+                        <a:spcBef>
+                          <a:spcPts val="0"/>
+                        </a:spcBef>
+                        <a:spcAft>
+                          <a:spcPts val="0"/>
+                        </a:spcAft>
+                        <a:buClrTx/>
+                        <a:buSzTx/>
+                        <a:buFontTx/>
+                        <a:buNone/>
+                        <a:tabLst/>
+                        <a:defRPr/>
+                      </a:pPr>
+                      <a:r>
+                        <a:rPr lang="en-US" sz="1400" dirty="0"/>
+                        <a:t>(3,3)</a:t>
+                      </a:r>
+                    </a:p>
+                  </a:txBody>
+                  <a:tcPr anchor="ctr">
+                    <a:lnL w="12700" cap="flat" cmpd="sng" algn="ctr">
+                      <a:solidFill>
+                        <a:schemeClr val="tx1"/>
+                      </a:solidFill>
+                      <a:prstDash val="solid"/>
+                      <a:round/>
+                      <a:headEnd type="none" w="med" len="med"/>
+                      <a:tailEnd type="none" w="med" len="med"/>
+                    </a:lnL>
+                    <a:lnR w="12700" cap="flat" cmpd="sng" algn="ctr">
+                      <a:solidFill>
+                        <a:schemeClr val="tx1"/>
+                      </a:solidFill>
+                      <a:prstDash val="solid"/>
+                      <a:round/>
+                      <a:headEnd type="none" w="med" len="med"/>
+                      <a:tailEnd type="none" w="med" len="med"/>
+                    </a:lnR>
+                    <a:lnT w="12700" cap="flat" cmpd="sng" algn="ctr">
+                      <a:solidFill>
+                        <a:schemeClr val="tx1"/>
+                      </a:solidFill>
+                      <a:prstDash val="solid"/>
+                      <a:round/>
+                      <a:headEnd type="none" w="med" len="med"/>
+                      <a:tailEnd type="none" w="med" len="med"/>
+                    </a:lnT>
+                    <a:lnB w="12700" cap="flat" cmpd="sng" algn="ctr">
+                      <a:solidFill>
+                        <a:schemeClr val="tx1"/>
+                      </a:solidFill>
+                      <a:prstDash val="solid"/>
+                      <a:round/>
+                      <a:headEnd type="none" w="med" len="med"/>
+                      <a:tailEnd type="none" w="med" len="med"/>
+                    </a:lnB>
+                  </a:tcPr>
+                </a:tc>
+                <a:extLst>
+                  <a:ext uri="{0D108BD9-81ED-4DB2-BD59-A6C34878D82A}">
+                    <a16:rowId xmlns:a16="http://schemas.microsoft.com/office/drawing/2014/main" val="2791348304"/>
+                  </a:ext>
+                </a:extLst>
+              </a:tr>
+            </a:tbl>
+          </a:graphicData>
+        </a:graphic>
+      </p:graphicFrame>
+      <p:sp>
+        <p:nvSpPr>
+          <p:cNvPr id="5" name="矩形 4">
+            <a:extLst>
+              <a:ext uri="{FF2B5EF4-FFF2-40B4-BE49-F238E27FC236}">
+                <a16:creationId xmlns:a16="http://schemas.microsoft.com/office/drawing/2014/main" id="{02415DF0-5379-A621-C88B-9D03AB4EB8DD}"/>
+              </a:ext>
+            </a:extLst>
+          </p:cNvPr>
+          <p:cNvSpPr/>
+          <p:nvPr/>
+        </p:nvSpPr>
+        <p:spPr>
+          <a:xfrm>
+            <a:off x="4488951" y="922351"/>
+            <a:ext cx="540000" cy="1800000"/>
+          </a:xfrm>
+          <a:prstGeom prst="rect">
+            <a:avLst/>
+          </a:prstGeom>
+        </p:spPr>
+        <p:style>
+          <a:lnRef idx="2">
+            <a:schemeClr val="accent6">
+              <a:shade val="15000"/>
+            </a:schemeClr>
+          </a:lnRef>
+          <a:fillRef idx="1">
+            <a:schemeClr val="accent6"/>
+          </a:fillRef>
+          <a:effectRef idx="0">
+            <a:schemeClr val="accent6"/>
+          </a:effectRef>
+          <a:fontRef idx="minor">
+            <a:schemeClr val="lt1"/>
+          </a:fontRef>
+        </p:style>
+        <p:txBody>
+          <a:bodyPr rtlCol="0" anchor="ctr"/>
+          <a:lstStyle/>
+          <a:p>
+            <a:pPr algn="ctr"/>
+            <a:r>
+              <a:rPr lang="en-US" dirty="0"/>
+              <a:t>B0</a:t>
+            </a:r>
+          </a:p>
+        </p:txBody>
+      </p:sp>
+      <p:sp>
+        <p:nvSpPr>
+          <p:cNvPr id="6" name="矩形 5">
+            <a:extLst>
+              <a:ext uri="{FF2B5EF4-FFF2-40B4-BE49-F238E27FC236}">
+                <a16:creationId xmlns:a16="http://schemas.microsoft.com/office/drawing/2014/main" id="{7572C0AA-D51A-FA97-B0E3-A35EC2FE500C}"/>
+              </a:ext>
+            </a:extLst>
+          </p:cNvPr>
+          <p:cNvSpPr/>
+          <p:nvPr/>
+        </p:nvSpPr>
+        <p:spPr>
+          <a:xfrm>
+            <a:off x="2470645" y="2930128"/>
+            <a:ext cx="1800000" cy="540000"/>
+          </a:xfrm>
+          <a:prstGeom prst="rect">
+            <a:avLst/>
+          </a:prstGeom>
+          <a:solidFill>
+            <a:srgbClr val="0070C0"/>
+          </a:solidFill>
+        </p:spPr>
+        <p:style>
+          <a:lnRef idx="2">
+            <a:schemeClr val="accent6">
+              <a:shade val="15000"/>
+            </a:schemeClr>
+          </a:lnRef>
+          <a:fillRef idx="1">
+            <a:schemeClr val="accent6"/>
+          </a:fillRef>
+          <a:effectRef idx="0">
+            <a:schemeClr val="accent6"/>
+          </a:effectRef>
+          <a:fontRef idx="minor">
+            <a:schemeClr val="lt1"/>
+          </a:fontRef>
+        </p:style>
+        <p:txBody>
+          <a:bodyPr rtlCol="0" anchor="ctr"/>
+          <a:lstStyle/>
+          <a:p>
+            <a:pPr algn="ctr"/>
+            <a:r>
+              <a:rPr lang="en-US" dirty="0"/>
+              <a:t>A0</a:t>
+            </a:r>
+          </a:p>
+        </p:txBody>
+      </p:sp>
+      <p:sp>
+        <p:nvSpPr>
+          <p:cNvPr id="7" name="文本框 6">
+            <a:extLst>
+              <a:ext uri="{FF2B5EF4-FFF2-40B4-BE49-F238E27FC236}">
+                <a16:creationId xmlns:a16="http://schemas.microsoft.com/office/drawing/2014/main" id="{19FA87AA-A5EA-4ADA-4ED0-B6C8B8C9E15F}"/>
+              </a:ext>
+            </a:extLst>
+          </p:cNvPr>
+          <p:cNvSpPr txBox="1"/>
+          <p:nvPr/>
+        </p:nvSpPr>
+        <p:spPr>
+          <a:xfrm>
+            <a:off x="6949702" y="3779293"/>
+            <a:ext cx="428322" cy="461665"/>
+          </a:xfrm>
+          <a:prstGeom prst="rect">
+            <a:avLst/>
+          </a:prstGeom>
+          <a:noFill/>
+        </p:spPr>
+        <p:txBody>
+          <a:bodyPr wrap="none" rtlCol="0">
+            <a:spAutoFit/>
+          </a:bodyPr>
+          <a:lstStyle/>
+          <a:p>
+            <a:r>
+              <a:rPr lang="en-US" sz="2400" dirty="0"/>
+              <a:t>M</a:t>
+            </a:r>
+          </a:p>
+        </p:txBody>
+      </p:sp>
+      <p:sp>
+        <p:nvSpPr>
+          <p:cNvPr id="8" name="右大括号 7">
+            <a:extLst>
+              <a:ext uri="{FF2B5EF4-FFF2-40B4-BE49-F238E27FC236}">
+                <a16:creationId xmlns:a16="http://schemas.microsoft.com/office/drawing/2014/main" id="{41B1A90B-D94E-F412-9C08-4BE718D4C102}"/>
+              </a:ext>
+            </a:extLst>
+          </p:cNvPr>
+          <p:cNvSpPr/>
+          <p:nvPr/>
+        </p:nvSpPr>
+        <p:spPr>
+          <a:xfrm rot="10800000" flipH="1">
+            <a:off x="6784820" y="2930127"/>
+            <a:ext cx="164882" cy="2159998"/>
+          </a:xfrm>
+          <a:prstGeom prst="rightBrace">
+            <a:avLst>
+              <a:gd name="adj1" fmla="val 88333"/>
+              <a:gd name="adj2" fmla="val 50000"/>
+            </a:avLst>
+          </a:prstGeom>
+          <a:ln w="28575"/>
+        </p:spPr>
+        <p:style>
+          <a:lnRef idx="2">
+            <a:schemeClr val="dk1"/>
+          </a:lnRef>
+          <a:fillRef idx="0">
+            <a:schemeClr val="dk1"/>
+          </a:fillRef>
+          <a:effectRef idx="1">
+            <a:schemeClr val="dk1"/>
+          </a:effectRef>
+          <a:fontRef idx="minor">
+            <a:schemeClr val="tx1"/>
+          </a:fontRef>
+        </p:style>
+        <p:txBody>
+          <a:bodyPr rtlCol="0" anchor="ctr"/>
+          <a:lstStyle/>
+          <a:p>
+            <a:pPr algn="ctr"/>
+            <a:endParaRPr lang="en-US"/>
+          </a:p>
+        </p:txBody>
+      </p:sp>
+      <p:sp>
+        <p:nvSpPr>
+          <p:cNvPr id="9" name="右大括号 8">
+            <a:extLst>
+              <a:ext uri="{FF2B5EF4-FFF2-40B4-BE49-F238E27FC236}">
+                <a16:creationId xmlns:a16="http://schemas.microsoft.com/office/drawing/2014/main" id="{19AA5C45-9BFE-EE80-3AB3-9CFF4957AD9B}"/>
+              </a:ext>
+            </a:extLst>
+          </p:cNvPr>
+          <p:cNvSpPr/>
+          <p:nvPr/>
+        </p:nvSpPr>
+        <p:spPr>
+          <a:xfrm rot="16200000" flipH="1">
+            <a:off x="5486509" y="4217906"/>
+            <a:ext cx="164882" cy="2159998"/>
+          </a:xfrm>
+          <a:prstGeom prst="rightBrace">
+            <a:avLst>
+              <a:gd name="adj1" fmla="val 88333"/>
+              <a:gd name="adj2" fmla="val 50000"/>
+            </a:avLst>
+          </a:prstGeom>
+          <a:ln w="28575"/>
+        </p:spPr>
+        <p:style>
+          <a:lnRef idx="2">
+            <a:schemeClr val="dk1"/>
+          </a:lnRef>
+          <a:fillRef idx="0">
+            <a:schemeClr val="dk1"/>
+          </a:fillRef>
+          <a:effectRef idx="1">
+            <a:schemeClr val="dk1"/>
+          </a:effectRef>
+          <a:fontRef idx="minor">
+            <a:schemeClr val="tx1"/>
+          </a:fontRef>
+        </p:style>
+        <p:txBody>
+          <a:bodyPr rtlCol="0" anchor="ctr"/>
+          <a:lstStyle/>
+          <a:p>
+            <a:pPr algn="ctr"/>
+            <a:endParaRPr lang="en-US"/>
+          </a:p>
+        </p:txBody>
+      </p:sp>
+      <p:sp>
+        <p:nvSpPr>
+          <p:cNvPr id="10" name="文本框 9">
+            <a:extLst>
+              <a:ext uri="{FF2B5EF4-FFF2-40B4-BE49-F238E27FC236}">
+                <a16:creationId xmlns:a16="http://schemas.microsoft.com/office/drawing/2014/main" id="{5DEA86FB-E0B3-45BF-7513-E127205EA724}"/>
+              </a:ext>
+            </a:extLst>
+          </p:cNvPr>
+          <p:cNvSpPr txBox="1"/>
+          <p:nvPr/>
+        </p:nvSpPr>
+        <p:spPr>
+          <a:xfrm>
+            <a:off x="5367613" y="5380346"/>
+            <a:ext cx="402674" cy="461665"/>
+          </a:xfrm>
+          <a:prstGeom prst="rect">
+            <a:avLst/>
+          </a:prstGeom>
+          <a:noFill/>
+        </p:spPr>
+        <p:txBody>
+          <a:bodyPr wrap="none" rtlCol="0">
+            <a:spAutoFit/>
+          </a:bodyPr>
+          <a:lstStyle/>
+          <a:p>
+            <a:r>
+              <a:rPr lang="en-US" sz="2400" dirty="0"/>
+              <a:t>N</a:t>
+            </a:r>
+          </a:p>
+        </p:txBody>
+      </p:sp>
+      <p:sp>
+        <p:nvSpPr>
+          <p:cNvPr id="11" name="右大括号 10">
+            <a:extLst>
+              <a:ext uri="{FF2B5EF4-FFF2-40B4-BE49-F238E27FC236}">
+                <a16:creationId xmlns:a16="http://schemas.microsoft.com/office/drawing/2014/main" id="{9BE617F9-5A7A-89B1-97EA-1728EBAA6ADF}"/>
+              </a:ext>
+            </a:extLst>
+          </p:cNvPr>
+          <p:cNvSpPr/>
+          <p:nvPr/>
+        </p:nvSpPr>
+        <p:spPr>
+          <a:xfrm rot="10800000">
+            <a:off x="4261803" y="922351"/>
+            <a:ext cx="164882" cy="1800000"/>
+          </a:xfrm>
+          <a:prstGeom prst="rightBrace">
+            <a:avLst>
+              <a:gd name="adj1" fmla="val 88333"/>
+              <a:gd name="adj2" fmla="val 50000"/>
+            </a:avLst>
+          </a:prstGeom>
+          <a:ln w="28575"/>
+        </p:spPr>
+        <p:style>
+          <a:lnRef idx="2">
+            <a:schemeClr val="dk1"/>
+          </a:lnRef>
+          <a:fillRef idx="0">
+            <a:schemeClr val="dk1"/>
+          </a:fillRef>
+          <a:effectRef idx="1">
+            <a:schemeClr val="dk1"/>
+          </a:effectRef>
+          <a:fontRef idx="minor">
+            <a:schemeClr val="tx1"/>
+          </a:fontRef>
+        </p:style>
+        <p:txBody>
+          <a:bodyPr rtlCol="0" anchor="ctr"/>
+          <a:lstStyle/>
+          <a:p>
+            <a:pPr algn="ctr"/>
+            <a:endParaRPr lang="en-US"/>
+          </a:p>
+        </p:txBody>
+      </p:sp>
+      <p:sp>
+        <p:nvSpPr>
+          <p:cNvPr id="12" name="文本框 11">
+            <a:extLst>
+              <a:ext uri="{FF2B5EF4-FFF2-40B4-BE49-F238E27FC236}">
+                <a16:creationId xmlns:a16="http://schemas.microsoft.com/office/drawing/2014/main" id="{C5A6355C-28D3-2AEC-625A-61E087B58846}"/>
+              </a:ext>
+            </a:extLst>
+          </p:cNvPr>
+          <p:cNvSpPr txBox="1"/>
+          <p:nvPr/>
+        </p:nvSpPr>
+        <p:spPr>
+          <a:xfrm>
+            <a:off x="3902409" y="1591517"/>
+            <a:ext cx="359394" cy="461665"/>
+          </a:xfrm>
+          <a:prstGeom prst="rect">
+            <a:avLst/>
+          </a:prstGeom>
+          <a:noFill/>
+        </p:spPr>
+        <p:txBody>
+          <a:bodyPr wrap="none" rtlCol="0">
+            <a:spAutoFit/>
+          </a:bodyPr>
+          <a:lstStyle/>
+          <a:p>
+            <a:r>
+              <a:rPr lang="en-US" sz="2400" dirty="0"/>
+              <a:t>K</a:t>
+            </a:r>
+          </a:p>
+        </p:txBody>
+      </p:sp>
+      <p:sp>
+        <p:nvSpPr>
+          <p:cNvPr id="13" name="右大括号 12">
+            <a:extLst>
+              <a:ext uri="{FF2B5EF4-FFF2-40B4-BE49-F238E27FC236}">
+                <a16:creationId xmlns:a16="http://schemas.microsoft.com/office/drawing/2014/main" id="{A39498A1-9DC3-3AF8-3C7F-1067D966F507}"/>
+              </a:ext>
+            </a:extLst>
+          </p:cNvPr>
+          <p:cNvSpPr/>
+          <p:nvPr/>
+        </p:nvSpPr>
+        <p:spPr>
+          <a:xfrm rot="5400000" flipH="1" flipV="1">
+            <a:off x="3288204" y="1856013"/>
+            <a:ext cx="164882" cy="1800000"/>
+          </a:xfrm>
+          <a:prstGeom prst="rightBrace">
+            <a:avLst>
+              <a:gd name="adj1" fmla="val 88333"/>
+              <a:gd name="adj2" fmla="val 50000"/>
+            </a:avLst>
+          </a:prstGeom>
+          <a:ln w="28575"/>
+        </p:spPr>
+        <p:style>
+          <a:lnRef idx="2">
+            <a:schemeClr val="dk1"/>
+          </a:lnRef>
+          <a:fillRef idx="0">
+            <a:schemeClr val="dk1"/>
+          </a:fillRef>
+          <a:effectRef idx="1">
+            <a:schemeClr val="dk1"/>
+          </a:effectRef>
+          <a:fontRef idx="minor">
+            <a:schemeClr val="tx1"/>
+          </a:fontRef>
+        </p:style>
+        <p:txBody>
+          <a:bodyPr rtlCol="0" anchor="ctr"/>
+          <a:lstStyle/>
+          <a:p>
+            <a:pPr algn="ctr"/>
+            <a:endParaRPr lang="en-US"/>
+          </a:p>
+        </p:txBody>
+      </p:sp>
+      <p:sp>
+        <p:nvSpPr>
+          <p:cNvPr id="14" name="文本框 13">
+            <a:extLst>
+              <a:ext uri="{FF2B5EF4-FFF2-40B4-BE49-F238E27FC236}">
+                <a16:creationId xmlns:a16="http://schemas.microsoft.com/office/drawing/2014/main" id="{F049E4AD-BBED-DDF0-E7CD-C76ED1D98AD3}"/>
+              </a:ext>
+            </a:extLst>
+          </p:cNvPr>
+          <p:cNvSpPr txBox="1"/>
+          <p:nvPr/>
+        </p:nvSpPr>
+        <p:spPr>
+          <a:xfrm>
+            <a:off x="3190948" y="2260686"/>
+            <a:ext cx="359394" cy="461665"/>
+          </a:xfrm>
+          <a:prstGeom prst="rect">
+            <a:avLst/>
+          </a:prstGeom>
+          <a:noFill/>
+        </p:spPr>
+        <p:txBody>
+          <a:bodyPr wrap="none" rtlCol="0">
+            <a:spAutoFit/>
+          </a:bodyPr>
+          <a:lstStyle/>
+          <a:p>
+            <a:r>
+              <a:rPr lang="en-US" sz="2400" dirty="0"/>
+              <a:t>K</a:t>
+            </a:r>
+          </a:p>
+        </p:txBody>
+      </p:sp>
+      <p:sp>
+        <p:nvSpPr>
+          <p:cNvPr id="16" name="右大括号 15">
+            <a:extLst>
+              <a:ext uri="{FF2B5EF4-FFF2-40B4-BE49-F238E27FC236}">
+                <a16:creationId xmlns:a16="http://schemas.microsoft.com/office/drawing/2014/main" id="{D7962BE5-17A4-3D13-7B60-E5AC758913A7}"/>
+              </a:ext>
+            </a:extLst>
+          </p:cNvPr>
+          <p:cNvSpPr/>
+          <p:nvPr/>
+        </p:nvSpPr>
+        <p:spPr>
+          <a:xfrm rot="5400000" flipH="1" flipV="1">
+            <a:off x="4676510" y="480427"/>
+            <a:ext cx="164882" cy="540000"/>
+          </a:xfrm>
+          <a:prstGeom prst="rightBrace">
+            <a:avLst>
+              <a:gd name="adj1" fmla="val 88333"/>
+              <a:gd name="adj2" fmla="val 50000"/>
+            </a:avLst>
+          </a:prstGeom>
+          <a:ln w="28575"/>
+        </p:spPr>
+        <p:style>
+          <a:lnRef idx="2">
+            <a:schemeClr val="dk1"/>
+          </a:lnRef>
+          <a:fillRef idx="0">
+            <a:schemeClr val="dk1"/>
+          </a:fillRef>
+          <a:effectRef idx="1">
+            <a:schemeClr val="dk1"/>
+          </a:effectRef>
+          <a:fontRef idx="minor">
+            <a:schemeClr val="tx1"/>
+          </a:fontRef>
+        </p:style>
+        <p:txBody>
+          <a:bodyPr rtlCol="0" anchor="ctr"/>
+          <a:lstStyle/>
+          <a:p>
+            <a:pPr algn="ctr"/>
+            <a:endParaRPr lang="en-US"/>
+          </a:p>
+        </p:txBody>
+      </p:sp>
+      <p:sp>
+        <p:nvSpPr>
+          <p:cNvPr id="17" name="文本框 16">
+            <a:extLst>
+              <a:ext uri="{FF2B5EF4-FFF2-40B4-BE49-F238E27FC236}">
+                <a16:creationId xmlns:a16="http://schemas.microsoft.com/office/drawing/2014/main" id="{FAC30C98-398B-963B-C562-A89F88AC349A}"/>
+              </a:ext>
+            </a:extLst>
+          </p:cNvPr>
+          <p:cNvSpPr txBox="1"/>
+          <p:nvPr/>
+        </p:nvSpPr>
+        <p:spPr>
+          <a:xfrm>
+            <a:off x="4185751" y="322516"/>
+            <a:ext cx="1162626" cy="369332"/>
+          </a:xfrm>
+          <a:prstGeom prst="rect">
+            <a:avLst/>
+          </a:prstGeom>
+          <a:noFill/>
+        </p:spPr>
+        <p:txBody>
+          <a:bodyPr wrap="none" rtlCol="0">
+            <a:spAutoFit/>
+          </a:bodyPr>
+          <a:lstStyle/>
+          <a:p>
+            <a:r>
+              <a:rPr lang="en-US" dirty="0"/>
+              <a:t>BLOCK_N</a:t>
+            </a:r>
+          </a:p>
+        </p:txBody>
+      </p:sp>
+      <p:sp>
+        <p:nvSpPr>
+          <p:cNvPr id="18" name="右大括号 17">
+            <a:extLst>
+              <a:ext uri="{FF2B5EF4-FFF2-40B4-BE49-F238E27FC236}">
+                <a16:creationId xmlns:a16="http://schemas.microsoft.com/office/drawing/2014/main" id="{C986F645-A723-D860-F900-5A866435E5BF}"/>
+              </a:ext>
+            </a:extLst>
+          </p:cNvPr>
+          <p:cNvSpPr/>
+          <p:nvPr/>
+        </p:nvSpPr>
+        <p:spPr>
+          <a:xfrm flipH="1" flipV="1">
+            <a:off x="2237830" y="2930128"/>
+            <a:ext cx="164882" cy="540000"/>
+          </a:xfrm>
+          <a:prstGeom prst="rightBrace">
+            <a:avLst>
+              <a:gd name="adj1" fmla="val 88333"/>
+              <a:gd name="adj2" fmla="val 50000"/>
+            </a:avLst>
+          </a:prstGeom>
+          <a:ln w="28575"/>
+        </p:spPr>
+        <p:style>
+          <a:lnRef idx="2">
+            <a:schemeClr val="dk1"/>
+          </a:lnRef>
+          <a:fillRef idx="0">
+            <a:schemeClr val="dk1"/>
+          </a:fillRef>
+          <a:effectRef idx="1">
+            <a:schemeClr val="dk1"/>
+          </a:effectRef>
+          <a:fontRef idx="minor">
+            <a:schemeClr val="tx1"/>
+          </a:fontRef>
+        </p:style>
+        <p:txBody>
+          <a:bodyPr rtlCol="0" anchor="ctr"/>
+          <a:lstStyle/>
+          <a:p>
+            <a:pPr algn="ctr"/>
+            <a:endParaRPr lang="en-US"/>
+          </a:p>
+        </p:txBody>
+      </p:sp>
+      <p:sp>
+        <p:nvSpPr>
+          <p:cNvPr id="19" name="文本框 18">
+            <a:extLst>
+              <a:ext uri="{FF2B5EF4-FFF2-40B4-BE49-F238E27FC236}">
+                <a16:creationId xmlns:a16="http://schemas.microsoft.com/office/drawing/2014/main" id="{9ECC8DEA-5A56-F61B-7650-3A461A341F4E}"/>
+              </a:ext>
+            </a:extLst>
+          </p:cNvPr>
+          <p:cNvSpPr txBox="1"/>
+          <p:nvPr/>
+        </p:nvSpPr>
+        <p:spPr>
+          <a:xfrm rot="16200000">
+            <a:off x="1490859" y="3025950"/>
+            <a:ext cx="1181862" cy="369332"/>
+          </a:xfrm>
+          <a:prstGeom prst="rect">
+            <a:avLst/>
+          </a:prstGeom>
+          <a:noFill/>
+        </p:spPr>
+        <p:txBody>
+          <a:bodyPr wrap="none" rtlCol="0">
+            <a:spAutoFit/>
+          </a:bodyPr>
+          <a:lstStyle/>
+          <a:p>
+            <a:r>
+              <a:rPr lang="en-US" dirty="0"/>
+              <a:t>BLOCK_M</a:t>
+            </a:r>
+          </a:p>
+        </p:txBody>
+      </p:sp>
+      <p:sp>
+        <p:nvSpPr>
+          <p:cNvPr id="2" name="矩形 1">
+            <a:extLst>
+              <a:ext uri="{FF2B5EF4-FFF2-40B4-BE49-F238E27FC236}">
+                <a16:creationId xmlns:a16="http://schemas.microsoft.com/office/drawing/2014/main" id="{CF6660C5-578A-2377-B129-9FDE6809A2D6}"/>
+              </a:ext>
+            </a:extLst>
+          </p:cNvPr>
+          <p:cNvSpPr/>
+          <p:nvPr/>
+        </p:nvSpPr>
+        <p:spPr>
+          <a:xfrm>
+            <a:off x="2470645" y="3472116"/>
+            <a:ext cx="1800000" cy="540000"/>
+          </a:xfrm>
+          <a:prstGeom prst="rect">
+            <a:avLst/>
+          </a:prstGeom>
+          <a:solidFill>
+            <a:srgbClr val="0070C0"/>
+          </a:solidFill>
+        </p:spPr>
+        <p:style>
+          <a:lnRef idx="2">
+            <a:schemeClr val="accent6">
+              <a:shade val="15000"/>
+            </a:schemeClr>
+          </a:lnRef>
+          <a:fillRef idx="1">
+            <a:schemeClr val="accent6"/>
+          </a:fillRef>
+          <a:effectRef idx="0">
+            <a:schemeClr val="accent6"/>
+          </a:effectRef>
+          <a:fontRef idx="minor">
+            <a:schemeClr val="lt1"/>
+          </a:fontRef>
+        </p:style>
+        <p:txBody>
+          <a:bodyPr rtlCol="0" anchor="ctr"/>
+          <a:lstStyle/>
+          <a:p>
+            <a:pPr algn="ctr"/>
+            <a:r>
+              <a:rPr lang="en-US" dirty="0"/>
+              <a:t>A1</a:t>
+            </a:r>
+          </a:p>
+        </p:txBody>
+      </p:sp>
+      <p:sp>
+        <p:nvSpPr>
+          <p:cNvPr id="3" name="矩形 2">
+            <a:extLst>
+              <a:ext uri="{FF2B5EF4-FFF2-40B4-BE49-F238E27FC236}">
+                <a16:creationId xmlns:a16="http://schemas.microsoft.com/office/drawing/2014/main" id="{1DE759FC-3773-6B51-4708-4D5DF8AB7A60}"/>
+              </a:ext>
+            </a:extLst>
+          </p:cNvPr>
+          <p:cNvSpPr/>
+          <p:nvPr/>
+        </p:nvSpPr>
+        <p:spPr>
+          <a:xfrm>
+            <a:off x="5032649" y="922351"/>
+            <a:ext cx="540000" cy="1800000"/>
+          </a:xfrm>
+          <a:prstGeom prst="rect">
+            <a:avLst/>
+          </a:prstGeom>
+        </p:spPr>
+        <p:style>
+          <a:lnRef idx="2">
+            <a:schemeClr val="accent6">
+              <a:shade val="15000"/>
+            </a:schemeClr>
+          </a:lnRef>
+          <a:fillRef idx="1">
+            <a:schemeClr val="accent6"/>
+          </a:fillRef>
+          <a:effectRef idx="0">
+            <a:schemeClr val="accent6"/>
+          </a:effectRef>
+          <a:fontRef idx="minor">
+            <a:schemeClr val="lt1"/>
+          </a:fontRef>
+        </p:style>
+        <p:txBody>
+          <a:bodyPr rtlCol="0" anchor="ctr"/>
+          <a:lstStyle/>
+          <a:p>
+            <a:pPr algn="ctr"/>
+            <a:r>
+              <a:rPr lang="en-US" dirty="0"/>
+              <a:t>B1</a:t>
+            </a:r>
+          </a:p>
+        </p:txBody>
+      </p:sp>
+    </p:spTree>
+    <p:extLst>
+      <p:ext uri="{BB962C8B-B14F-4D97-AF65-F5344CB8AC3E}">
+        <p14:creationId xmlns:p14="http://schemas.microsoft.com/office/powerpoint/2010/main" val="677155822"/>
+      </p:ext>
+    </p:extLst>
+  </p:cSld>
+  <p:clrMapOvr>
+    <a:masterClrMapping/>
+  </p:clrMapOvr>
+</p:sld>
+</file>
+
+<file path=ppt/slides/slide9.xml><?xml version="1.0" encoding="utf-8"?>
+<p:sld xmlns:a="http://schemas.openxmlformats.org/drawingml/2006/main" xmlns:r="http://schemas.openxmlformats.org/officeDocument/2006/relationships" xmlns:p="http://schemas.openxmlformats.org/presentationml/2006/main">
+  <p:cSld>
+    <p:spTree>
+      <p:nvGrpSpPr>
+        <p:cNvPr id="1" name="">
+          <a:extLst>
+            <a:ext uri="{FF2B5EF4-FFF2-40B4-BE49-F238E27FC236}">
+              <a16:creationId xmlns:a16="http://schemas.microsoft.com/office/drawing/2014/main" id="{7F69B348-C4B9-3DF0-05CA-B9241437FF63}"/>
+            </a:ext>
+          </a:extLst>
+        </p:cNvPr>
+        <p:cNvGrpSpPr/>
+        <p:nvPr/>
+      </p:nvGrpSpPr>
+      <p:grpSpPr>
+        <a:xfrm>
+          <a:off x="0" y="0"/>
+          <a:ext cx="0" cy="0"/>
+          <a:chOff x="0" y="0"/>
+          <a:chExt cx="0" cy="0"/>
+        </a:xfrm>
+      </p:grpSpPr>
+      <p:graphicFrame>
+        <p:nvGraphicFramePr>
+          <p:cNvPr id="4" name="表格 3">
+            <a:extLst>
+              <a:ext uri="{FF2B5EF4-FFF2-40B4-BE49-F238E27FC236}">
+                <a16:creationId xmlns:a16="http://schemas.microsoft.com/office/drawing/2014/main" id="{CBF1B0DB-09E1-E691-AE55-EDFF1C349F5C}"/>
+              </a:ext>
+            </a:extLst>
+          </p:cNvPr>
+          <p:cNvGraphicFramePr>
+            <a:graphicFrameLocks noGrp="1"/>
+          </p:cNvGraphicFramePr>
+          <p:nvPr>
+            <p:extLst>
+              <p:ext uri="{D42A27DB-BD31-4B8C-83A1-F6EECF244321}">
+                <p14:modId xmlns:p14="http://schemas.microsoft.com/office/powerpoint/2010/main" val="1197520274"/>
+              </p:ext>
+            </p:extLst>
+          </p:nvPr>
+        </p:nvGraphicFramePr>
+        <p:xfrm>
+          <a:off x="4361733" y="2349000"/>
+          <a:ext cx="2160000" cy="2160000"/>
+        </p:xfrm>
+        <a:graphic>
+          <a:graphicData uri="http://schemas.openxmlformats.org/drawingml/2006/table">
+            <a:tbl>
+              <a:tblPr firstRow="1" bandRow="1">
+                <a:tableStyleId>{2D5ABB26-0587-4C30-8999-92F81FD0307C}</a:tableStyleId>
+              </a:tblPr>
+              <a:tblGrid>
+                <a:gridCol w="540000">
+                  <a:extLst>
+                    <a:ext uri="{9D8B030D-6E8A-4147-A177-3AD203B41FA5}">
+                      <a16:colId xmlns:a16="http://schemas.microsoft.com/office/drawing/2014/main" val="3507072357"/>
+                    </a:ext>
+                  </a:extLst>
+                </a:gridCol>
+                <a:gridCol w="540000">
+                  <a:extLst>
+                    <a:ext uri="{9D8B030D-6E8A-4147-A177-3AD203B41FA5}">
+                      <a16:colId xmlns:a16="http://schemas.microsoft.com/office/drawing/2014/main" val="2099709079"/>
+                    </a:ext>
+                  </a:extLst>
+                </a:gridCol>
+                <a:gridCol w="540000">
+                  <a:extLst>
+                    <a:ext uri="{9D8B030D-6E8A-4147-A177-3AD203B41FA5}">
+                      <a16:colId xmlns:a16="http://schemas.microsoft.com/office/drawing/2014/main" val="3432356744"/>
+                    </a:ext>
+                  </a:extLst>
+                </a:gridCol>
+                <a:gridCol w="540000">
+                  <a:extLst>
+                    <a:ext uri="{9D8B030D-6E8A-4147-A177-3AD203B41FA5}">
+                      <a16:colId xmlns:a16="http://schemas.microsoft.com/office/drawing/2014/main" val="1662690792"/>
+                    </a:ext>
+                  </a:extLst>
+                </a:gridCol>
+              </a:tblGrid>
+              <a:tr h="540000">
+                <a:tc>
+                  <a:txBody>
+                    <a:bodyPr/>
+                    <a:lstStyle/>
+                    <a:p>
+                      <a:r>
+                        <a:rPr lang="en-US" sz="1400" dirty="0"/>
+                        <a:t>(0,0)</a:t>
+                      </a:r>
+                    </a:p>
+                    <a:p>
+                      <a:r>
+                        <a:rPr lang="en-US" sz="1400" dirty="0"/>
+                        <a:t>SM0</a:t>
+                      </a:r>
+                    </a:p>
+                  </a:txBody>
+                  <a:tcPr anchor="ctr">
+                    <a:lnL w="12700" cap="flat" cmpd="sng" algn="ctr">
+                      <a:solidFill>
+                        <a:schemeClr val="tx1"/>
+                      </a:solidFill>
+                      <a:prstDash val="solid"/>
+                      <a:round/>
+                      <a:headEnd type="none" w="med" len="med"/>
+                      <a:tailEnd type="none" w="med" len="med"/>
+                    </a:lnL>
+                    <a:lnR w="12700" cap="flat" cmpd="sng" algn="ctr">
+                      <a:solidFill>
+                        <a:schemeClr val="tx1"/>
+                      </a:solidFill>
+                      <a:prstDash val="solid"/>
+                      <a:round/>
+                      <a:headEnd type="none" w="med" len="med"/>
+                      <a:tailEnd type="none" w="med" len="med"/>
+                    </a:lnR>
+                    <a:lnT w="12700" cap="flat" cmpd="sng" algn="ctr">
+                      <a:solidFill>
+                        <a:schemeClr val="tx1"/>
+                      </a:solidFill>
+                      <a:prstDash val="solid"/>
+                      <a:round/>
+                      <a:headEnd type="none" w="med" len="med"/>
+                      <a:tailEnd type="none" w="med" len="med"/>
+                    </a:lnT>
+                    <a:lnB w="12700" cap="flat" cmpd="sng" algn="ctr">
+                      <a:solidFill>
+                        <a:schemeClr val="tx1"/>
+                      </a:solidFill>
+                      <a:prstDash val="solid"/>
+                      <a:round/>
+                      <a:headEnd type="none" w="med" len="med"/>
+                      <a:tailEnd type="none" w="med" len="med"/>
+                    </a:lnB>
+                    <a:solidFill>
+                      <a:schemeClr val="accent2">
+                        <a:lumMod val="60000"/>
+                        <a:lumOff val="40000"/>
+                      </a:schemeClr>
+                    </a:solidFill>
+                  </a:tcPr>
+                </a:tc>
+                <a:tc>
+                  <a:txBody>
+                    <a:bodyPr/>
+                    <a:lstStyle/>
+                    <a:p>
+                      <a:r>
+                        <a:rPr lang="en-US" sz="1400" dirty="0"/>
+                        <a:t>(0,1)</a:t>
+                      </a:r>
+                    </a:p>
+                    <a:p>
+                      <a:r>
+                        <a:rPr lang="en-US" sz="1400" dirty="0"/>
+                        <a:t>SM1</a:t>
+                      </a:r>
+                    </a:p>
+                  </a:txBody>
+                  <a:tcPr anchor="ctr">
+                    <a:lnL w="12700" cap="flat" cmpd="sng" algn="ctr">
+                      <a:solidFill>
+                        <a:schemeClr val="tx1"/>
+                      </a:solidFill>
+                      <a:prstDash val="solid"/>
+                      <a:round/>
+                      <a:headEnd type="none" w="med" len="med"/>
+                      <a:tailEnd type="none" w="med" len="med"/>
+                    </a:lnL>
+                    <a:lnR w="12700" cap="flat" cmpd="sng" algn="ctr">
+                      <a:solidFill>
+                        <a:schemeClr val="tx1"/>
+                      </a:solidFill>
+                      <a:prstDash val="solid"/>
+                      <a:round/>
+                      <a:headEnd type="none" w="med" len="med"/>
+                      <a:tailEnd type="none" w="med" len="med"/>
+                    </a:lnR>
+                    <a:lnT w="12700" cap="flat" cmpd="sng" algn="ctr">
+                      <a:solidFill>
+                        <a:schemeClr val="tx1"/>
+                      </a:solidFill>
+                      <a:prstDash val="solid"/>
+                      <a:round/>
+                      <a:headEnd type="none" w="med" len="med"/>
+                      <a:tailEnd type="none" w="med" len="med"/>
+                    </a:lnT>
+                    <a:lnB w="12700" cap="flat" cmpd="sng" algn="ctr">
+                      <a:solidFill>
+                        <a:schemeClr val="tx1"/>
+                      </a:solidFill>
+                      <a:prstDash val="solid"/>
+                      <a:round/>
+                      <a:headEnd type="none" w="med" len="med"/>
+                      <a:tailEnd type="none" w="med" len="med"/>
+                    </a:lnB>
+                    <a:solidFill>
+                      <a:schemeClr val="accent2">
+                        <a:lumMod val="60000"/>
+                        <a:lumOff val="40000"/>
+                      </a:schemeClr>
+                    </a:solidFill>
+                  </a:tcPr>
+                </a:tc>
+                <a:tc>
+                  <a:txBody>
+                    <a:bodyPr/>
+                    <a:lstStyle/>
+                    <a:p>
+                      <a:pPr marL="0" marR="0" lvl="0" indent="0" algn="l" defTabSz="914400" rtl="0" eaLnBrk="1" fontAlgn="auto" latinLnBrk="0" hangingPunct="1">
+                        <a:lnSpc>
+                          <a:spcPct val="100000"/>
+                        </a:lnSpc>
+                        <a:spcBef>
+                          <a:spcPts val="0"/>
+                        </a:spcBef>
+                        <a:spcAft>
+                          <a:spcPts val="0"/>
+                        </a:spcAft>
+                        <a:buClrTx/>
+                        <a:buSzTx/>
+                        <a:buFontTx/>
+                        <a:buNone/>
+                        <a:tabLst/>
+                        <a:defRPr/>
+                      </a:pPr>
+                      <a:r>
+                        <a:rPr lang="en-US" sz="1400" dirty="0"/>
+                        <a:t>(0,2)</a:t>
+                      </a:r>
+                    </a:p>
+                    <a:p>
+                      <a:pPr marL="0" marR="0" lvl="0" indent="0" algn="l" defTabSz="914400" rtl="0" eaLnBrk="1" fontAlgn="auto" latinLnBrk="0" hangingPunct="1">
+                        <a:lnSpc>
+                          <a:spcPct val="100000"/>
+                        </a:lnSpc>
+                        <a:spcBef>
+                          <a:spcPts val="0"/>
+                        </a:spcBef>
+                        <a:spcAft>
+                          <a:spcPts val="0"/>
+                        </a:spcAft>
+                        <a:buClrTx/>
+                        <a:buSzTx/>
+                        <a:buFontTx/>
+                        <a:buNone/>
+                        <a:tabLst/>
+                        <a:defRPr/>
+                      </a:pPr>
+                      <a:r>
+                        <a:rPr lang="en-US" sz="1400" dirty="0"/>
+                        <a:t>SM0</a:t>
+                      </a:r>
+                    </a:p>
+                  </a:txBody>
+                  <a:tcPr anchor="ctr">
+                    <a:lnL w="12700" cap="flat" cmpd="sng" algn="ctr">
+                      <a:solidFill>
+                        <a:schemeClr val="tx1"/>
+                      </a:solidFill>
+                      <a:prstDash val="solid"/>
+                      <a:round/>
+                      <a:headEnd type="none" w="med" len="med"/>
+                      <a:tailEnd type="none" w="med" len="med"/>
+                    </a:lnL>
+                    <a:lnR w="12700" cap="flat" cmpd="sng" algn="ctr">
+                      <a:solidFill>
+                        <a:schemeClr val="tx1"/>
+                      </a:solidFill>
+                      <a:prstDash val="solid"/>
+                      <a:round/>
+                      <a:headEnd type="none" w="med" len="med"/>
+                      <a:tailEnd type="none" w="med" len="med"/>
+                    </a:lnR>
+                    <a:lnT w="12700" cap="flat" cmpd="sng" algn="ctr">
+                      <a:solidFill>
+                        <a:schemeClr val="tx1"/>
+                      </a:solidFill>
+                      <a:prstDash val="solid"/>
+                      <a:round/>
+                      <a:headEnd type="none" w="med" len="med"/>
+                      <a:tailEnd type="none" w="med" len="med"/>
+                    </a:lnT>
+                    <a:lnB w="12700" cap="flat" cmpd="sng" algn="ctr">
+                      <a:solidFill>
+                        <a:schemeClr val="tx1"/>
+                      </a:solidFill>
+                      <a:prstDash val="solid"/>
+                      <a:round/>
+                      <a:headEnd type="none" w="med" len="med"/>
+                      <a:tailEnd type="none" w="med" len="med"/>
+                    </a:lnB>
+                    <a:solidFill>
+                      <a:srgbClr val="92D050"/>
+                    </a:solidFill>
+                  </a:tcPr>
+                </a:tc>
+                <a:tc>
+                  <a:txBody>
+                    <a:bodyPr/>
+                    <a:lstStyle/>
+                    <a:p>
+                      <a:pPr marL="0" marR="0" lvl="0" indent="0" algn="l" defTabSz="914400" rtl="0" eaLnBrk="1" fontAlgn="auto" latinLnBrk="0" hangingPunct="1">
+                        <a:lnSpc>
+                          <a:spcPct val="100000"/>
+                        </a:lnSpc>
+                        <a:spcBef>
+                          <a:spcPts val="0"/>
+                        </a:spcBef>
+                        <a:spcAft>
+                          <a:spcPts val="0"/>
+                        </a:spcAft>
+                        <a:buClrTx/>
+                        <a:buSzTx/>
+                        <a:buFontTx/>
+                        <a:buNone/>
+                        <a:tabLst/>
+                        <a:defRPr/>
+                      </a:pPr>
+                      <a:r>
+                        <a:rPr lang="en-US" sz="1400" dirty="0"/>
+                        <a:t>(0,3)</a:t>
+                      </a:r>
+                    </a:p>
+                    <a:p>
+                      <a:pPr marL="0" marR="0" lvl="0" indent="0" algn="l" defTabSz="914400" rtl="0" eaLnBrk="1" fontAlgn="auto" latinLnBrk="0" hangingPunct="1">
+                        <a:lnSpc>
+                          <a:spcPct val="100000"/>
+                        </a:lnSpc>
+                        <a:spcBef>
+                          <a:spcPts val="0"/>
+                        </a:spcBef>
+                        <a:spcAft>
+                          <a:spcPts val="0"/>
+                        </a:spcAft>
+                        <a:buClrTx/>
+                        <a:buSzTx/>
+                        <a:buFontTx/>
+                        <a:buNone/>
+                        <a:tabLst/>
+                        <a:defRPr/>
+                      </a:pPr>
+                      <a:r>
+                        <a:rPr lang="en-US" sz="1400" dirty="0"/>
+                        <a:t>SM1</a:t>
+                      </a:r>
+                    </a:p>
+                  </a:txBody>
+                  <a:tcPr anchor="ctr">
+                    <a:lnL w="12700" cap="flat" cmpd="sng" algn="ctr">
+                      <a:solidFill>
+                        <a:schemeClr val="tx1"/>
+                      </a:solidFill>
+                      <a:prstDash val="solid"/>
+                      <a:round/>
+                      <a:headEnd type="none" w="med" len="med"/>
+                      <a:tailEnd type="none" w="med" len="med"/>
+                    </a:lnL>
+                    <a:lnR w="12700" cap="flat" cmpd="sng" algn="ctr">
+                      <a:solidFill>
+                        <a:schemeClr val="tx1"/>
+                      </a:solidFill>
+                      <a:prstDash val="solid"/>
+                      <a:round/>
+                      <a:headEnd type="none" w="med" len="med"/>
+                      <a:tailEnd type="none" w="med" len="med"/>
+                    </a:lnR>
+                    <a:lnT w="12700" cap="flat" cmpd="sng" algn="ctr">
+                      <a:solidFill>
+                        <a:schemeClr val="tx1"/>
+                      </a:solidFill>
+                      <a:prstDash val="solid"/>
+                      <a:round/>
+                      <a:headEnd type="none" w="med" len="med"/>
+                      <a:tailEnd type="none" w="med" len="med"/>
+                    </a:lnT>
+                    <a:lnB w="12700" cap="flat" cmpd="sng" algn="ctr">
+                      <a:solidFill>
+                        <a:schemeClr val="tx1"/>
+                      </a:solidFill>
+                      <a:prstDash val="solid"/>
+                      <a:round/>
+                      <a:headEnd type="none" w="med" len="med"/>
+                      <a:tailEnd type="none" w="med" len="med"/>
+                    </a:lnB>
+                    <a:solidFill>
+                      <a:srgbClr val="92D050"/>
+                    </a:solidFill>
+                  </a:tcPr>
+                </a:tc>
+                <a:extLst>
+                  <a:ext uri="{0D108BD9-81ED-4DB2-BD59-A6C34878D82A}">
+                    <a16:rowId xmlns:a16="http://schemas.microsoft.com/office/drawing/2014/main" val="1183027093"/>
+                  </a:ext>
+                </a:extLst>
+              </a:tr>
+              <a:tr h="540000">
+                <a:tc>
+                  <a:txBody>
+                    <a:bodyPr/>
+                    <a:lstStyle/>
+                    <a:p>
+                      <a:r>
+                        <a:rPr lang="en-US" sz="1400" dirty="0"/>
+                        <a:t>(1,0)</a:t>
+                      </a:r>
+                    </a:p>
+                    <a:p>
+                      <a:r>
+                        <a:rPr lang="en-US" sz="1400" dirty="0"/>
+                        <a:t>SM2</a:t>
+                      </a:r>
+                    </a:p>
+                  </a:txBody>
+                  <a:tcPr anchor="ctr">
+                    <a:lnL w="12700" cap="flat" cmpd="sng" algn="ctr">
+                      <a:solidFill>
+                        <a:schemeClr val="tx1"/>
+                      </a:solidFill>
+                      <a:prstDash val="solid"/>
+                      <a:round/>
+                      <a:headEnd type="none" w="med" len="med"/>
+                      <a:tailEnd type="none" w="med" len="med"/>
+                    </a:lnL>
+                    <a:lnR w="12700" cap="flat" cmpd="sng" algn="ctr">
+                      <a:solidFill>
+                        <a:schemeClr val="tx1"/>
+                      </a:solidFill>
+                      <a:prstDash val="solid"/>
+                      <a:round/>
+                      <a:headEnd type="none" w="med" len="med"/>
+                      <a:tailEnd type="none" w="med" len="med"/>
+                    </a:lnR>
+                    <a:lnT w="12700" cap="flat" cmpd="sng" algn="ctr">
+                      <a:solidFill>
+                        <a:schemeClr val="tx1"/>
+                      </a:solidFill>
+                      <a:prstDash val="solid"/>
+                      <a:round/>
+                      <a:headEnd type="none" w="med" len="med"/>
+                      <a:tailEnd type="none" w="med" len="med"/>
+                    </a:lnT>
+                    <a:lnB w="12700" cap="flat" cmpd="sng" algn="ctr">
+                      <a:solidFill>
+                        <a:schemeClr val="tx1"/>
+                      </a:solidFill>
+                      <a:prstDash val="solid"/>
+                      <a:round/>
+                      <a:headEnd type="none" w="med" len="med"/>
+                      <a:tailEnd type="none" w="med" len="med"/>
+                    </a:lnB>
+                    <a:solidFill>
+                      <a:schemeClr val="accent2">
+                        <a:lumMod val="60000"/>
+                        <a:lumOff val="40000"/>
+                      </a:schemeClr>
+                    </a:solidFill>
+                  </a:tcPr>
+                </a:tc>
+                <a:tc>
+                  <a:txBody>
+                    <a:bodyPr/>
+                    <a:lstStyle/>
+                    <a:p>
+                      <a:r>
+                        <a:rPr lang="en-US" sz="1400" dirty="0"/>
+                        <a:t>(1,1)</a:t>
+                      </a:r>
+                    </a:p>
+                    <a:p>
+                      <a:r>
+                        <a:rPr lang="en-US" sz="1400" dirty="0"/>
+                        <a:t>SM3</a:t>
+                      </a:r>
+                    </a:p>
+                  </a:txBody>
+                  <a:tcPr anchor="ctr">
+                    <a:lnL w="12700" cap="flat" cmpd="sng" algn="ctr">
+                      <a:solidFill>
+                        <a:schemeClr val="tx1"/>
+                      </a:solidFill>
+                      <a:prstDash val="solid"/>
+                      <a:round/>
+                      <a:headEnd type="none" w="med" len="med"/>
+                      <a:tailEnd type="none" w="med" len="med"/>
+                    </a:lnL>
+                    <a:lnR w="12700" cap="flat" cmpd="sng" algn="ctr">
+                      <a:solidFill>
+                        <a:schemeClr val="tx1"/>
+                      </a:solidFill>
+                      <a:prstDash val="solid"/>
+                      <a:round/>
+                      <a:headEnd type="none" w="med" len="med"/>
+                      <a:tailEnd type="none" w="med" len="med"/>
+                    </a:lnR>
+                    <a:lnT w="12700" cap="flat" cmpd="sng" algn="ctr">
+                      <a:solidFill>
+                        <a:schemeClr val="tx1"/>
+                      </a:solidFill>
+                      <a:prstDash val="solid"/>
+                      <a:round/>
+                      <a:headEnd type="none" w="med" len="med"/>
+                      <a:tailEnd type="none" w="med" len="med"/>
+                    </a:lnT>
+                    <a:lnB w="12700" cap="flat" cmpd="sng" algn="ctr">
+                      <a:solidFill>
+                        <a:schemeClr val="tx1"/>
+                      </a:solidFill>
+                      <a:prstDash val="solid"/>
+                      <a:round/>
+                      <a:headEnd type="none" w="med" len="med"/>
+                      <a:tailEnd type="none" w="med" len="med"/>
+                    </a:lnB>
+                    <a:solidFill>
+                      <a:schemeClr val="accent2">
+                        <a:lumMod val="60000"/>
+                        <a:lumOff val="40000"/>
+                      </a:schemeClr>
+                    </a:solidFill>
+                  </a:tcPr>
+                </a:tc>
+                <a:tc>
+                  <a:txBody>
+                    <a:bodyPr/>
+                    <a:lstStyle/>
+                    <a:p>
+                      <a:pPr marL="0" marR="0" lvl="0" indent="0" algn="l" defTabSz="914400" rtl="0" eaLnBrk="1" fontAlgn="auto" latinLnBrk="0" hangingPunct="1">
+                        <a:lnSpc>
+                          <a:spcPct val="100000"/>
+                        </a:lnSpc>
+                        <a:spcBef>
+                          <a:spcPts val="0"/>
+                        </a:spcBef>
+                        <a:spcAft>
+                          <a:spcPts val="0"/>
+                        </a:spcAft>
+                        <a:buClrTx/>
+                        <a:buSzTx/>
+                        <a:buFontTx/>
+                        <a:buNone/>
+                        <a:tabLst/>
+                        <a:defRPr/>
+                      </a:pPr>
+                      <a:r>
+                        <a:rPr lang="en-US" sz="1400" dirty="0"/>
+                        <a:t>(1,2)</a:t>
+                      </a:r>
+                    </a:p>
+                    <a:p>
+                      <a:pPr marL="0" marR="0" lvl="0" indent="0" algn="l" defTabSz="914400" rtl="0" eaLnBrk="1" fontAlgn="auto" latinLnBrk="0" hangingPunct="1">
+                        <a:lnSpc>
+                          <a:spcPct val="100000"/>
+                        </a:lnSpc>
+                        <a:spcBef>
+                          <a:spcPts val="0"/>
+                        </a:spcBef>
+                        <a:spcAft>
+                          <a:spcPts val="0"/>
+                        </a:spcAft>
+                        <a:buClrTx/>
+                        <a:buSzTx/>
+                        <a:buFontTx/>
+                        <a:buNone/>
+                        <a:tabLst/>
+                        <a:defRPr/>
+                      </a:pPr>
+                      <a:r>
+                        <a:rPr lang="en-US" sz="1400" dirty="0"/>
+                        <a:t>SM2</a:t>
+                      </a:r>
+                    </a:p>
+                  </a:txBody>
+                  <a:tcPr anchor="ctr">
+                    <a:lnL w="12700" cap="flat" cmpd="sng" algn="ctr">
+                      <a:solidFill>
+                        <a:schemeClr val="tx1"/>
+                      </a:solidFill>
+                      <a:prstDash val="solid"/>
+                      <a:round/>
+                      <a:headEnd type="none" w="med" len="med"/>
+                      <a:tailEnd type="none" w="med" len="med"/>
+                    </a:lnL>
+                    <a:lnR w="12700" cap="flat" cmpd="sng" algn="ctr">
+                      <a:solidFill>
+                        <a:schemeClr val="tx1"/>
+                      </a:solidFill>
+                      <a:prstDash val="solid"/>
+                      <a:round/>
+                      <a:headEnd type="none" w="med" len="med"/>
+                      <a:tailEnd type="none" w="med" len="med"/>
+                    </a:lnR>
+                    <a:lnT w="12700" cap="flat" cmpd="sng" algn="ctr">
+                      <a:solidFill>
+                        <a:schemeClr val="tx1"/>
+                      </a:solidFill>
+                      <a:prstDash val="solid"/>
+                      <a:round/>
+                      <a:headEnd type="none" w="med" len="med"/>
+                      <a:tailEnd type="none" w="med" len="med"/>
+                    </a:lnT>
+                    <a:lnB w="12700" cap="flat" cmpd="sng" algn="ctr">
+                      <a:solidFill>
+                        <a:schemeClr val="tx1"/>
+                      </a:solidFill>
+                      <a:prstDash val="solid"/>
+                      <a:round/>
+                      <a:headEnd type="none" w="med" len="med"/>
+                      <a:tailEnd type="none" w="med" len="med"/>
+                    </a:lnB>
+                    <a:solidFill>
+                      <a:srgbClr val="92D050"/>
+                    </a:solidFill>
+                  </a:tcPr>
+                </a:tc>
+                <a:tc>
+                  <a:txBody>
+                    <a:bodyPr/>
+                    <a:lstStyle/>
+                    <a:p>
+                      <a:pPr marL="0" marR="0" lvl="0" indent="0" algn="l" defTabSz="914400" rtl="0" eaLnBrk="1" fontAlgn="auto" latinLnBrk="0" hangingPunct="1">
+                        <a:lnSpc>
+                          <a:spcPct val="100000"/>
+                        </a:lnSpc>
+                        <a:spcBef>
+                          <a:spcPts val="0"/>
+                        </a:spcBef>
+                        <a:spcAft>
+                          <a:spcPts val="0"/>
+                        </a:spcAft>
+                        <a:buClrTx/>
+                        <a:buSzTx/>
+                        <a:buFontTx/>
+                        <a:buNone/>
+                        <a:tabLst/>
+                        <a:defRPr/>
+                      </a:pPr>
+                      <a:r>
+                        <a:rPr lang="en-US" sz="1400" dirty="0"/>
+                        <a:t>(1,3)</a:t>
+                      </a:r>
+                    </a:p>
+                    <a:p>
+                      <a:pPr marL="0" marR="0" lvl="0" indent="0" algn="l" defTabSz="914400" rtl="0" eaLnBrk="1" fontAlgn="auto" latinLnBrk="0" hangingPunct="1">
+                        <a:lnSpc>
+                          <a:spcPct val="100000"/>
+                        </a:lnSpc>
+                        <a:spcBef>
+                          <a:spcPts val="0"/>
+                        </a:spcBef>
+                        <a:spcAft>
+                          <a:spcPts val="0"/>
+                        </a:spcAft>
+                        <a:buClrTx/>
+                        <a:buSzTx/>
+                        <a:buFontTx/>
+                        <a:buNone/>
+                        <a:tabLst/>
+                        <a:defRPr/>
+                      </a:pPr>
+                      <a:r>
+                        <a:rPr lang="en-US" sz="1400" dirty="0"/>
+                        <a:t>SM3</a:t>
+                      </a:r>
+                    </a:p>
+                  </a:txBody>
+                  <a:tcPr anchor="ctr">
+                    <a:lnL w="12700" cap="flat" cmpd="sng" algn="ctr">
+                      <a:solidFill>
+                        <a:schemeClr val="tx1"/>
+                      </a:solidFill>
+                      <a:prstDash val="solid"/>
+                      <a:round/>
+                      <a:headEnd type="none" w="med" len="med"/>
+                      <a:tailEnd type="none" w="med" len="med"/>
+                    </a:lnL>
+                    <a:lnR w="12700" cap="flat" cmpd="sng" algn="ctr">
+                      <a:solidFill>
+                        <a:schemeClr val="tx1"/>
+                      </a:solidFill>
+                      <a:prstDash val="solid"/>
+                      <a:round/>
+                      <a:headEnd type="none" w="med" len="med"/>
+                      <a:tailEnd type="none" w="med" len="med"/>
+                    </a:lnR>
+                    <a:lnT w="12700" cap="flat" cmpd="sng" algn="ctr">
+                      <a:solidFill>
+                        <a:schemeClr val="tx1"/>
+                      </a:solidFill>
+                      <a:prstDash val="solid"/>
+                      <a:round/>
+                      <a:headEnd type="none" w="med" len="med"/>
+                      <a:tailEnd type="none" w="med" len="med"/>
+                    </a:lnT>
+                    <a:lnB w="12700" cap="flat" cmpd="sng" algn="ctr">
+                      <a:solidFill>
+                        <a:schemeClr val="tx1"/>
+                      </a:solidFill>
+                      <a:prstDash val="solid"/>
+                      <a:round/>
+                      <a:headEnd type="none" w="med" len="med"/>
+                      <a:tailEnd type="none" w="med" len="med"/>
+                    </a:lnB>
+                    <a:solidFill>
+                      <a:srgbClr val="92D050"/>
+                    </a:solidFill>
+                  </a:tcPr>
+                </a:tc>
+                <a:extLst>
+                  <a:ext uri="{0D108BD9-81ED-4DB2-BD59-A6C34878D82A}">
+                    <a16:rowId xmlns:a16="http://schemas.microsoft.com/office/drawing/2014/main" val="1771589775"/>
+                  </a:ext>
+                </a:extLst>
+              </a:tr>
+              <a:tr h="540000">
+                <a:tc>
+                  <a:txBody>
+                    <a:bodyPr/>
+                    <a:lstStyle/>
+                    <a:p>
+                      <a:r>
+                        <a:rPr lang="en-US" sz="1400" dirty="0"/>
+                        <a:t>(2,0)</a:t>
+                      </a:r>
+                    </a:p>
+                    <a:p>
+                      <a:r>
+                        <a:rPr lang="en-US" sz="1400" dirty="0"/>
+                        <a:t>SM0</a:t>
+                      </a:r>
+                    </a:p>
+                  </a:txBody>
+                  <a:tcPr anchor="ctr">
+                    <a:lnL w="12700" cap="flat" cmpd="sng" algn="ctr">
+                      <a:solidFill>
+                        <a:schemeClr val="tx1"/>
+                      </a:solidFill>
+                      <a:prstDash val="solid"/>
+                      <a:round/>
+                      <a:headEnd type="none" w="med" len="med"/>
+                      <a:tailEnd type="none" w="med" len="med"/>
+                    </a:lnL>
+                    <a:lnR w="12700" cap="flat" cmpd="sng" algn="ctr">
+                      <a:solidFill>
+                        <a:schemeClr val="tx1"/>
+                      </a:solidFill>
+                      <a:prstDash val="solid"/>
+                      <a:round/>
+                      <a:headEnd type="none" w="med" len="med"/>
+                      <a:tailEnd type="none" w="med" len="med"/>
+                    </a:lnR>
+                    <a:lnT w="12700" cap="flat" cmpd="sng" algn="ctr">
+                      <a:solidFill>
+                        <a:schemeClr val="tx1"/>
+                      </a:solidFill>
+                      <a:prstDash val="solid"/>
+                      <a:round/>
+                      <a:headEnd type="none" w="med" len="med"/>
+                      <a:tailEnd type="none" w="med" len="med"/>
+                    </a:lnT>
+                    <a:lnB w="12700" cap="flat" cmpd="sng" algn="ctr">
+                      <a:solidFill>
+                        <a:schemeClr val="tx1"/>
+                      </a:solidFill>
+                      <a:prstDash val="solid"/>
+                      <a:round/>
+                      <a:headEnd type="none" w="med" len="med"/>
+                      <a:tailEnd type="none" w="med" len="med"/>
+                    </a:lnB>
+                    <a:solidFill>
+                      <a:schemeClr val="accent4">
+                        <a:lumMod val="60000"/>
+                        <a:lumOff val="40000"/>
+                      </a:schemeClr>
+                    </a:solidFill>
+                  </a:tcPr>
+                </a:tc>
+                <a:tc>
+                  <a:txBody>
+                    <a:bodyPr/>
+                    <a:lstStyle/>
+                    <a:p>
+                      <a:r>
+                        <a:rPr lang="en-US" sz="1400" dirty="0"/>
+                        <a:t>(2,1)</a:t>
+                      </a:r>
+                    </a:p>
+                    <a:p>
+                      <a:r>
+                        <a:rPr lang="en-US" sz="1400" dirty="0"/>
+                        <a:t>SM1</a:t>
+                      </a:r>
+                    </a:p>
+                  </a:txBody>
+                  <a:tcPr anchor="ctr">
+                    <a:lnL w="12700" cap="flat" cmpd="sng" algn="ctr">
+                      <a:solidFill>
+                        <a:schemeClr val="tx1"/>
+                      </a:solidFill>
+                      <a:prstDash val="solid"/>
+                      <a:round/>
+                      <a:headEnd type="none" w="med" len="med"/>
+                      <a:tailEnd type="none" w="med" len="med"/>
+                    </a:lnL>
+                    <a:lnR w="12700" cap="flat" cmpd="sng" algn="ctr">
+                      <a:solidFill>
+                        <a:schemeClr val="tx1"/>
+                      </a:solidFill>
+                      <a:prstDash val="solid"/>
+                      <a:round/>
+                      <a:headEnd type="none" w="med" len="med"/>
+                      <a:tailEnd type="none" w="med" len="med"/>
+                    </a:lnR>
+                    <a:lnT w="12700" cap="flat" cmpd="sng" algn="ctr">
+                      <a:solidFill>
+                        <a:schemeClr val="tx1"/>
+                      </a:solidFill>
+                      <a:prstDash val="solid"/>
+                      <a:round/>
+                      <a:headEnd type="none" w="med" len="med"/>
+                      <a:tailEnd type="none" w="med" len="med"/>
+                    </a:lnT>
+                    <a:lnB w="12700" cap="flat" cmpd="sng" algn="ctr">
+                      <a:solidFill>
+                        <a:schemeClr val="tx1"/>
+                      </a:solidFill>
+                      <a:prstDash val="solid"/>
+                      <a:round/>
+                      <a:headEnd type="none" w="med" len="med"/>
+                      <a:tailEnd type="none" w="med" len="med"/>
+                    </a:lnB>
+                    <a:solidFill>
+                      <a:schemeClr val="accent4">
+                        <a:lumMod val="60000"/>
+                        <a:lumOff val="40000"/>
+                      </a:schemeClr>
+                    </a:solidFill>
+                  </a:tcPr>
+                </a:tc>
+                <a:tc>
+                  <a:txBody>
+                    <a:bodyPr/>
+                    <a:lstStyle/>
+                    <a:p>
+                      <a:pPr marL="0" marR="0" lvl="0" indent="0" algn="l" defTabSz="914400" rtl="0" eaLnBrk="1" fontAlgn="auto" latinLnBrk="0" hangingPunct="1">
+                        <a:lnSpc>
+                          <a:spcPct val="100000"/>
+                        </a:lnSpc>
+                        <a:spcBef>
+                          <a:spcPts val="0"/>
+                        </a:spcBef>
+                        <a:spcAft>
+                          <a:spcPts val="0"/>
+                        </a:spcAft>
+                        <a:buClrTx/>
+                        <a:buSzTx/>
+                        <a:buFontTx/>
+                        <a:buNone/>
+                        <a:tabLst/>
+                        <a:defRPr/>
+                      </a:pPr>
+                      <a:r>
+                        <a:rPr lang="en-US" sz="1400" dirty="0"/>
+                        <a:t>(2,2)</a:t>
+                      </a:r>
+                    </a:p>
+                    <a:p>
+                      <a:pPr marL="0" marR="0" lvl="0" indent="0" algn="l" defTabSz="914400" rtl="0" eaLnBrk="1" fontAlgn="auto" latinLnBrk="0" hangingPunct="1">
+                        <a:lnSpc>
+                          <a:spcPct val="100000"/>
+                        </a:lnSpc>
+                        <a:spcBef>
+                          <a:spcPts val="0"/>
+                        </a:spcBef>
+                        <a:spcAft>
+                          <a:spcPts val="0"/>
+                        </a:spcAft>
+                        <a:buClrTx/>
+                        <a:buSzTx/>
+                        <a:buFontTx/>
+                        <a:buNone/>
+                        <a:tabLst/>
+                        <a:defRPr/>
+                      </a:pPr>
+                      <a:r>
+                        <a:rPr lang="en-US" sz="1400" dirty="0"/>
+                        <a:t>SM0</a:t>
+                      </a:r>
+                    </a:p>
+                  </a:txBody>
+                  <a:tcPr anchor="ctr">
+                    <a:lnL w="12700" cap="flat" cmpd="sng" algn="ctr">
+                      <a:solidFill>
+                        <a:schemeClr val="tx1"/>
+                      </a:solidFill>
+                      <a:prstDash val="solid"/>
+                      <a:round/>
+                      <a:headEnd type="none" w="med" len="med"/>
+                      <a:tailEnd type="none" w="med" len="med"/>
+                    </a:lnL>
+                    <a:lnR w="12700" cap="flat" cmpd="sng" algn="ctr">
+                      <a:solidFill>
+                        <a:schemeClr val="tx1"/>
+                      </a:solidFill>
+                      <a:prstDash val="solid"/>
+                      <a:round/>
+                      <a:headEnd type="none" w="med" len="med"/>
+                      <a:tailEnd type="none" w="med" len="med"/>
+                    </a:lnR>
+                    <a:lnT w="12700" cap="flat" cmpd="sng" algn="ctr">
+                      <a:solidFill>
+                        <a:schemeClr val="tx1"/>
+                      </a:solidFill>
+                      <a:prstDash val="solid"/>
+                      <a:round/>
+                      <a:headEnd type="none" w="med" len="med"/>
+                      <a:tailEnd type="none" w="med" len="med"/>
+                    </a:lnT>
+                    <a:lnB w="12700" cap="flat" cmpd="sng" algn="ctr">
+                      <a:solidFill>
+                        <a:schemeClr val="tx1"/>
+                      </a:solidFill>
+                      <a:prstDash val="solid"/>
+                      <a:round/>
+                      <a:headEnd type="none" w="med" len="med"/>
+                      <a:tailEnd type="none" w="med" len="med"/>
+                    </a:lnB>
+                    <a:solidFill>
+                      <a:srgbClr val="FFFF00"/>
+                    </a:solidFill>
+                  </a:tcPr>
+                </a:tc>
+                <a:tc>
+                  <a:txBody>
+                    <a:bodyPr/>
+                    <a:lstStyle/>
+                    <a:p>
+                      <a:pPr marL="0" marR="0" lvl="0" indent="0" algn="l" defTabSz="914400" rtl="0" eaLnBrk="1" fontAlgn="auto" latinLnBrk="0" hangingPunct="1">
+                        <a:lnSpc>
+                          <a:spcPct val="100000"/>
+                        </a:lnSpc>
+                        <a:spcBef>
+                          <a:spcPts val="0"/>
+                        </a:spcBef>
+                        <a:spcAft>
+                          <a:spcPts val="0"/>
+                        </a:spcAft>
+                        <a:buClrTx/>
+                        <a:buSzTx/>
+                        <a:buFontTx/>
+                        <a:buNone/>
+                        <a:tabLst/>
+                        <a:defRPr/>
+                      </a:pPr>
+                      <a:r>
+                        <a:rPr lang="en-US" sz="1400" dirty="0"/>
+                        <a:t>(2,3)</a:t>
+                      </a:r>
+                    </a:p>
+                    <a:p>
+                      <a:pPr marL="0" marR="0" lvl="0" indent="0" algn="l" defTabSz="914400" rtl="0" eaLnBrk="1" fontAlgn="auto" latinLnBrk="0" hangingPunct="1">
+                        <a:lnSpc>
+                          <a:spcPct val="100000"/>
+                        </a:lnSpc>
+                        <a:spcBef>
+                          <a:spcPts val="0"/>
+                        </a:spcBef>
+                        <a:spcAft>
+                          <a:spcPts val="0"/>
+                        </a:spcAft>
+                        <a:buClrTx/>
+                        <a:buSzTx/>
+                        <a:buFontTx/>
+                        <a:buNone/>
+                        <a:tabLst/>
+                        <a:defRPr/>
+                      </a:pPr>
+                      <a:r>
+                        <a:rPr lang="en-US" sz="1400" dirty="0"/>
+                        <a:t>SM1</a:t>
+                      </a:r>
+                    </a:p>
+                  </a:txBody>
+                  <a:tcPr anchor="ctr">
+                    <a:lnL w="12700" cap="flat" cmpd="sng" algn="ctr">
+                      <a:solidFill>
+                        <a:schemeClr val="tx1"/>
+                      </a:solidFill>
+                      <a:prstDash val="solid"/>
+                      <a:round/>
+                      <a:headEnd type="none" w="med" len="med"/>
+                      <a:tailEnd type="none" w="med" len="med"/>
+                    </a:lnL>
+                    <a:lnR w="12700" cap="flat" cmpd="sng" algn="ctr">
+                      <a:solidFill>
+                        <a:schemeClr val="tx1"/>
+                      </a:solidFill>
+                      <a:prstDash val="solid"/>
+                      <a:round/>
+                      <a:headEnd type="none" w="med" len="med"/>
+                      <a:tailEnd type="none" w="med" len="med"/>
+                    </a:lnR>
+                    <a:lnT w="12700" cap="flat" cmpd="sng" algn="ctr">
+                      <a:solidFill>
+                        <a:schemeClr val="tx1"/>
+                      </a:solidFill>
+                      <a:prstDash val="solid"/>
+                      <a:round/>
+                      <a:headEnd type="none" w="med" len="med"/>
+                      <a:tailEnd type="none" w="med" len="med"/>
+                    </a:lnT>
+                    <a:lnB w="12700" cap="flat" cmpd="sng" algn="ctr">
+                      <a:solidFill>
+                        <a:schemeClr val="tx1"/>
+                      </a:solidFill>
+                      <a:prstDash val="solid"/>
+                      <a:round/>
+                      <a:headEnd type="none" w="med" len="med"/>
+                      <a:tailEnd type="none" w="med" len="med"/>
+                    </a:lnB>
+                    <a:solidFill>
+                      <a:srgbClr val="FFFF00"/>
+                    </a:solidFill>
+                  </a:tcPr>
+                </a:tc>
+                <a:extLst>
+                  <a:ext uri="{0D108BD9-81ED-4DB2-BD59-A6C34878D82A}">
+                    <a16:rowId xmlns:a16="http://schemas.microsoft.com/office/drawing/2014/main" val="3415133006"/>
+                  </a:ext>
+                </a:extLst>
+              </a:tr>
+              <a:tr h="540000">
+                <a:tc>
+                  <a:txBody>
+                    <a:bodyPr/>
+                    <a:lstStyle/>
+                    <a:p>
+                      <a:r>
+                        <a:rPr lang="en-US" sz="1400" dirty="0"/>
+                        <a:t>(3,0)</a:t>
+                      </a:r>
+                    </a:p>
+                    <a:p>
+                      <a:r>
+                        <a:rPr lang="en-US" sz="1400" dirty="0"/>
+                        <a:t>SM2</a:t>
+                      </a:r>
+                    </a:p>
+                  </a:txBody>
+                  <a:tcPr anchor="ctr">
+                    <a:lnL w="12700" cap="flat" cmpd="sng" algn="ctr">
+                      <a:solidFill>
+                        <a:schemeClr val="tx1"/>
+                      </a:solidFill>
+                      <a:prstDash val="solid"/>
+                      <a:round/>
+                      <a:headEnd type="none" w="med" len="med"/>
+                      <a:tailEnd type="none" w="med" len="med"/>
+                    </a:lnL>
+                    <a:lnR w="12700" cap="flat" cmpd="sng" algn="ctr">
+                      <a:solidFill>
+                        <a:schemeClr val="tx1"/>
+                      </a:solidFill>
+                      <a:prstDash val="solid"/>
+                      <a:round/>
+                      <a:headEnd type="none" w="med" len="med"/>
+                      <a:tailEnd type="none" w="med" len="med"/>
+                    </a:lnR>
+                    <a:lnT w="12700" cap="flat" cmpd="sng" algn="ctr">
+                      <a:solidFill>
+                        <a:schemeClr val="tx1"/>
+                      </a:solidFill>
+                      <a:prstDash val="solid"/>
+                      <a:round/>
+                      <a:headEnd type="none" w="med" len="med"/>
+                      <a:tailEnd type="none" w="med" len="med"/>
+                    </a:lnT>
+                    <a:lnB w="12700" cap="flat" cmpd="sng" algn="ctr">
+                      <a:solidFill>
+                        <a:schemeClr val="tx1"/>
+                      </a:solidFill>
+                      <a:prstDash val="solid"/>
+                      <a:round/>
+                      <a:headEnd type="none" w="med" len="med"/>
+                      <a:tailEnd type="none" w="med" len="med"/>
+                    </a:lnB>
+                    <a:solidFill>
+                      <a:schemeClr val="accent4">
+                        <a:lumMod val="60000"/>
+                        <a:lumOff val="40000"/>
+                      </a:schemeClr>
+                    </a:solidFill>
+                  </a:tcPr>
+                </a:tc>
+                <a:tc>
+                  <a:txBody>
+                    <a:bodyPr/>
+                    <a:lstStyle/>
+                    <a:p>
+                      <a:r>
+                        <a:rPr lang="en-US" sz="1400" dirty="0"/>
+                        <a:t>(3,1)</a:t>
+                      </a:r>
+                    </a:p>
+                    <a:p>
+                      <a:r>
+                        <a:rPr lang="en-US" sz="1400" dirty="0"/>
+                        <a:t>SM3</a:t>
+                      </a:r>
+                    </a:p>
+                  </a:txBody>
+                  <a:tcPr anchor="ctr">
+                    <a:lnL w="12700" cap="flat" cmpd="sng" algn="ctr">
+                      <a:solidFill>
+                        <a:schemeClr val="tx1"/>
+                      </a:solidFill>
+                      <a:prstDash val="solid"/>
+                      <a:round/>
+                      <a:headEnd type="none" w="med" len="med"/>
+                      <a:tailEnd type="none" w="med" len="med"/>
+                    </a:lnL>
+                    <a:lnR w="12700" cap="flat" cmpd="sng" algn="ctr">
+                      <a:solidFill>
+                        <a:schemeClr val="tx1"/>
+                      </a:solidFill>
+                      <a:prstDash val="solid"/>
+                      <a:round/>
+                      <a:headEnd type="none" w="med" len="med"/>
+                      <a:tailEnd type="none" w="med" len="med"/>
+                    </a:lnR>
+                    <a:lnT w="12700" cap="flat" cmpd="sng" algn="ctr">
+                      <a:solidFill>
+                        <a:schemeClr val="tx1"/>
+                      </a:solidFill>
+                      <a:prstDash val="solid"/>
+                      <a:round/>
+                      <a:headEnd type="none" w="med" len="med"/>
+                      <a:tailEnd type="none" w="med" len="med"/>
+                    </a:lnT>
+                    <a:lnB w="12700" cap="flat" cmpd="sng" algn="ctr">
+                      <a:solidFill>
+                        <a:schemeClr val="tx1"/>
+                      </a:solidFill>
+                      <a:prstDash val="solid"/>
+                      <a:round/>
+                      <a:headEnd type="none" w="med" len="med"/>
+                      <a:tailEnd type="none" w="med" len="med"/>
+                    </a:lnB>
+                    <a:solidFill>
+                      <a:schemeClr val="accent4">
+                        <a:lumMod val="60000"/>
+                        <a:lumOff val="40000"/>
+                      </a:schemeClr>
+                    </a:solidFill>
+                  </a:tcPr>
+                </a:tc>
+                <a:tc>
+                  <a:txBody>
+                    <a:bodyPr/>
+                    <a:lstStyle/>
+                    <a:p>
+                      <a:pPr marL="0" marR="0" lvl="0" indent="0" algn="l" defTabSz="914400" rtl="0" eaLnBrk="1" fontAlgn="auto" latinLnBrk="0" hangingPunct="1">
+                        <a:lnSpc>
+                          <a:spcPct val="100000"/>
+                        </a:lnSpc>
+                        <a:spcBef>
+                          <a:spcPts val="0"/>
+                        </a:spcBef>
+                        <a:spcAft>
+                          <a:spcPts val="0"/>
+                        </a:spcAft>
+                        <a:buClrTx/>
+                        <a:buSzTx/>
+                        <a:buFontTx/>
+                        <a:buNone/>
+                        <a:tabLst/>
+                        <a:defRPr/>
+                      </a:pPr>
+                      <a:r>
+                        <a:rPr lang="en-US" sz="1400" dirty="0"/>
+                        <a:t>(3,2)</a:t>
+                      </a:r>
+                    </a:p>
+                    <a:p>
+                      <a:pPr marL="0" marR="0" lvl="0" indent="0" algn="l" defTabSz="914400" rtl="0" eaLnBrk="1" fontAlgn="auto" latinLnBrk="0" hangingPunct="1">
+                        <a:lnSpc>
+                          <a:spcPct val="100000"/>
+                        </a:lnSpc>
+                        <a:spcBef>
+                          <a:spcPts val="0"/>
+                        </a:spcBef>
+                        <a:spcAft>
+                          <a:spcPts val="0"/>
+                        </a:spcAft>
+                        <a:buClrTx/>
+                        <a:buSzTx/>
+                        <a:buFontTx/>
+                        <a:buNone/>
+                        <a:tabLst/>
+                        <a:defRPr/>
+                      </a:pPr>
+                      <a:r>
+                        <a:rPr lang="en-US" sz="1400" dirty="0"/>
+                        <a:t>SM2</a:t>
+                      </a:r>
+                    </a:p>
+                  </a:txBody>
+                  <a:tcPr anchor="ctr">
+                    <a:lnL w="12700" cap="flat" cmpd="sng" algn="ctr">
+                      <a:solidFill>
+                        <a:schemeClr val="tx1"/>
+                      </a:solidFill>
+                      <a:prstDash val="solid"/>
+                      <a:round/>
+                      <a:headEnd type="none" w="med" len="med"/>
+                      <a:tailEnd type="none" w="med" len="med"/>
+                    </a:lnL>
+                    <a:lnR w="12700" cap="flat" cmpd="sng" algn="ctr">
+                      <a:solidFill>
+                        <a:schemeClr val="tx1"/>
+                      </a:solidFill>
+                      <a:prstDash val="solid"/>
+                      <a:round/>
+                      <a:headEnd type="none" w="med" len="med"/>
+                      <a:tailEnd type="none" w="med" len="med"/>
+                    </a:lnR>
+                    <a:lnT w="12700" cap="flat" cmpd="sng" algn="ctr">
+                      <a:solidFill>
+                        <a:schemeClr val="tx1"/>
+                      </a:solidFill>
+                      <a:prstDash val="solid"/>
+                      <a:round/>
+                      <a:headEnd type="none" w="med" len="med"/>
+                      <a:tailEnd type="none" w="med" len="med"/>
+                    </a:lnT>
+                    <a:lnB w="12700" cap="flat" cmpd="sng" algn="ctr">
+                      <a:solidFill>
+                        <a:schemeClr val="tx1"/>
+                      </a:solidFill>
+                      <a:prstDash val="solid"/>
+                      <a:round/>
+                      <a:headEnd type="none" w="med" len="med"/>
+                      <a:tailEnd type="none" w="med" len="med"/>
+                    </a:lnB>
+                    <a:solidFill>
+                      <a:srgbClr val="FFFF00"/>
+                    </a:solidFill>
+                  </a:tcPr>
+                </a:tc>
+                <a:tc>
+                  <a:txBody>
+                    <a:bodyPr/>
+                    <a:lstStyle/>
+                    <a:p>
+                      <a:pPr marL="0" marR="0" lvl="0" indent="0" algn="l" defTabSz="914400" rtl="0" eaLnBrk="1" fontAlgn="auto" latinLnBrk="0" hangingPunct="1">
+                        <a:lnSpc>
+                          <a:spcPct val="100000"/>
+                        </a:lnSpc>
+                        <a:spcBef>
+                          <a:spcPts val="0"/>
+                        </a:spcBef>
+                        <a:spcAft>
+                          <a:spcPts val="0"/>
+                        </a:spcAft>
+                        <a:buClrTx/>
+                        <a:buSzTx/>
+                        <a:buFontTx/>
+                        <a:buNone/>
+                        <a:tabLst/>
+                        <a:defRPr/>
+                      </a:pPr>
+                      <a:r>
+                        <a:rPr lang="en-US" sz="1400" dirty="0"/>
+                        <a:t>(3,3)</a:t>
+                      </a:r>
+                    </a:p>
+                    <a:p>
+                      <a:pPr marL="0" marR="0" lvl="0" indent="0" algn="l" defTabSz="914400" rtl="0" eaLnBrk="1" fontAlgn="auto" latinLnBrk="0" hangingPunct="1">
+                        <a:lnSpc>
+                          <a:spcPct val="100000"/>
+                        </a:lnSpc>
+                        <a:spcBef>
+                          <a:spcPts val="0"/>
+                        </a:spcBef>
+                        <a:spcAft>
+                          <a:spcPts val="0"/>
+                        </a:spcAft>
+                        <a:buClrTx/>
+                        <a:buSzTx/>
+                        <a:buFontTx/>
+                        <a:buNone/>
+                        <a:tabLst/>
+                        <a:defRPr/>
+                      </a:pPr>
+                      <a:r>
+                        <a:rPr lang="en-US" sz="1400" dirty="0"/>
+                        <a:t>SM3</a:t>
+                      </a:r>
+                    </a:p>
+                  </a:txBody>
+                  <a:tcPr anchor="ctr">
+                    <a:lnL w="12700" cap="flat" cmpd="sng" algn="ctr">
+                      <a:solidFill>
+                        <a:schemeClr val="tx1"/>
+                      </a:solidFill>
+                      <a:prstDash val="solid"/>
+                      <a:round/>
+                      <a:headEnd type="none" w="med" len="med"/>
+                      <a:tailEnd type="none" w="med" len="med"/>
+                    </a:lnL>
+                    <a:lnR w="12700" cap="flat" cmpd="sng" algn="ctr">
+                      <a:solidFill>
+                        <a:schemeClr val="tx1"/>
+                      </a:solidFill>
+                      <a:prstDash val="solid"/>
+                      <a:round/>
+                      <a:headEnd type="none" w="med" len="med"/>
+                      <a:tailEnd type="none" w="med" len="med"/>
+                    </a:lnR>
+                    <a:lnT w="12700" cap="flat" cmpd="sng" algn="ctr">
+                      <a:solidFill>
+                        <a:schemeClr val="tx1"/>
+                      </a:solidFill>
+                      <a:prstDash val="solid"/>
+                      <a:round/>
+                      <a:headEnd type="none" w="med" len="med"/>
+                      <a:tailEnd type="none" w="med" len="med"/>
+                    </a:lnT>
+                    <a:lnB w="12700" cap="flat" cmpd="sng" algn="ctr">
+                      <a:solidFill>
+                        <a:schemeClr val="tx1"/>
+                      </a:solidFill>
+                      <a:prstDash val="solid"/>
+                      <a:round/>
+                      <a:headEnd type="none" w="med" len="med"/>
+                      <a:tailEnd type="none" w="med" len="med"/>
+                    </a:lnB>
+                    <a:solidFill>
+                      <a:srgbClr val="FFFF00"/>
+                    </a:solidFill>
+                  </a:tcPr>
+                </a:tc>
+                <a:extLst>
+                  <a:ext uri="{0D108BD9-81ED-4DB2-BD59-A6C34878D82A}">
+                    <a16:rowId xmlns:a16="http://schemas.microsoft.com/office/drawing/2014/main" val="2791348304"/>
+                  </a:ext>
+                </a:extLst>
+              </a:tr>
+            </a:tbl>
+          </a:graphicData>
+        </a:graphic>
+      </p:graphicFrame>
+      <p:graphicFrame>
+        <p:nvGraphicFramePr>
+          <p:cNvPr id="15" name="表格 14">
+            <a:extLst>
+              <a:ext uri="{FF2B5EF4-FFF2-40B4-BE49-F238E27FC236}">
+                <a16:creationId xmlns:a16="http://schemas.microsoft.com/office/drawing/2014/main" id="{D4A930CB-6DA4-66AE-B835-33CDDC11C0BC}"/>
+              </a:ext>
+            </a:extLst>
+          </p:cNvPr>
+          <p:cNvGraphicFramePr>
+            <a:graphicFrameLocks noGrp="1"/>
+          </p:cNvGraphicFramePr>
+          <p:nvPr>
+            <p:extLst>
+              <p:ext uri="{D42A27DB-BD31-4B8C-83A1-F6EECF244321}">
+                <p14:modId xmlns:p14="http://schemas.microsoft.com/office/powerpoint/2010/main" val="750967726"/>
+              </p:ext>
+            </p:extLst>
+          </p:nvPr>
+        </p:nvGraphicFramePr>
+        <p:xfrm>
+          <a:off x="1194464" y="2349000"/>
+          <a:ext cx="2160000" cy="2160000"/>
+        </p:xfrm>
+        <a:graphic>
+          <a:graphicData uri="http://schemas.openxmlformats.org/drawingml/2006/table">
+            <a:tbl>
+              <a:tblPr firstRow="1" bandRow="1">
+                <a:tableStyleId>{2D5ABB26-0587-4C30-8999-92F81FD0307C}</a:tableStyleId>
+              </a:tblPr>
+              <a:tblGrid>
+                <a:gridCol w="540000">
+                  <a:extLst>
+                    <a:ext uri="{9D8B030D-6E8A-4147-A177-3AD203B41FA5}">
+                      <a16:colId xmlns:a16="http://schemas.microsoft.com/office/drawing/2014/main" val="3507072357"/>
+                    </a:ext>
+                  </a:extLst>
+                </a:gridCol>
+                <a:gridCol w="540000">
+                  <a:extLst>
+                    <a:ext uri="{9D8B030D-6E8A-4147-A177-3AD203B41FA5}">
+                      <a16:colId xmlns:a16="http://schemas.microsoft.com/office/drawing/2014/main" val="2099709079"/>
+                    </a:ext>
+                  </a:extLst>
+                </a:gridCol>
+                <a:gridCol w="540000">
+                  <a:extLst>
+                    <a:ext uri="{9D8B030D-6E8A-4147-A177-3AD203B41FA5}">
+                      <a16:colId xmlns:a16="http://schemas.microsoft.com/office/drawing/2014/main" val="3432356744"/>
+                    </a:ext>
+                  </a:extLst>
+                </a:gridCol>
+                <a:gridCol w="540000">
+                  <a:extLst>
+                    <a:ext uri="{9D8B030D-6E8A-4147-A177-3AD203B41FA5}">
+                      <a16:colId xmlns:a16="http://schemas.microsoft.com/office/drawing/2014/main" val="1662690792"/>
+                    </a:ext>
+                  </a:extLst>
+                </a:gridCol>
+              </a:tblGrid>
+              <a:tr h="540000">
+                <a:tc>
+                  <a:txBody>
+                    <a:bodyPr/>
+                    <a:lstStyle/>
+                    <a:p>
+                      <a:r>
+                        <a:rPr lang="en-US" sz="1400" dirty="0"/>
+                        <a:t>(0,0)</a:t>
+                      </a:r>
+                    </a:p>
+                    <a:p>
+                      <a:r>
+                        <a:rPr lang="en-US" sz="1400" dirty="0"/>
+                        <a:t>SM0</a:t>
+                      </a:r>
+                    </a:p>
+                  </a:txBody>
+                  <a:tcPr anchor="ctr">
+                    <a:lnL w="12700" cap="flat" cmpd="sng" algn="ctr">
+                      <a:solidFill>
+                        <a:schemeClr val="tx1"/>
+                      </a:solidFill>
+                      <a:prstDash val="solid"/>
+                      <a:round/>
+                      <a:headEnd type="none" w="med" len="med"/>
+                      <a:tailEnd type="none" w="med" len="med"/>
+                    </a:lnL>
+                    <a:lnR w="12700" cap="flat" cmpd="sng" algn="ctr">
+                      <a:solidFill>
+                        <a:schemeClr val="tx1"/>
+                      </a:solidFill>
+                      <a:prstDash val="solid"/>
+                      <a:round/>
+                      <a:headEnd type="none" w="med" len="med"/>
+                      <a:tailEnd type="none" w="med" len="med"/>
+                    </a:lnR>
+                    <a:lnT w="12700" cap="flat" cmpd="sng" algn="ctr">
+                      <a:solidFill>
+                        <a:schemeClr val="tx1"/>
+                      </a:solidFill>
+                      <a:prstDash val="solid"/>
+                      <a:round/>
+                      <a:headEnd type="none" w="med" len="med"/>
+                      <a:tailEnd type="none" w="med" len="med"/>
+                    </a:lnT>
+                    <a:lnB w="12700" cap="flat" cmpd="sng" algn="ctr">
+                      <a:solidFill>
+                        <a:schemeClr val="tx1"/>
+                      </a:solidFill>
+                      <a:prstDash val="solid"/>
+                      <a:round/>
+                      <a:headEnd type="none" w="med" len="med"/>
+                      <a:tailEnd type="none" w="med" len="med"/>
+                    </a:lnB>
+                    <a:solidFill>
+                      <a:schemeClr val="accent2">
+                        <a:lumMod val="60000"/>
+                        <a:lumOff val="40000"/>
+                      </a:schemeClr>
+                    </a:solidFill>
+                  </a:tcPr>
+                </a:tc>
+                <a:tc>
+                  <a:txBody>
+                    <a:bodyPr/>
+                    <a:lstStyle/>
+                    <a:p>
+                      <a:r>
+                        <a:rPr lang="en-US" sz="1400" dirty="0"/>
+                        <a:t>(0,1)</a:t>
+                      </a:r>
+                    </a:p>
+                    <a:p>
+                      <a:r>
+                        <a:rPr lang="en-US" sz="1400" dirty="0"/>
+                        <a:t>SM1</a:t>
+                      </a:r>
+                    </a:p>
+                  </a:txBody>
+                  <a:tcPr anchor="ctr">
+                    <a:lnL w="12700" cap="flat" cmpd="sng" algn="ctr">
+                      <a:solidFill>
+                        <a:schemeClr val="tx1"/>
+                      </a:solidFill>
+                      <a:prstDash val="solid"/>
+                      <a:round/>
+                      <a:headEnd type="none" w="med" len="med"/>
+                      <a:tailEnd type="none" w="med" len="med"/>
+                    </a:lnL>
+                    <a:lnR w="12700" cap="flat" cmpd="sng" algn="ctr">
+                      <a:solidFill>
+                        <a:schemeClr val="tx1"/>
+                      </a:solidFill>
+                      <a:prstDash val="solid"/>
+                      <a:round/>
+                      <a:headEnd type="none" w="med" len="med"/>
+                      <a:tailEnd type="none" w="med" len="med"/>
+                    </a:lnR>
+                    <a:lnT w="12700" cap="flat" cmpd="sng" algn="ctr">
+                      <a:solidFill>
+                        <a:schemeClr val="tx1"/>
+                      </a:solidFill>
+                      <a:prstDash val="solid"/>
+                      <a:round/>
+                      <a:headEnd type="none" w="med" len="med"/>
+                      <a:tailEnd type="none" w="med" len="med"/>
+                    </a:lnT>
+                    <a:lnB w="12700" cap="flat" cmpd="sng" algn="ctr">
+                      <a:solidFill>
+                        <a:schemeClr val="tx1"/>
+                      </a:solidFill>
+                      <a:prstDash val="solid"/>
+                      <a:round/>
+                      <a:headEnd type="none" w="med" len="med"/>
+                      <a:tailEnd type="none" w="med" len="med"/>
+                    </a:lnB>
+                    <a:solidFill>
+                      <a:schemeClr val="accent2">
+                        <a:lumMod val="60000"/>
+                        <a:lumOff val="40000"/>
+                      </a:schemeClr>
+                    </a:solidFill>
+                  </a:tcPr>
+                </a:tc>
+                <a:tc>
+                  <a:txBody>
+                    <a:bodyPr/>
+                    <a:lstStyle/>
+                    <a:p>
+                      <a:pPr marL="0" marR="0" lvl="0" indent="0" algn="l" defTabSz="914400" rtl="0" eaLnBrk="1" fontAlgn="auto" latinLnBrk="0" hangingPunct="1">
+                        <a:lnSpc>
+                          <a:spcPct val="100000"/>
+                        </a:lnSpc>
+                        <a:spcBef>
+                          <a:spcPts val="0"/>
+                        </a:spcBef>
+                        <a:spcAft>
+                          <a:spcPts val="0"/>
+                        </a:spcAft>
+                        <a:buClrTx/>
+                        <a:buSzTx/>
+                        <a:buFontTx/>
+                        <a:buNone/>
+                        <a:tabLst/>
+                        <a:defRPr/>
+                      </a:pPr>
+                      <a:r>
+                        <a:rPr lang="en-US" sz="1400" dirty="0"/>
+                        <a:t>(0,2)</a:t>
+                      </a:r>
+                    </a:p>
+                    <a:p>
+                      <a:pPr marL="0" marR="0" lvl="0" indent="0" algn="l" defTabSz="914400" rtl="0" eaLnBrk="1" fontAlgn="auto" latinLnBrk="0" hangingPunct="1">
+                        <a:lnSpc>
+                          <a:spcPct val="100000"/>
+                        </a:lnSpc>
+                        <a:spcBef>
+                          <a:spcPts val="0"/>
+                        </a:spcBef>
+                        <a:spcAft>
+                          <a:spcPts val="0"/>
+                        </a:spcAft>
+                        <a:buClrTx/>
+                        <a:buSzTx/>
+                        <a:buFontTx/>
+                        <a:buNone/>
+                        <a:tabLst/>
+                        <a:defRPr/>
+                      </a:pPr>
+                      <a:r>
+                        <a:rPr lang="en-US" sz="1400" dirty="0"/>
+                        <a:t>SM2</a:t>
+                      </a:r>
+                    </a:p>
+                  </a:txBody>
+                  <a:tcPr anchor="ctr">
+                    <a:lnL w="12700" cap="flat" cmpd="sng" algn="ctr">
+                      <a:solidFill>
+                        <a:schemeClr val="tx1"/>
+                      </a:solidFill>
+                      <a:prstDash val="solid"/>
+                      <a:round/>
+                      <a:headEnd type="none" w="med" len="med"/>
+                      <a:tailEnd type="none" w="med" len="med"/>
+                    </a:lnL>
+                    <a:lnR w="12700" cap="flat" cmpd="sng" algn="ctr">
+                      <a:solidFill>
+                        <a:schemeClr val="tx1"/>
+                      </a:solidFill>
+                      <a:prstDash val="solid"/>
+                      <a:round/>
+                      <a:headEnd type="none" w="med" len="med"/>
+                      <a:tailEnd type="none" w="med" len="med"/>
+                    </a:lnR>
+                    <a:lnT w="12700" cap="flat" cmpd="sng" algn="ctr">
+                      <a:solidFill>
+                        <a:schemeClr val="tx1"/>
+                      </a:solidFill>
+                      <a:prstDash val="solid"/>
+                      <a:round/>
+                      <a:headEnd type="none" w="med" len="med"/>
+                      <a:tailEnd type="none" w="med" len="med"/>
+                    </a:lnT>
+                    <a:lnB w="12700" cap="flat" cmpd="sng" algn="ctr">
+                      <a:solidFill>
+                        <a:schemeClr val="tx1"/>
+                      </a:solidFill>
+                      <a:prstDash val="solid"/>
+                      <a:round/>
+                      <a:headEnd type="none" w="med" len="med"/>
+                      <a:tailEnd type="none" w="med" len="med"/>
+                    </a:lnB>
+                    <a:solidFill>
+                      <a:schemeClr val="accent2">
+                        <a:lumMod val="60000"/>
+                        <a:lumOff val="40000"/>
+                      </a:schemeClr>
+                    </a:solidFill>
+                  </a:tcPr>
+                </a:tc>
+                <a:tc>
+                  <a:txBody>
+                    <a:bodyPr/>
+                    <a:lstStyle/>
+                    <a:p>
+                      <a:pPr marL="0" marR="0" lvl="0" indent="0" algn="l" defTabSz="914400" rtl="0" eaLnBrk="1" fontAlgn="auto" latinLnBrk="0" hangingPunct="1">
+                        <a:lnSpc>
+                          <a:spcPct val="100000"/>
+                        </a:lnSpc>
+                        <a:spcBef>
+                          <a:spcPts val="0"/>
+                        </a:spcBef>
+                        <a:spcAft>
+                          <a:spcPts val="0"/>
+                        </a:spcAft>
+                        <a:buClrTx/>
+                        <a:buSzTx/>
+                        <a:buFontTx/>
+                        <a:buNone/>
+                        <a:tabLst/>
+                        <a:defRPr/>
+                      </a:pPr>
+                      <a:r>
+                        <a:rPr lang="en-US" sz="1400" dirty="0"/>
+                        <a:t>(0,3)</a:t>
+                      </a:r>
+                    </a:p>
+                    <a:p>
+                      <a:pPr marL="0" marR="0" lvl="0" indent="0" algn="l" defTabSz="914400" rtl="0" eaLnBrk="1" fontAlgn="auto" latinLnBrk="0" hangingPunct="1">
+                        <a:lnSpc>
+                          <a:spcPct val="100000"/>
+                        </a:lnSpc>
+                        <a:spcBef>
+                          <a:spcPts val="0"/>
+                        </a:spcBef>
+                        <a:spcAft>
+                          <a:spcPts val="0"/>
+                        </a:spcAft>
+                        <a:buClrTx/>
+                        <a:buSzTx/>
+                        <a:buFontTx/>
+                        <a:buNone/>
+                        <a:tabLst/>
+                        <a:defRPr/>
+                      </a:pPr>
+                      <a:r>
+                        <a:rPr lang="en-US" sz="1400" dirty="0"/>
+                        <a:t>SM3</a:t>
+                      </a:r>
+                    </a:p>
+                  </a:txBody>
+                  <a:tcPr anchor="ctr">
+                    <a:lnL w="12700" cap="flat" cmpd="sng" algn="ctr">
+                      <a:solidFill>
+                        <a:schemeClr val="tx1"/>
+                      </a:solidFill>
+                      <a:prstDash val="solid"/>
+                      <a:round/>
+                      <a:headEnd type="none" w="med" len="med"/>
+                      <a:tailEnd type="none" w="med" len="med"/>
+                    </a:lnL>
+                    <a:lnR w="12700" cap="flat" cmpd="sng" algn="ctr">
+                      <a:solidFill>
+                        <a:schemeClr val="tx1"/>
+                      </a:solidFill>
+                      <a:prstDash val="solid"/>
+                      <a:round/>
+                      <a:headEnd type="none" w="med" len="med"/>
+                      <a:tailEnd type="none" w="med" len="med"/>
+                    </a:lnR>
+                    <a:lnT w="12700" cap="flat" cmpd="sng" algn="ctr">
+                      <a:solidFill>
+                        <a:schemeClr val="tx1"/>
+                      </a:solidFill>
+                      <a:prstDash val="solid"/>
+                      <a:round/>
+                      <a:headEnd type="none" w="med" len="med"/>
+                      <a:tailEnd type="none" w="med" len="med"/>
+                    </a:lnT>
+                    <a:lnB w="12700" cap="flat" cmpd="sng" algn="ctr">
+                      <a:solidFill>
+                        <a:schemeClr val="tx1"/>
+                      </a:solidFill>
+                      <a:prstDash val="solid"/>
+                      <a:round/>
+                      <a:headEnd type="none" w="med" len="med"/>
+                      <a:tailEnd type="none" w="med" len="med"/>
+                    </a:lnB>
+                    <a:solidFill>
+                      <a:schemeClr val="accent2">
+                        <a:lumMod val="60000"/>
+                        <a:lumOff val="40000"/>
+                      </a:schemeClr>
+                    </a:solidFill>
+                  </a:tcPr>
+                </a:tc>
+                <a:extLst>
+                  <a:ext uri="{0D108BD9-81ED-4DB2-BD59-A6C34878D82A}">
+                    <a16:rowId xmlns:a16="http://schemas.microsoft.com/office/drawing/2014/main" val="1183027093"/>
+                  </a:ext>
+                </a:extLst>
+              </a:tr>
+              <a:tr h="540000">
+                <a:tc>
+                  <a:txBody>
+                    <a:bodyPr/>
+                    <a:lstStyle/>
+                    <a:p>
+                      <a:r>
+                        <a:rPr lang="en-US" sz="1400" dirty="0"/>
+                        <a:t>(1,0)</a:t>
+                      </a:r>
+                    </a:p>
+                    <a:p>
+                      <a:r>
+                        <a:rPr lang="en-US" sz="1400" dirty="0"/>
+                        <a:t>SM0</a:t>
+                      </a:r>
+                    </a:p>
+                  </a:txBody>
+                  <a:tcPr anchor="ctr">
+                    <a:lnL w="12700" cap="flat" cmpd="sng" algn="ctr">
+                      <a:solidFill>
+                        <a:schemeClr val="tx1"/>
+                      </a:solidFill>
+                      <a:prstDash val="solid"/>
+                      <a:round/>
+                      <a:headEnd type="none" w="med" len="med"/>
+                      <a:tailEnd type="none" w="med" len="med"/>
+                    </a:lnL>
+                    <a:lnR w="12700" cap="flat" cmpd="sng" algn="ctr">
+                      <a:solidFill>
+                        <a:schemeClr val="tx1"/>
+                      </a:solidFill>
+                      <a:prstDash val="solid"/>
+                      <a:round/>
+                      <a:headEnd type="none" w="med" len="med"/>
+                      <a:tailEnd type="none" w="med" len="med"/>
+                    </a:lnR>
+                    <a:lnT w="12700" cap="flat" cmpd="sng" algn="ctr">
+                      <a:solidFill>
+                        <a:schemeClr val="tx1"/>
+                      </a:solidFill>
+                      <a:prstDash val="solid"/>
+                      <a:round/>
+                      <a:headEnd type="none" w="med" len="med"/>
+                      <a:tailEnd type="none" w="med" len="med"/>
+                    </a:lnT>
+                    <a:lnB w="12700" cap="flat" cmpd="sng" algn="ctr">
+                      <a:solidFill>
+                        <a:schemeClr val="tx1"/>
+                      </a:solidFill>
+                      <a:prstDash val="solid"/>
+                      <a:round/>
+                      <a:headEnd type="none" w="med" len="med"/>
+                      <a:tailEnd type="none" w="med" len="med"/>
+                    </a:lnB>
+                    <a:solidFill>
+                      <a:srgbClr val="92D050"/>
+                    </a:solidFill>
+                  </a:tcPr>
+                </a:tc>
+                <a:tc>
+                  <a:txBody>
+                    <a:bodyPr/>
+                    <a:lstStyle/>
+                    <a:p>
+                      <a:r>
+                        <a:rPr lang="en-US" sz="1400" dirty="0"/>
+                        <a:t>(1,1)</a:t>
+                      </a:r>
+                    </a:p>
+                    <a:p>
+                      <a:r>
+                        <a:rPr lang="en-US" sz="1400" dirty="0"/>
+                        <a:t>SM1</a:t>
+                      </a:r>
+                    </a:p>
+                  </a:txBody>
+                  <a:tcPr anchor="ctr">
+                    <a:lnL w="12700" cap="flat" cmpd="sng" algn="ctr">
+                      <a:solidFill>
+                        <a:schemeClr val="tx1"/>
+                      </a:solidFill>
+                      <a:prstDash val="solid"/>
+                      <a:round/>
+                      <a:headEnd type="none" w="med" len="med"/>
+                      <a:tailEnd type="none" w="med" len="med"/>
+                    </a:lnL>
+                    <a:lnR w="12700" cap="flat" cmpd="sng" algn="ctr">
+                      <a:solidFill>
+                        <a:schemeClr val="tx1"/>
+                      </a:solidFill>
+                      <a:prstDash val="solid"/>
+                      <a:round/>
+                      <a:headEnd type="none" w="med" len="med"/>
+                      <a:tailEnd type="none" w="med" len="med"/>
+                    </a:lnR>
+                    <a:lnT w="12700" cap="flat" cmpd="sng" algn="ctr">
+                      <a:solidFill>
+                        <a:schemeClr val="tx1"/>
+                      </a:solidFill>
+                      <a:prstDash val="solid"/>
+                      <a:round/>
+                      <a:headEnd type="none" w="med" len="med"/>
+                      <a:tailEnd type="none" w="med" len="med"/>
+                    </a:lnT>
+                    <a:lnB w="12700" cap="flat" cmpd="sng" algn="ctr">
+                      <a:solidFill>
+                        <a:schemeClr val="tx1"/>
+                      </a:solidFill>
+                      <a:prstDash val="solid"/>
+                      <a:round/>
+                      <a:headEnd type="none" w="med" len="med"/>
+                      <a:tailEnd type="none" w="med" len="med"/>
+                    </a:lnB>
+                    <a:solidFill>
+                      <a:srgbClr val="92D050"/>
+                    </a:solidFill>
+                  </a:tcPr>
+                </a:tc>
+                <a:tc>
+                  <a:txBody>
+                    <a:bodyPr/>
+                    <a:lstStyle/>
+                    <a:p>
+                      <a:pPr marL="0" marR="0" lvl="0" indent="0" algn="l" defTabSz="914400" rtl="0" eaLnBrk="1" fontAlgn="auto" latinLnBrk="0" hangingPunct="1">
+                        <a:lnSpc>
+                          <a:spcPct val="100000"/>
+                        </a:lnSpc>
+                        <a:spcBef>
+                          <a:spcPts val="0"/>
+                        </a:spcBef>
+                        <a:spcAft>
+                          <a:spcPts val="0"/>
+                        </a:spcAft>
+                        <a:buClrTx/>
+                        <a:buSzTx/>
+                        <a:buFontTx/>
+                        <a:buNone/>
+                        <a:tabLst/>
+                        <a:defRPr/>
+                      </a:pPr>
+                      <a:r>
+                        <a:rPr lang="en-US" sz="1400" dirty="0"/>
+                        <a:t>(1,2)</a:t>
+                      </a:r>
+                    </a:p>
+                    <a:p>
+                      <a:pPr marL="0" marR="0" lvl="0" indent="0" algn="l" defTabSz="914400" rtl="0" eaLnBrk="1" fontAlgn="auto" latinLnBrk="0" hangingPunct="1">
+                        <a:lnSpc>
+                          <a:spcPct val="100000"/>
+                        </a:lnSpc>
+                        <a:spcBef>
+                          <a:spcPts val="0"/>
+                        </a:spcBef>
+                        <a:spcAft>
+                          <a:spcPts val="0"/>
+                        </a:spcAft>
+                        <a:buClrTx/>
+                        <a:buSzTx/>
+                        <a:buFontTx/>
+                        <a:buNone/>
+                        <a:tabLst/>
+                        <a:defRPr/>
+                      </a:pPr>
+                      <a:r>
+                        <a:rPr lang="en-US" sz="1400" dirty="0"/>
+                        <a:t>SM2</a:t>
+                      </a:r>
+                    </a:p>
+                  </a:txBody>
+                  <a:tcPr anchor="ctr">
+                    <a:lnL w="12700" cap="flat" cmpd="sng" algn="ctr">
+                      <a:solidFill>
+                        <a:schemeClr val="tx1"/>
+                      </a:solidFill>
+                      <a:prstDash val="solid"/>
+                      <a:round/>
+                      <a:headEnd type="none" w="med" len="med"/>
+                      <a:tailEnd type="none" w="med" len="med"/>
+                    </a:lnL>
+                    <a:lnR w="12700" cap="flat" cmpd="sng" algn="ctr">
+                      <a:solidFill>
+                        <a:schemeClr val="tx1"/>
+                      </a:solidFill>
+                      <a:prstDash val="solid"/>
+                      <a:round/>
+                      <a:headEnd type="none" w="med" len="med"/>
+                      <a:tailEnd type="none" w="med" len="med"/>
+                    </a:lnR>
+                    <a:lnT w="12700" cap="flat" cmpd="sng" algn="ctr">
+                      <a:solidFill>
+                        <a:schemeClr val="tx1"/>
+                      </a:solidFill>
+                      <a:prstDash val="solid"/>
+                      <a:round/>
+                      <a:headEnd type="none" w="med" len="med"/>
+                      <a:tailEnd type="none" w="med" len="med"/>
+                    </a:lnT>
+                    <a:lnB w="12700" cap="flat" cmpd="sng" algn="ctr">
+                      <a:solidFill>
+                        <a:schemeClr val="tx1"/>
+                      </a:solidFill>
+                      <a:prstDash val="solid"/>
+                      <a:round/>
+                      <a:headEnd type="none" w="med" len="med"/>
+                      <a:tailEnd type="none" w="med" len="med"/>
+                    </a:lnB>
+                    <a:solidFill>
+                      <a:srgbClr val="92D050"/>
+                    </a:solidFill>
+                  </a:tcPr>
+                </a:tc>
+                <a:tc>
+                  <a:txBody>
+                    <a:bodyPr/>
+                    <a:lstStyle/>
+                    <a:p>
+                      <a:pPr marL="0" marR="0" lvl="0" indent="0" algn="l" defTabSz="914400" rtl="0" eaLnBrk="1" fontAlgn="auto" latinLnBrk="0" hangingPunct="1">
+                        <a:lnSpc>
+                          <a:spcPct val="100000"/>
+                        </a:lnSpc>
+                        <a:spcBef>
+                          <a:spcPts val="0"/>
+                        </a:spcBef>
+                        <a:spcAft>
+                          <a:spcPts val="0"/>
+                        </a:spcAft>
+                        <a:buClrTx/>
+                        <a:buSzTx/>
+                        <a:buFontTx/>
+                        <a:buNone/>
+                        <a:tabLst/>
+                        <a:defRPr/>
+                      </a:pPr>
+                      <a:r>
+                        <a:rPr lang="en-US" sz="1400" dirty="0"/>
+                        <a:t>(1,3)</a:t>
+                      </a:r>
+                    </a:p>
+                    <a:p>
+                      <a:pPr marL="0" marR="0" lvl="0" indent="0" algn="l" defTabSz="914400" rtl="0" eaLnBrk="1" fontAlgn="auto" latinLnBrk="0" hangingPunct="1">
+                        <a:lnSpc>
+                          <a:spcPct val="100000"/>
+                        </a:lnSpc>
+                        <a:spcBef>
+                          <a:spcPts val="0"/>
+                        </a:spcBef>
+                        <a:spcAft>
+                          <a:spcPts val="0"/>
+                        </a:spcAft>
+                        <a:buClrTx/>
+                        <a:buSzTx/>
+                        <a:buFontTx/>
+                        <a:buNone/>
+                        <a:tabLst/>
+                        <a:defRPr/>
+                      </a:pPr>
+                      <a:r>
+                        <a:rPr lang="en-US" sz="1400" dirty="0"/>
+                        <a:t>SM3</a:t>
+                      </a:r>
+                    </a:p>
+                  </a:txBody>
+                  <a:tcPr anchor="ctr">
+                    <a:lnL w="12700" cap="flat" cmpd="sng" algn="ctr">
+                      <a:solidFill>
+                        <a:schemeClr val="tx1"/>
+                      </a:solidFill>
+                      <a:prstDash val="solid"/>
+                      <a:round/>
+                      <a:headEnd type="none" w="med" len="med"/>
+                      <a:tailEnd type="none" w="med" len="med"/>
+                    </a:lnL>
+                    <a:lnR w="12700" cap="flat" cmpd="sng" algn="ctr">
+                      <a:solidFill>
+                        <a:schemeClr val="tx1"/>
+                      </a:solidFill>
+                      <a:prstDash val="solid"/>
+                      <a:round/>
+                      <a:headEnd type="none" w="med" len="med"/>
+                      <a:tailEnd type="none" w="med" len="med"/>
+                    </a:lnR>
+                    <a:lnT w="12700" cap="flat" cmpd="sng" algn="ctr">
+                      <a:solidFill>
+                        <a:schemeClr val="tx1"/>
+                      </a:solidFill>
+                      <a:prstDash val="solid"/>
+                      <a:round/>
+                      <a:headEnd type="none" w="med" len="med"/>
+                      <a:tailEnd type="none" w="med" len="med"/>
+                    </a:lnT>
+                    <a:lnB w="12700" cap="flat" cmpd="sng" algn="ctr">
+                      <a:solidFill>
+                        <a:schemeClr val="tx1"/>
+                      </a:solidFill>
+                      <a:prstDash val="solid"/>
+                      <a:round/>
+                      <a:headEnd type="none" w="med" len="med"/>
+                      <a:tailEnd type="none" w="med" len="med"/>
+                    </a:lnB>
+                    <a:solidFill>
+                      <a:srgbClr val="92D050"/>
+                    </a:solidFill>
+                  </a:tcPr>
+                </a:tc>
+                <a:extLst>
+                  <a:ext uri="{0D108BD9-81ED-4DB2-BD59-A6C34878D82A}">
+                    <a16:rowId xmlns:a16="http://schemas.microsoft.com/office/drawing/2014/main" val="1771589775"/>
+                  </a:ext>
+                </a:extLst>
+              </a:tr>
+              <a:tr h="540000">
+                <a:tc>
+                  <a:txBody>
+                    <a:bodyPr/>
+                    <a:lstStyle/>
+                    <a:p>
+                      <a:r>
+                        <a:rPr lang="en-US" sz="1400" dirty="0"/>
+                        <a:t>(2,0)</a:t>
+                      </a:r>
+                    </a:p>
+                    <a:p>
+                      <a:r>
+                        <a:rPr lang="en-US" sz="1400" dirty="0"/>
+                        <a:t>SM0</a:t>
+                      </a:r>
+                    </a:p>
+                  </a:txBody>
+                  <a:tcPr anchor="ctr">
+                    <a:lnL w="12700" cap="flat" cmpd="sng" algn="ctr">
+                      <a:solidFill>
+                        <a:schemeClr val="tx1"/>
+                      </a:solidFill>
+                      <a:prstDash val="solid"/>
+                      <a:round/>
+                      <a:headEnd type="none" w="med" len="med"/>
+                      <a:tailEnd type="none" w="med" len="med"/>
+                    </a:lnL>
+                    <a:lnR w="12700" cap="flat" cmpd="sng" algn="ctr">
+                      <a:solidFill>
+                        <a:schemeClr val="tx1"/>
+                      </a:solidFill>
+                      <a:prstDash val="solid"/>
+                      <a:round/>
+                      <a:headEnd type="none" w="med" len="med"/>
+                      <a:tailEnd type="none" w="med" len="med"/>
+                    </a:lnR>
+                    <a:lnT w="12700" cap="flat" cmpd="sng" algn="ctr">
+                      <a:solidFill>
+                        <a:schemeClr val="tx1"/>
+                      </a:solidFill>
+                      <a:prstDash val="solid"/>
+                      <a:round/>
+                      <a:headEnd type="none" w="med" len="med"/>
+                      <a:tailEnd type="none" w="med" len="med"/>
+                    </a:lnT>
+                    <a:lnB w="12700" cap="flat" cmpd="sng" algn="ctr">
+                      <a:solidFill>
+                        <a:schemeClr val="tx1"/>
+                      </a:solidFill>
+                      <a:prstDash val="solid"/>
+                      <a:round/>
+                      <a:headEnd type="none" w="med" len="med"/>
+                      <a:tailEnd type="none" w="med" len="med"/>
+                    </a:lnB>
+                    <a:solidFill>
+                      <a:schemeClr val="accent4">
+                        <a:lumMod val="60000"/>
+                        <a:lumOff val="40000"/>
+                      </a:schemeClr>
+                    </a:solidFill>
+                  </a:tcPr>
+                </a:tc>
+                <a:tc>
+                  <a:txBody>
+                    <a:bodyPr/>
+                    <a:lstStyle/>
+                    <a:p>
+                      <a:r>
+                        <a:rPr lang="en-US" sz="1400" dirty="0"/>
+                        <a:t>(2,1)</a:t>
+                      </a:r>
+                    </a:p>
+                    <a:p>
+                      <a:r>
+                        <a:rPr lang="en-US" sz="1400" dirty="0"/>
+                        <a:t>SM1</a:t>
+                      </a:r>
+                    </a:p>
+                  </a:txBody>
+                  <a:tcPr anchor="ctr">
+                    <a:lnL w="12700" cap="flat" cmpd="sng" algn="ctr">
+                      <a:solidFill>
+                        <a:schemeClr val="tx1"/>
+                      </a:solidFill>
+                      <a:prstDash val="solid"/>
+                      <a:round/>
+                      <a:headEnd type="none" w="med" len="med"/>
+                      <a:tailEnd type="none" w="med" len="med"/>
+                    </a:lnL>
+                    <a:lnR w="12700" cap="flat" cmpd="sng" algn="ctr">
+                      <a:solidFill>
+                        <a:schemeClr val="tx1"/>
+                      </a:solidFill>
+                      <a:prstDash val="solid"/>
+                      <a:round/>
+                      <a:headEnd type="none" w="med" len="med"/>
+                      <a:tailEnd type="none" w="med" len="med"/>
+                    </a:lnR>
+                    <a:lnT w="12700" cap="flat" cmpd="sng" algn="ctr">
+                      <a:solidFill>
+                        <a:schemeClr val="tx1"/>
+                      </a:solidFill>
+                      <a:prstDash val="solid"/>
+                      <a:round/>
+                      <a:headEnd type="none" w="med" len="med"/>
+                      <a:tailEnd type="none" w="med" len="med"/>
+                    </a:lnT>
+                    <a:lnB w="12700" cap="flat" cmpd="sng" algn="ctr">
+                      <a:solidFill>
+                        <a:schemeClr val="tx1"/>
+                      </a:solidFill>
+                      <a:prstDash val="solid"/>
+                      <a:round/>
+                      <a:headEnd type="none" w="med" len="med"/>
+                      <a:tailEnd type="none" w="med" len="med"/>
+                    </a:lnB>
+                    <a:solidFill>
+                      <a:schemeClr val="accent4">
+                        <a:lumMod val="60000"/>
+                        <a:lumOff val="40000"/>
+                      </a:schemeClr>
+                    </a:solidFill>
+                  </a:tcPr>
+                </a:tc>
+                <a:tc>
+                  <a:txBody>
+                    <a:bodyPr/>
+                    <a:lstStyle/>
+                    <a:p>
+                      <a:pPr marL="0" marR="0" lvl="0" indent="0" algn="l" defTabSz="914400" rtl="0" eaLnBrk="1" fontAlgn="auto" latinLnBrk="0" hangingPunct="1">
+                        <a:lnSpc>
+                          <a:spcPct val="100000"/>
+                        </a:lnSpc>
+                        <a:spcBef>
+                          <a:spcPts val="0"/>
+                        </a:spcBef>
+                        <a:spcAft>
+                          <a:spcPts val="0"/>
+                        </a:spcAft>
+                        <a:buClrTx/>
+                        <a:buSzTx/>
+                        <a:buFontTx/>
+                        <a:buNone/>
+                        <a:tabLst/>
+                        <a:defRPr/>
+                      </a:pPr>
+                      <a:r>
+                        <a:rPr lang="en-US" sz="1400" dirty="0"/>
+                        <a:t>(2,2)</a:t>
+                      </a:r>
+                    </a:p>
+                    <a:p>
+                      <a:pPr marL="0" marR="0" lvl="0" indent="0" algn="l" defTabSz="914400" rtl="0" eaLnBrk="1" fontAlgn="auto" latinLnBrk="0" hangingPunct="1">
+                        <a:lnSpc>
+                          <a:spcPct val="100000"/>
+                        </a:lnSpc>
+                        <a:spcBef>
+                          <a:spcPts val="0"/>
+                        </a:spcBef>
+                        <a:spcAft>
+                          <a:spcPts val="0"/>
+                        </a:spcAft>
+                        <a:buClrTx/>
+                        <a:buSzTx/>
+                        <a:buFontTx/>
+                        <a:buNone/>
+                        <a:tabLst/>
+                        <a:defRPr/>
+                      </a:pPr>
+                      <a:r>
+                        <a:rPr lang="en-US" sz="1400" dirty="0"/>
+                        <a:t>SM2</a:t>
+                      </a:r>
+                    </a:p>
+                  </a:txBody>
+                  <a:tcPr anchor="ctr">
+                    <a:lnL w="12700" cap="flat" cmpd="sng" algn="ctr">
+                      <a:solidFill>
+                        <a:schemeClr val="tx1"/>
+                      </a:solidFill>
+                      <a:prstDash val="solid"/>
+                      <a:round/>
+                      <a:headEnd type="none" w="med" len="med"/>
+                      <a:tailEnd type="none" w="med" len="med"/>
+                    </a:lnL>
+                    <a:lnR w="12700" cap="flat" cmpd="sng" algn="ctr">
+                      <a:solidFill>
+                        <a:schemeClr val="tx1"/>
+                      </a:solidFill>
+                      <a:prstDash val="solid"/>
+                      <a:round/>
+                      <a:headEnd type="none" w="med" len="med"/>
+                      <a:tailEnd type="none" w="med" len="med"/>
+                    </a:lnR>
+                    <a:lnT w="12700" cap="flat" cmpd="sng" algn="ctr">
+                      <a:solidFill>
+                        <a:schemeClr val="tx1"/>
+                      </a:solidFill>
+                      <a:prstDash val="solid"/>
+                      <a:round/>
+                      <a:headEnd type="none" w="med" len="med"/>
+                      <a:tailEnd type="none" w="med" len="med"/>
+                    </a:lnT>
+                    <a:lnB w="12700" cap="flat" cmpd="sng" algn="ctr">
+                      <a:solidFill>
+                        <a:schemeClr val="tx1"/>
+                      </a:solidFill>
+                      <a:prstDash val="solid"/>
+                      <a:round/>
+                      <a:headEnd type="none" w="med" len="med"/>
+                      <a:tailEnd type="none" w="med" len="med"/>
+                    </a:lnB>
+                    <a:solidFill>
+                      <a:schemeClr val="accent4">
+                        <a:lumMod val="60000"/>
+                        <a:lumOff val="40000"/>
+                      </a:schemeClr>
+                    </a:solidFill>
+                  </a:tcPr>
+                </a:tc>
+                <a:tc>
+                  <a:txBody>
+                    <a:bodyPr/>
+                    <a:lstStyle/>
+                    <a:p>
+                      <a:pPr marL="0" marR="0" lvl="0" indent="0" algn="l" defTabSz="914400" rtl="0" eaLnBrk="1" fontAlgn="auto" latinLnBrk="0" hangingPunct="1">
+                        <a:lnSpc>
+                          <a:spcPct val="100000"/>
+                        </a:lnSpc>
+                        <a:spcBef>
+                          <a:spcPts val="0"/>
+                        </a:spcBef>
+                        <a:spcAft>
+                          <a:spcPts val="0"/>
+                        </a:spcAft>
+                        <a:buClrTx/>
+                        <a:buSzTx/>
+                        <a:buFontTx/>
+                        <a:buNone/>
+                        <a:tabLst/>
+                        <a:defRPr/>
+                      </a:pPr>
+                      <a:r>
+                        <a:rPr lang="en-US" sz="1400" dirty="0"/>
+                        <a:t>(2,3)</a:t>
+                      </a:r>
+                    </a:p>
+                    <a:p>
+                      <a:pPr marL="0" marR="0" lvl="0" indent="0" algn="l" defTabSz="914400" rtl="0" eaLnBrk="1" fontAlgn="auto" latinLnBrk="0" hangingPunct="1">
+                        <a:lnSpc>
+                          <a:spcPct val="100000"/>
+                        </a:lnSpc>
+                        <a:spcBef>
+                          <a:spcPts val="0"/>
+                        </a:spcBef>
+                        <a:spcAft>
+                          <a:spcPts val="0"/>
+                        </a:spcAft>
+                        <a:buClrTx/>
+                        <a:buSzTx/>
+                        <a:buFontTx/>
+                        <a:buNone/>
+                        <a:tabLst/>
+                        <a:defRPr/>
+                      </a:pPr>
+                      <a:r>
+                        <a:rPr lang="en-US" sz="1400" dirty="0"/>
+                        <a:t>SM3</a:t>
+                      </a:r>
+                    </a:p>
+                  </a:txBody>
+                  <a:tcPr anchor="ctr">
+                    <a:lnL w="12700" cap="flat" cmpd="sng" algn="ctr">
+                      <a:solidFill>
+                        <a:schemeClr val="tx1"/>
+                      </a:solidFill>
+                      <a:prstDash val="solid"/>
+                      <a:round/>
+                      <a:headEnd type="none" w="med" len="med"/>
+                      <a:tailEnd type="none" w="med" len="med"/>
+                    </a:lnL>
+                    <a:lnR w="12700" cap="flat" cmpd="sng" algn="ctr">
+                      <a:solidFill>
+                        <a:schemeClr val="tx1"/>
+                      </a:solidFill>
+                      <a:prstDash val="solid"/>
+                      <a:round/>
+                      <a:headEnd type="none" w="med" len="med"/>
+                      <a:tailEnd type="none" w="med" len="med"/>
+                    </a:lnR>
+                    <a:lnT w="12700" cap="flat" cmpd="sng" algn="ctr">
+                      <a:solidFill>
+                        <a:schemeClr val="tx1"/>
+                      </a:solidFill>
+                      <a:prstDash val="solid"/>
+                      <a:round/>
+                      <a:headEnd type="none" w="med" len="med"/>
+                      <a:tailEnd type="none" w="med" len="med"/>
+                    </a:lnT>
+                    <a:lnB w="12700" cap="flat" cmpd="sng" algn="ctr">
+                      <a:solidFill>
+                        <a:schemeClr val="tx1"/>
+                      </a:solidFill>
+                      <a:prstDash val="solid"/>
+                      <a:round/>
+                      <a:headEnd type="none" w="med" len="med"/>
+                      <a:tailEnd type="none" w="med" len="med"/>
+                    </a:lnB>
+                    <a:solidFill>
+                      <a:schemeClr val="accent4">
+                        <a:lumMod val="60000"/>
+                        <a:lumOff val="40000"/>
+                      </a:schemeClr>
+                    </a:solidFill>
+                  </a:tcPr>
+                </a:tc>
+                <a:extLst>
+                  <a:ext uri="{0D108BD9-81ED-4DB2-BD59-A6C34878D82A}">
+                    <a16:rowId xmlns:a16="http://schemas.microsoft.com/office/drawing/2014/main" val="3415133006"/>
+                  </a:ext>
+                </a:extLst>
+              </a:tr>
+              <a:tr h="540000">
+                <a:tc>
+                  <a:txBody>
+                    <a:bodyPr/>
+                    <a:lstStyle/>
+                    <a:p>
+                      <a:r>
+                        <a:rPr lang="en-US" sz="1400" dirty="0"/>
+                        <a:t>(3,0)</a:t>
+                      </a:r>
+                    </a:p>
+                    <a:p>
+                      <a:r>
+                        <a:rPr lang="en-US" sz="1400" dirty="0"/>
+                        <a:t>SM0</a:t>
+                      </a:r>
+                    </a:p>
+                  </a:txBody>
+                  <a:tcPr anchor="ctr">
+                    <a:lnL w="12700" cap="flat" cmpd="sng" algn="ctr">
+                      <a:solidFill>
+                        <a:schemeClr val="tx1"/>
+                      </a:solidFill>
+                      <a:prstDash val="solid"/>
+                      <a:round/>
+                      <a:headEnd type="none" w="med" len="med"/>
+                      <a:tailEnd type="none" w="med" len="med"/>
+                    </a:lnL>
+                    <a:lnR w="12700" cap="flat" cmpd="sng" algn="ctr">
+                      <a:solidFill>
+                        <a:schemeClr val="tx1"/>
+                      </a:solidFill>
+                      <a:prstDash val="solid"/>
+                      <a:round/>
+                      <a:headEnd type="none" w="med" len="med"/>
+                      <a:tailEnd type="none" w="med" len="med"/>
+                    </a:lnR>
+                    <a:lnT w="12700" cap="flat" cmpd="sng" algn="ctr">
+                      <a:solidFill>
+                        <a:schemeClr val="tx1"/>
+                      </a:solidFill>
+                      <a:prstDash val="solid"/>
+                      <a:round/>
+                      <a:headEnd type="none" w="med" len="med"/>
+                      <a:tailEnd type="none" w="med" len="med"/>
+                    </a:lnT>
+                    <a:lnB w="12700" cap="flat" cmpd="sng" algn="ctr">
+                      <a:solidFill>
+                        <a:schemeClr val="tx1"/>
+                      </a:solidFill>
+                      <a:prstDash val="solid"/>
+                      <a:round/>
+                      <a:headEnd type="none" w="med" len="med"/>
+                      <a:tailEnd type="none" w="med" len="med"/>
+                    </a:lnB>
+                    <a:solidFill>
+                      <a:srgbClr val="FFFF00"/>
+                    </a:solidFill>
+                  </a:tcPr>
+                </a:tc>
+                <a:tc>
+                  <a:txBody>
+                    <a:bodyPr/>
+                    <a:lstStyle/>
+                    <a:p>
+                      <a:r>
+                        <a:rPr lang="en-US" sz="1400" dirty="0"/>
+                        <a:t>(3,1)</a:t>
+                      </a:r>
+                    </a:p>
+                    <a:p>
+                      <a:r>
+                        <a:rPr lang="en-US" sz="1400" dirty="0"/>
+                        <a:t>SM1</a:t>
+                      </a:r>
+                    </a:p>
+                  </a:txBody>
+                  <a:tcPr anchor="ctr">
+                    <a:lnL w="12700" cap="flat" cmpd="sng" algn="ctr">
+                      <a:solidFill>
+                        <a:schemeClr val="tx1"/>
+                      </a:solidFill>
+                      <a:prstDash val="solid"/>
+                      <a:round/>
+                      <a:headEnd type="none" w="med" len="med"/>
+                      <a:tailEnd type="none" w="med" len="med"/>
+                    </a:lnL>
+                    <a:lnR w="12700" cap="flat" cmpd="sng" algn="ctr">
+                      <a:solidFill>
+                        <a:schemeClr val="tx1"/>
+                      </a:solidFill>
+                      <a:prstDash val="solid"/>
+                      <a:round/>
+                      <a:headEnd type="none" w="med" len="med"/>
+                      <a:tailEnd type="none" w="med" len="med"/>
+                    </a:lnR>
+                    <a:lnT w="12700" cap="flat" cmpd="sng" algn="ctr">
+                      <a:solidFill>
+                        <a:schemeClr val="tx1"/>
+                      </a:solidFill>
+                      <a:prstDash val="solid"/>
+                      <a:round/>
+                      <a:headEnd type="none" w="med" len="med"/>
+                      <a:tailEnd type="none" w="med" len="med"/>
+                    </a:lnT>
+                    <a:lnB w="12700" cap="flat" cmpd="sng" algn="ctr">
+                      <a:solidFill>
+                        <a:schemeClr val="tx1"/>
+                      </a:solidFill>
+                      <a:prstDash val="solid"/>
+                      <a:round/>
+                      <a:headEnd type="none" w="med" len="med"/>
+                      <a:tailEnd type="none" w="med" len="med"/>
+                    </a:lnB>
+                    <a:solidFill>
+                      <a:srgbClr val="FFFF00"/>
+                    </a:solidFill>
+                  </a:tcPr>
+                </a:tc>
+                <a:tc>
+                  <a:txBody>
+                    <a:bodyPr/>
+                    <a:lstStyle/>
+                    <a:p>
+                      <a:pPr marL="0" marR="0" lvl="0" indent="0" algn="l" defTabSz="914400" rtl="0" eaLnBrk="1" fontAlgn="auto" latinLnBrk="0" hangingPunct="1">
+                        <a:lnSpc>
+                          <a:spcPct val="100000"/>
+                        </a:lnSpc>
+                        <a:spcBef>
+                          <a:spcPts val="0"/>
+                        </a:spcBef>
+                        <a:spcAft>
+                          <a:spcPts val="0"/>
+                        </a:spcAft>
+                        <a:buClrTx/>
+                        <a:buSzTx/>
+                        <a:buFontTx/>
+                        <a:buNone/>
+                        <a:tabLst/>
+                        <a:defRPr/>
+                      </a:pPr>
+                      <a:r>
+                        <a:rPr lang="en-US" sz="1400" dirty="0"/>
+                        <a:t>(3,2)</a:t>
+                      </a:r>
+                    </a:p>
+                    <a:p>
+                      <a:pPr marL="0" marR="0" lvl="0" indent="0" algn="l" defTabSz="914400" rtl="0" eaLnBrk="1" fontAlgn="auto" latinLnBrk="0" hangingPunct="1">
+                        <a:lnSpc>
+                          <a:spcPct val="100000"/>
+                        </a:lnSpc>
+                        <a:spcBef>
+                          <a:spcPts val="0"/>
+                        </a:spcBef>
+                        <a:spcAft>
+                          <a:spcPts val="0"/>
+                        </a:spcAft>
+                        <a:buClrTx/>
+                        <a:buSzTx/>
+                        <a:buFontTx/>
+                        <a:buNone/>
+                        <a:tabLst/>
+                        <a:defRPr/>
+                      </a:pPr>
+                      <a:r>
+                        <a:rPr lang="en-US" sz="1400" dirty="0"/>
+                        <a:t>SM2</a:t>
+                      </a:r>
+                    </a:p>
+                  </a:txBody>
+                  <a:tcPr anchor="ctr">
+                    <a:lnL w="12700" cap="flat" cmpd="sng" algn="ctr">
+                      <a:solidFill>
+                        <a:schemeClr val="tx1"/>
+                      </a:solidFill>
+                      <a:prstDash val="solid"/>
+                      <a:round/>
+                      <a:headEnd type="none" w="med" len="med"/>
+                      <a:tailEnd type="none" w="med" len="med"/>
+                    </a:lnL>
+                    <a:lnR w="12700" cap="flat" cmpd="sng" algn="ctr">
+                      <a:solidFill>
+                        <a:schemeClr val="tx1"/>
+                      </a:solidFill>
+                      <a:prstDash val="solid"/>
+                      <a:round/>
+                      <a:headEnd type="none" w="med" len="med"/>
+                      <a:tailEnd type="none" w="med" len="med"/>
+                    </a:lnR>
+                    <a:lnT w="12700" cap="flat" cmpd="sng" algn="ctr">
+                      <a:solidFill>
+                        <a:schemeClr val="tx1"/>
+                      </a:solidFill>
+                      <a:prstDash val="solid"/>
+                      <a:round/>
+                      <a:headEnd type="none" w="med" len="med"/>
+                      <a:tailEnd type="none" w="med" len="med"/>
+                    </a:lnT>
+                    <a:lnB w="12700" cap="flat" cmpd="sng" algn="ctr">
+                      <a:solidFill>
+                        <a:schemeClr val="tx1"/>
+                      </a:solidFill>
+                      <a:prstDash val="solid"/>
+                      <a:round/>
+                      <a:headEnd type="none" w="med" len="med"/>
+                      <a:tailEnd type="none" w="med" len="med"/>
+                    </a:lnB>
+                    <a:solidFill>
+                      <a:srgbClr val="FFFF00"/>
+                    </a:solidFill>
+                  </a:tcPr>
+                </a:tc>
+                <a:tc>
+                  <a:txBody>
+                    <a:bodyPr/>
+                    <a:lstStyle/>
+                    <a:p>
+                      <a:pPr marL="0" marR="0" lvl="0" indent="0" algn="l" defTabSz="914400" rtl="0" eaLnBrk="1" fontAlgn="auto" latinLnBrk="0" hangingPunct="1">
+                        <a:lnSpc>
+                          <a:spcPct val="100000"/>
+                        </a:lnSpc>
+                        <a:spcBef>
+                          <a:spcPts val="0"/>
+                        </a:spcBef>
+                        <a:spcAft>
+                          <a:spcPts val="0"/>
+                        </a:spcAft>
+                        <a:buClrTx/>
+                        <a:buSzTx/>
+                        <a:buFontTx/>
+                        <a:buNone/>
+                        <a:tabLst/>
+                        <a:defRPr/>
+                      </a:pPr>
+                      <a:r>
+                        <a:rPr lang="en-US" sz="1400" dirty="0"/>
+                        <a:t>(3,3)</a:t>
+                      </a:r>
+                    </a:p>
+                    <a:p>
+                      <a:pPr marL="0" marR="0" lvl="0" indent="0" algn="l" defTabSz="914400" rtl="0" eaLnBrk="1" fontAlgn="auto" latinLnBrk="0" hangingPunct="1">
+                        <a:lnSpc>
+                          <a:spcPct val="100000"/>
+                        </a:lnSpc>
+                        <a:spcBef>
+                          <a:spcPts val="0"/>
+                        </a:spcBef>
+                        <a:spcAft>
+                          <a:spcPts val="0"/>
+                        </a:spcAft>
+                        <a:buClrTx/>
+                        <a:buSzTx/>
+                        <a:buFontTx/>
+                        <a:buNone/>
+                        <a:tabLst/>
+                        <a:defRPr/>
+                      </a:pPr>
+                      <a:r>
+                        <a:rPr lang="en-US" sz="1400" dirty="0"/>
+                        <a:t>SM3</a:t>
+                      </a:r>
+                    </a:p>
+                  </a:txBody>
+                  <a:tcPr anchor="ctr">
+                    <a:lnL w="12700" cap="flat" cmpd="sng" algn="ctr">
+                      <a:solidFill>
+                        <a:schemeClr val="tx1"/>
+                      </a:solidFill>
+                      <a:prstDash val="solid"/>
+                      <a:round/>
+                      <a:headEnd type="none" w="med" len="med"/>
+                      <a:tailEnd type="none" w="med" len="med"/>
+                    </a:lnL>
+                    <a:lnR w="12700" cap="flat" cmpd="sng" algn="ctr">
+                      <a:solidFill>
+                        <a:schemeClr val="tx1"/>
+                      </a:solidFill>
+                      <a:prstDash val="solid"/>
+                      <a:round/>
+                      <a:headEnd type="none" w="med" len="med"/>
+                      <a:tailEnd type="none" w="med" len="med"/>
+                    </a:lnR>
+                    <a:lnT w="12700" cap="flat" cmpd="sng" algn="ctr">
+                      <a:solidFill>
+                        <a:schemeClr val="tx1"/>
+                      </a:solidFill>
+                      <a:prstDash val="solid"/>
+                      <a:round/>
+                      <a:headEnd type="none" w="med" len="med"/>
+                      <a:tailEnd type="none" w="med" len="med"/>
+                    </a:lnT>
+                    <a:lnB w="12700" cap="flat" cmpd="sng" algn="ctr">
+                      <a:solidFill>
+                        <a:schemeClr val="tx1"/>
+                      </a:solidFill>
+                      <a:prstDash val="solid"/>
+                      <a:round/>
+                      <a:headEnd type="none" w="med" len="med"/>
+                      <a:tailEnd type="none" w="med" len="med"/>
+                    </a:lnB>
+                    <a:solidFill>
+                      <a:srgbClr val="FFFF00"/>
+                    </a:solidFill>
+                  </a:tcPr>
+                </a:tc>
+                <a:extLst>
+                  <a:ext uri="{0D108BD9-81ED-4DB2-BD59-A6C34878D82A}">
+                    <a16:rowId xmlns:a16="http://schemas.microsoft.com/office/drawing/2014/main" val="2791348304"/>
+                  </a:ext>
+                </a:extLst>
+              </a:tr>
+            </a:tbl>
+          </a:graphicData>
+        </a:graphic>
+      </p:graphicFrame>
+      <p:graphicFrame>
+        <p:nvGraphicFramePr>
+          <p:cNvPr id="20" name="表格 19">
+            <a:extLst>
+              <a:ext uri="{FF2B5EF4-FFF2-40B4-BE49-F238E27FC236}">
+                <a16:creationId xmlns:a16="http://schemas.microsoft.com/office/drawing/2014/main" id="{4B43C418-3909-1442-4EC6-46BEA63E7260}"/>
+              </a:ext>
+            </a:extLst>
+          </p:cNvPr>
+          <p:cNvGraphicFramePr>
+            <a:graphicFrameLocks noGrp="1"/>
+          </p:cNvGraphicFramePr>
+          <p:nvPr>
+            <p:extLst>
+              <p:ext uri="{D42A27DB-BD31-4B8C-83A1-F6EECF244321}">
+                <p14:modId xmlns:p14="http://schemas.microsoft.com/office/powerpoint/2010/main" val="3237379386"/>
+              </p:ext>
+            </p:extLst>
+          </p:nvPr>
+        </p:nvGraphicFramePr>
+        <p:xfrm>
+          <a:off x="7529002" y="2349000"/>
+          <a:ext cx="2160000" cy="2160000"/>
+        </p:xfrm>
+        <a:graphic>
+          <a:graphicData uri="http://schemas.openxmlformats.org/drawingml/2006/table">
+            <a:tbl>
+              <a:tblPr firstRow="1" bandRow="1">
+                <a:tableStyleId>{2D5ABB26-0587-4C30-8999-92F81FD0307C}</a:tableStyleId>
+              </a:tblPr>
+              <a:tblGrid>
+                <a:gridCol w="540000">
+                  <a:extLst>
+                    <a:ext uri="{9D8B030D-6E8A-4147-A177-3AD203B41FA5}">
+                      <a16:colId xmlns:a16="http://schemas.microsoft.com/office/drawing/2014/main" val="3507072357"/>
+                    </a:ext>
+                  </a:extLst>
+                </a:gridCol>
+                <a:gridCol w="540000">
+                  <a:extLst>
+                    <a:ext uri="{9D8B030D-6E8A-4147-A177-3AD203B41FA5}">
+                      <a16:colId xmlns:a16="http://schemas.microsoft.com/office/drawing/2014/main" val="2099709079"/>
+                    </a:ext>
+                  </a:extLst>
+                </a:gridCol>
+                <a:gridCol w="540000">
+                  <a:extLst>
+                    <a:ext uri="{9D8B030D-6E8A-4147-A177-3AD203B41FA5}">
+                      <a16:colId xmlns:a16="http://schemas.microsoft.com/office/drawing/2014/main" val="3432356744"/>
+                    </a:ext>
+                  </a:extLst>
+                </a:gridCol>
+                <a:gridCol w="540000">
+                  <a:extLst>
+                    <a:ext uri="{9D8B030D-6E8A-4147-A177-3AD203B41FA5}">
+                      <a16:colId xmlns:a16="http://schemas.microsoft.com/office/drawing/2014/main" val="1662690792"/>
+                    </a:ext>
+                  </a:extLst>
+                </a:gridCol>
+              </a:tblGrid>
+              <a:tr h="540000">
+                <a:tc>
+                  <a:txBody>
+                    <a:bodyPr/>
+                    <a:lstStyle/>
+                    <a:p>
+                      <a:r>
+                        <a:rPr lang="en-US" sz="1400" dirty="0"/>
+                        <a:t>(0,0)</a:t>
+                      </a:r>
+                    </a:p>
+                    <a:p>
+                      <a:r>
+                        <a:rPr lang="en-US" sz="1400" dirty="0"/>
+                        <a:t>SM0</a:t>
+                      </a:r>
+                    </a:p>
+                  </a:txBody>
+                  <a:tcPr anchor="ctr">
+                    <a:lnL w="12700" cap="flat" cmpd="sng" algn="ctr">
+                      <a:solidFill>
+                        <a:schemeClr val="tx1"/>
+                      </a:solidFill>
+                      <a:prstDash val="solid"/>
+                      <a:round/>
+                      <a:headEnd type="none" w="med" len="med"/>
+                      <a:tailEnd type="none" w="med" len="med"/>
+                    </a:lnL>
+                    <a:lnR w="12700" cap="flat" cmpd="sng" algn="ctr">
+                      <a:solidFill>
+                        <a:schemeClr val="tx1"/>
+                      </a:solidFill>
+                      <a:prstDash val="solid"/>
+                      <a:round/>
+                      <a:headEnd type="none" w="med" len="med"/>
+                      <a:tailEnd type="none" w="med" len="med"/>
+                    </a:lnR>
+                    <a:lnT w="12700" cap="flat" cmpd="sng" algn="ctr">
+                      <a:solidFill>
+                        <a:schemeClr val="tx1"/>
+                      </a:solidFill>
+                      <a:prstDash val="solid"/>
+                      <a:round/>
+                      <a:headEnd type="none" w="med" len="med"/>
+                      <a:tailEnd type="none" w="med" len="med"/>
+                    </a:lnT>
+                    <a:lnB w="12700" cap="flat" cmpd="sng" algn="ctr">
+                      <a:solidFill>
+                        <a:schemeClr val="tx1"/>
+                      </a:solidFill>
+                      <a:prstDash val="solid"/>
+                      <a:round/>
+                      <a:headEnd type="none" w="med" len="med"/>
+                      <a:tailEnd type="none" w="med" len="med"/>
+                    </a:lnB>
+                    <a:solidFill>
+                      <a:schemeClr val="accent2">
+                        <a:lumMod val="60000"/>
+                        <a:lumOff val="40000"/>
+                      </a:schemeClr>
+                    </a:solidFill>
+                  </a:tcPr>
+                </a:tc>
+                <a:tc>
+                  <a:txBody>
+                    <a:bodyPr/>
+                    <a:lstStyle/>
+                    <a:p>
+                      <a:r>
+                        <a:rPr lang="en-US" sz="1400" dirty="0"/>
+                        <a:t>(0,1)</a:t>
+                      </a:r>
+                    </a:p>
+                    <a:p>
+                      <a:r>
+                        <a:rPr lang="en-US" sz="1400" dirty="0"/>
+                        <a:t>SM0</a:t>
+                      </a:r>
+                    </a:p>
+                  </a:txBody>
+                  <a:tcPr anchor="ctr">
+                    <a:lnL w="12700" cap="flat" cmpd="sng" algn="ctr">
+                      <a:solidFill>
+                        <a:schemeClr val="tx1"/>
+                      </a:solidFill>
+                      <a:prstDash val="solid"/>
+                      <a:round/>
+                      <a:headEnd type="none" w="med" len="med"/>
+                      <a:tailEnd type="none" w="med" len="med"/>
+                    </a:lnL>
+                    <a:lnR w="12700" cap="flat" cmpd="sng" algn="ctr">
+                      <a:solidFill>
+                        <a:schemeClr val="tx1"/>
+                      </a:solidFill>
+                      <a:prstDash val="solid"/>
+                      <a:round/>
+                      <a:headEnd type="none" w="med" len="med"/>
+                      <a:tailEnd type="none" w="med" len="med"/>
+                    </a:lnR>
+                    <a:lnT w="12700" cap="flat" cmpd="sng" algn="ctr">
+                      <a:solidFill>
+                        <a:schemeClr val="tx1"/>
+                      </a:solidFill>
+                      <a:prstDash val="solid"/>
+                      <a:round/>
+                      <a:headEnd type="none" w="med" len="med"/>
+                      <a:tailEnd type="none" w="med" len="med"/>
+                    </a:lnT>
+                    <a:lnB w="12700" cap="flat" cmpd="sng" algn="ctr">
+                      <a:solidFill>
+                        <a:schemeClr val="tx1"/>
+                      </a:solidFill>
+                      <a:prstDash val="solid"/>
+                      <a:round/>
+                      <a:headEnd type="none" w="med" len="med"/>
+                      <a:tailEnd type="none" w="med" len="med"/>
+                    </a:lnB>
+                    <a:solidFill>
+                      <a:srgbClr val="92D050"/>
+                    </a:solidFill>
+                  </a:tcPr>
+                </a:tc>
+                <a:tc>
+                  <a:txBody>
+                    <a:bodyPr/>
+                    <a:lstStyle/>
+                    <a:p>
+                      <a:pPr marL="0" marR="0" lvl="0" indent="0" algn="l" defTabSz="914400" rtl="0" eaLnBrk="1" fontAlgn="auto" latinLnBrk="0" hangingPunct="1">
+                        <a:lnSpc>
+                          <a:spcPct val="100000"/>
+                        </a:lnSpc>
+                        <a:spcBef>
+                          <a:spcPts val="0"/>
+                        </a:spcBef>
+                        <a:spcAft>
+                          <a:spcPts val="0"/>
+                        </a:spcAft>
+                        <a:buClrTx/>
+                        <a:buSzTx/>
+                        <a:buFontTx/>
+                        <a:buNone/>
+                        <a:tabLst/>
+                        <a:defRPr/>
+                      </a:pPr>
+                      <a:r>
+                        <a:rPr lang="en-US" sz="1400" dirty="0"/>
+                        <a:t>(0,2)</a:t>
+                      </a:r>
+                    </a:p>
+                    <a:p>
+                      <a:pPr marL="0" marR="0" lvl="0" indent="0" algn="l" defTabSz="914400" rtl="0" eaLnBrk="1" fontAlgn="auto" latinLnBrk="0" hangingPunct="1">
+                        <a:lnSpc>
+                          <a:spcPct val="100000"/>
+                        </a:lnSpc>
+                        <a:spcBef>
+                          <a:spcPts val="0"/>
+                        </a:spcBef>
+                        <a:spcAft>
+                          <a:spcPts val="0"/>
+                        </a:spcAft>
+                        <a:buClrTx/>
+                        <a:buSzTx/>
+                        <a:buFontTx/>
+                        <a:buNone/>
+                        <a:tabLst/>
+                        <a:defRPr/>
+                      </a:pPr>
+                      <a:r>
+                        <a:rPr lang="en-US" sz="1400" dirty="0"/>
+                        <a:t>SM0</a:t>
+                      </a:r>
+                    </a:p>
+                  </a:txBody>
+                  <a:tcPr anchor="ctr">
+                    <a:lnL w="12700" cap="flat" cmpd="sng" algn="ctr">
+                      <a:solidFill>
+                        <a:schemeClr val="tx1"/>
+                      </a:solidFill>
+                      <a:prstDash val="solid"/>
+                      <a:round/>
+                      <a:headEnd type="none" w="med" len="med"/>
+                      <a:tailEnd type="none" w="med" len="med"/>
+                    </a:lnL>
+                    <a:lnR w="12700" cap="flat" cmpd="sng" algn="ctr">
+                      <a:solidFill>
+                        <a:schemeClr val="tx1"/>
+                      </a:solidFill>
+                      <a:prstDash val="solid"/>
+                      <a:round/>
+                      <a:headEnd type="none" w="med" len="med"/>
+                      <a:tailEnd type="none" w="med" len="med"/>
+                    </a:lnR>
+                    <a:lnT w="12700" cap="flat" cmpd="sng" algn="ctr">
+                      <a:solidFill>
+                        <a:schemeClr val="tx1"/>
+                      </a:solidFill>
+                      <a:prstDash val="solid"/>
+                      <a:round/>
+                      <a:headEnd type="none" w="med" len="med"/>
+                      <a:tailEnd type="none" w="med" len="med"/>
+                    </a:lnT>
+                    <a:lnB w="12700" cap="flat" cmpd="sng" algn="ctr">
+                      <a:solidFill>
+                        <a:schemeClr val="tx1"/>
+                      </a:solidFill>
+                      <a:prstDash val="solid"/>
+                      <a:round/>
+                      <a:headEnd type="none" w="med" len="med"/>
+                      <a:tailEnd type="none" w="med" len="med"/>
+                    </a:lnB>
+                    <a:solidFill>
+                      <a:schemeClr val="accent4">
+                        <a:lumMod val="60000"/>
+                        <a:lumOff val="40000"/>
+                      </a:schemeClr>
+                    </a:solidFill>
+                  </a:tcPr>
+                </a:tc>
+                <a:tc>
+                  <a:txBody>
+                    <a:bodyPr/>
+                    <a:lstStyle/>
+                    <a:p>
+                      <a:pPr marL="0" marR="0" lvl="0" indent="0" algn="l" defTabSz="914400" rtl="0" eaLnBrk="1" fontAlgn="auto" latinLnBrk="0" hangingPunct="1">
+                        <a:lnSpc>
+                          <a:spcPct val="100000"/>
+                        </a:lnSpc>
+                        <a:spcBef>
+                          <a:spcPts val="0"/>
+                        </a:spcBef>
+                        <a:spcAft>
+                          <a:spcPts val="0"/>
+                        </a:spcAft>
+                        <a:buClrTx/>
+                        <a:buSzTx/>
+                        <a:buFontTx/>
+                        <a:buNone/>
+                        <a:tabLst/>
+                        <a:defRPr/>
+                      </a:pPr>
+                      <a:r>
+                        <a:rPr lang="en-US" sz="1400" dirty="0"/>
+                        <a:t>(0,3)</a:t>
+                      </a:r>
+                    </a:p>
+                    <a:p>
+                      <a:pPr marL="0" marR="0" lvl="0" indent="0" algn="l" defTabSz="914400" rtl="0" eaLnBrk="1" fontAlgn="auto" latinLnBrk="0" hangingPunct="1">
+                        <a:lnSpc>
+                          <a:spcPct val="100000"/>
+                        </a:lnSpc>
+                        <a:spcBef>
+                          <a:spcPts val="0"/>
+                        </a:spcBef>
+                        <a:spcAft>
+                          <a:spcPts val="0"/>
+                        </a:spcAft>
+                        <a:buClrTx/>
+                        <a:buSzTx/>
+                        <a:buFontTx/>
+                        <a:buNone/>
+                        <a:tabLst/>
+                        <a:defRPr/>
+                      </a:pPr>
+                      <a:r>
+                        <a:rPr lang="en-US" sz="1400" dirty="0"/>
+                        <a:t>SM0</a:t>
+                      </a:r>
+                    </a:p>
+                  </a:txBody>
+                  <a:tcPr anchor="ctr">
+                    <a:lnL w="12700" cap="flat" cmpd="sng" algn="ctr">
+                      <a:solidFill>
+                        <a:schemeClr val="tx1"/>
+                      </a:solidFill>
+                      <a:prstDash val="solid"/>
+                      <a:round/>
+                      <a:headEnd type="none" w="med" len="med"/>
+                      <a:tailEnd type="none" w="med" len="med"/>
+                    </a:lnL>
+                    <a:lnR w="12700" cap="flat" cmpd="sng" algn="ctr">
+                      <a:solidFill>
+                        <a:schemeClr val="tx1"/>
+                      </a:solidFill>
+                      <a:prstDash val="solid"/>
+                      <a:round/>
+                      <a:headEnd type="none" w="med" len="med"/>
+                      <a:tailEnd type="none" w="med" len="med"/>
+                    </a:lnR>
+                    <a:lnT w="12700" cap="flat" cmpd="sng" algn="ctr">
+                      <a:solidFill>
+                        <a:schemeClr val="tx1"/>
+                      </a:solidFill>
+                      <a:prstDash val="solid"/>
+                      <a:round/>
+                      <a:headEnd type="none" w="med" len="med"/>
+                      <a:tailEnd type="none" w="med" len="med"/>
+                    </a:lnT>
+                    <a:lnB w="12700" cap="flat" cmpd="sng" algn="ctr">
+                      <a:solidFill>
+                        <a:schemeClr val="tx1"/>
+                      </a:solidFill>
+                      <a:prstDash val="solid"/>
+                      <a:round/>
+                      <a:headEnd type="none" w="med" len="med"/>
+                      <a:tailEnd type="none" w="med" len="med"/>
+                    </a:lnB>
+                    <a:solidFill>
+                      <a:srgbClr val="FFFF00"/>
+                    </a:solidFill>
+                  </a:tcPr>
+                </a:tc>
+                <a:extLst>
+                  <a:ext uri="{0D108BD9-81ED-4DB2-BD59-A6C34878D82A}">
+                    <a16:rowId xmlns:a16="http://schemas.microsoft.com/office/drawing/2014/main" val="1183027093"/>
+                  </a:ext>
+                </a:extLst>
+              </a:tr>
+              <a:tr h="540000">
+                <a:tc>
+                  <a:txBody>
+                    <a:bodyPr/>
+                    <a:lstStyle/>
+                    <a:p>
+                      <a:r>
+                        <a:rPr lang="en-US" sz="1400" dirty="0"/>
+                        <a:t>(1,0)</a:t>
+                      </a:r>
+                    </a:p>
+                    <a:p>
+                      <a:r>
+                        <a:rPr lang="en-US" sz="1400" dirty="0"/>
+                        <a:t>SM1</a:t>
+                      </a:r>
+                    </a:p>
+                  </a:txBody>
+                  <a:tcPr anchor="ctr">
+                    <a:lnL w="12700" cap="flat" cmpd="sng" algn="ctr">
+                      <a:solidFill>
+                        <a:schemeClr val="tx1"/>
+                      </a:solidFill>
+                      <a:prstDash val="solid"/>
+                      <a:round/>
+                      <a:headEnd type="none" w="med" len="med"/>
+                      <a:tailEnd type="none" w="med" len="med"/>
+                    </a:lnL>
+                    <a:lnR w="12700" cap="flat" cmpd="sng" algn="ctr">
+                      <a:solidFill>
+                        <a:schemeClr val="tx1"/>
+                      </a:solidFill>
+                      <a:prstDash val="solid"/>
+                      <a:round/>
+                      <a:headEnd type="none" w="med" len="med"/>
+                      <a:tailEnd type="none" w="med" len="med"/>
+                    </a:lnR>
+                    <a:lnT w="12700" cap="flat" cmpd="sng" algn="ctr">
+                      <a:solidFill>
+                        <a:schemeClr val="tx1"/>
+                      </a:solidFill>
+                      <a:prstDash val="solid"/>
+                      <a:round/>
+                      <a:headEnd type="none" w="med" len="med"/>
+                      <a:tailEnd type="none" w="med" len="med"/>
+                    </a:lnT>
+                    <a:lnB w="12700" cap="flat" cmpd="sng" algn="ctr">
+                      <a:solidFill>
+                        <a:schemeClr val="tx1"/>
+                      </a:solidFill>
+                      <a:prstDash val="solid"/>
+                      <a:round/>
+                      <a:headEnd type="none" w="med" len="med"/>
+                      <a:tailEnd type="none" w="med" len="med"/>
+                    </a:lnB>
+                    <a:solidFill>
+                      <a:srgbClr val="FFFF00"/>
+                    </a:solidFill>
+                  </a:tcPr>
+                </a:tc>
+                <a:tc>
+                  <a:txBody>
+                    <a:bodyPr/>
+                    <a:lstStyle/>
+                    <a:p>
+                      <a:r>
+                        <a:rPr lang="en-US" sz="1400" dirty="0"/>
+                        <a:t>(1,1)</a:t>
+                      </a:r>
+                    </a:p>
+                    <a:p>
+                      <a:r>
+                        <a:rPr lang="en-US" sz="1400" dirty="0"/>
+                        <a:t>SM1</a:t>
+                      </a:r>
+                    </a:p>
+                  </a:txBody>
+                  <a:tcPr anchor="ctr">
+                    <a:lnL w="12700" cap="flat" cmpd="sng" algn="ctr">
+                      <a:solidFill>
+                        <a:schemeClr val="tx1"/>
+                      </a:solidFill>
+                      <a:prstDash val="solid"/>
+                      <a:round/>
+                      <a:headEnd type="none" w="med" len="med"/>
+                      <a:tailEnd type="none" w="med" len="med"/>
+                    </a:lnL>
+                    <a:lnR w="12700" cap="flat" cmpd="sng" algn="ctr">
+                      <a:solidFill>
+                        <a:schemeClr val="tx1"/>
+                      </a:solidFill>
+                      <a:prstDash val="solid"/>
+                      <a:round/>
+                      <a:headEnd type="none" w="med" len="med"/>
+                      <a:tailEnd type="none" w="med" len="med"/>
+                    </a:lnR>
+                    <a:lnT w="12700" cap="flat" cmpd="sng" algn="ctr">
+                      <a:solidFill>
+                        <a:schemeClr val="tx1"/>
+                      </a:solidFill>
+                      <a:prstDash val="solid"/>
+                      <a:round/>
+                      <a:headEnd type="none" w="med" len="med"/>
+                      <a:tailEnd type="none" w="med" len="med"/>
+                    </a:lnT>
+                    <a:lnB w="12700" cap="flat" cmpd="sng" algn="ctr">
+                      <a:solidFill>
+                        <a:schemeClr val="tx1"/>
+                      </a:solidFill>
+                      <a:prstDash val="solid"/>
+                      <a:round/>
+                      <a:headEnd type="none" w="med" len="med"/>
+                      <a:tailEnd type="none" w="med" len="med"/>
+                    </a:lnB>
+                    <a:solidFill>
+                      <a:schemeClr val="accent2">
+                        <a:lumMod val="60000"/>
+                        <a:lumOff val="40000"/>
+                      </a:schemeClr>
+                    </a:solidFill>
+                  </a:tcPr>
+                </a:tc>
+                <a:tc>
+                  <a:txBody>
+                    <a:bodyPr/>
+                    <a:lstStyle/>
+                    <a:p>
+                      <a:pPr marL="0" marR="0" lvl="0" indent="0" algn="l" defTabSz="914400" rtl="0" eaLnBrk="1" fontAlgn="auto" latinLnBrk="0" hangingPunct="1">
+                        <a:lnSpc>
+                          <a:spcPct val="100000"/>
+                        </a:lnSpc>
+                        <a:spcBef>
+                          <a:spcPts val="0"/>
+                        </a:spcBef>
+                        <a:spcAft>
+                          <a:spcPts val="0"/>
+                        </a:spcAft>
+                        <a:buClrTx/>
+                        <a:buSzTx/>
+                        <a:buFontTx/>
+                        <a:buNone/>
+                        <a:tabLst/>
+                        <a:defRPr/>
+                      </a:pPr>
+                      <a:r>
+                        <a:rPr lang="en-US" sz="1400" dirty="0"/>
+                        <a:t>(1,2)</a:t>
+                      </a:r>
+                    </a:p>
+                    <a:p>
+                      <a:pPr marL="0" marR="0" lvl="0" indent="0" algn="l" defTabSz="914400" rtl="0" eaLnBrk="1" fontAlgn="auto" latinLnBrk="0" hangingPunct="1">
+                        <a:lnSpc>
+                          <a:spcPct val="100000"/>
+                        </a:lnSpc>
+                        <a:spcBef>
+                          <a:spcPts val="0"/>
+                        </a:spcBef>
+                        <a:spcAft>
+                          <a:spcPts val="0"/>
+                        </a:spcAft>
+                        <a:buClrTx/>
+                        <a:buSzTx/>
+                        <a:buFontTx/>
+                        <a:buNone/>
+                        <a:tabLst/>
+                        <a:defRPr/>
+                      </a:pPr>
+                      <a:r>
+                        <a:rPr lang="en-US" sz="1400" dirty="0"/>
+                        <a:t>SM1</a:t>
+                      </a:r>
+                    </a:p>
+                  </a:txBody>
+                  <a:tcPr anchor="ctr">
+                    <a:lnL w="12700" cap="flat" cmpd="sng" algn="ctr">
+                      <a:solidFill>
+                        <a:schemeClr val="tx1"/>
+                      </a:solidFill>
+                      <a:prstDash val="solid"/>
+                      <a:round/>
+                      <a:headEnd type="none" w="med" len="med"/>
+                      <a:tailEnd type="none" w="med" len="med"/>
+                    </a:lnL>
+                    <a:lnR w="12700" cap="flat" cmpd="sng" algn="ctr">
+                      <a:solidFill>
+                        <a:schemeClr val="tx1"/>
+                      </a:solidFill>
+                      <a:prstDash val="solid"/>
+                      <a:round/>
+                      <a:headEnd type="none" w="med" len="med"/>
+                      <a:tailEnd type="none" w="med" len="med"/>
+                    </a:lnR>
+                    <a:lnT w="12700" cap="flat" cmpd="sng" algn="ctr">
+                      <a:solidFill>
+                        <a:schemeClr val="tx1"/>
+                      </a:solidFill>
+                      <a:prstDash val="solid"/>
+                      <a:round/>
+                      <a:headEnd type="none" w="med" len="med"/>
+                      <a:tailEnd type="none" w="med" len="med"/>
+                    </a:lnT>
+                    <a:lnB w="12700" cap="flat" cmpd="sng" algn="ctr">
+                      <a:solidFill>
+                        <a:schemeClr val="tx1"/>
+                      </a:solidFill>
+                      <a:prstDash val="solid"/>
+                      <a:round/>
+                      <a:headEnd type="none" w="med" len="med"/>
+                      <a:tailEnd type="none" w="med" len="med"/>
+                    </a:lnB>
+                    <a:solidFill>
+                      <a:srgbClr val="92D050"/>
+                    </a:solidFill>
+                  </a:tcPr>
+                </a:tc>
+                <a:tc>
+                  <a:txBody>
+                    <a:bodyPr/>
+                    <a:lstStyle/>
+                    <a:p>
+                      <a:pPr marL="0" marR="0" lvl="0" indent="0" algn="l" defTabSz="914400" rtl="0" eaLnBrk="1" fontAlgn="auto" latinLnBrk="0" hangingPunct="1">
+                        <a:lnSpc>
+                          <a:spcPct val="100000"/>
+                        </a:lnSpc>
+                        <a:spcBef>
+                          <a:spcPts val="0"/>
+                        </a:spcBef>
+                        <a:spcAft>
+                          <a:spcPts val="0"/>
+                        </a:spcAft>
+                        <a:buClrTx/>
+                        <a:buSzTx/>
+                        <a:buFontTx/>
+                        <a:buNone/>
+                        <a:tabLst/>
+                        <a:defRPr/>
+                      </a:pPr>
+                      <a:r>
+                        <a:rPr lang="en-US" sz="1400" dirty="0"/>
+                        <a:t>(1,3)</a:t>
+                      </a:r>
+                    </a:p>
+                    <a:p>
+                      <a:pPr marL="0" marR="0" lvl="0" indent="0" algn="l" defTabSz="914400" rtl="0" eaLnBrk="1" fontAlgn="auto" latinLnBrk="0" hangingPunct="1">
+                        <a:lnSpc>
+                          <a:spcPct val="100000"/>
+                        </a:lnSpc>
+                        <a:spcBef>
+                          <a:spcPts val="0"/>
+                        </a:spcBef>
+                        <a:spcAft>
+                          <a:spcPts val="0"/>
+                        </a:spcAft>
+                        <a:buClrTx/>
+                        <a:buSzTx/>
+                        <a:buFontTx/>
+                        <a:buNone/>
+                        <a:tabLst/>
+                        <a:defRPr/>
+                      </a:pPr>
+                      <a:r>
+                        <a:rPr lang="en-US" sz="1400" dirty="0"/>
+                        <a:t>SM1</a:t>
+                      </a:r>
+                    </a:p>
+                  </a:txBody>
+                  <a:tcPr anchor="ctr">
+                    <a:lnL w="12700" cap="flat" cmpd="sng" algn="ctr">
+                      <a:solidFill>
+                        <a:schemeClr val="tx1"/>
+                      </a:solidFill>
+                      <a:prstDash val="solid"/>
+                      <a:round/>
+                      <a:headEnd type="none" w="med" len="med"/>
+                      <a:tailEnd type="none" w="med" len="med"/>
+                    </a:lnL>
+                    <a:lnR w="12700" cap="flat" cmpd="sng" algn="ctr">
+                      <a:solidFill>
+                        <a:schemeClr val="tx1"/>
+                      </a:solidFill>
+                      <a:prstDash val="solid"/>
+                      <a:round/>
+                      <a:headEnd type="none" w="med" len="med"/>
+                      <a:tailEnd type="none" w="med" len="med"/>
+                    </a:lnR>
+                    <a:lnT w="12700" cap="flat" cmpd="sng" algn="ctr">
+                      <a:solidFill>
+                        <a:schemeClr val="tx1"/>
+                      </a:solidFill>
+                      <a:prstDash val="solid"/>
+                      <a:round/>
+                      <a:headEnd type="none" w="med" len="med"/>
+                      <a:tailEnd type="none" w="med" len="med"/>
+                    </a:lnT>
+                    <a:lnB w="12700" cap="flat" cmpd="sng" algn="ctr">
+                      <a:solidFill>
+                        <a:schemeClr val="tx1"/>
+                      </a:solidFill>
+                      <a:prstDash val="solid"/>
+                      <a:round/>
+                      <a:headEnd type="none" w="med" len="med"/>
+                      <a:tailEnd type="none" w="med" len="med"/>
+                    </a:lnB>
+                    <a:solidFill>
+                      <a:schemeClr val="accent4">
+                        <a:lumMod val="60000"/>
+                        <a:lumOff val="40000"/>
+                      </a:schemeClr>
+                    </a:solidFill>
+                  </a:tcPr>
+                </a:tc>
+                <a:extLst>
+                  <a:ext uri="{0D108BD9-81ED-4DB2-BD59-A6C34878D82A}">
+                    <a16:rowId xmlns:a16="http://schemas.microsoft.com/office/drawing/2014/main" val="1771589775"/>
+                  </a:ext>
+                </a:extLst>
+              </a:tr>
+              <a:tr h="540000">
+                <a:tc>
+                  <a:txBody>
+                    <a:bodyPr/>
+                    <a:lstStyle/>
+                    <a:p>
+                      <a:r>
+                        <a:rPr lang="en-US" sz="1400" dirty="0"/>
+                        <a:t>(2,0)</a:t>
+                      </a:r>
+                    </a:p>
+                    <a:p>
+                      <a:r>
+                        <a:rPr lang="en-US" sz="1400" dirty="0"/>
+                        <a:t>SM2</a:t>
+                      </a:r>
+                    </a:p>
+                  </a:txBody>
+                  <a:tcPr anchor="ctr">
+                    <a:lnL w="12700" cap="flat" cmpd="sng" algn="ctr">
+                      <a:solidFill>
+                        <a:schemeClr val="tx1"/>
+                      </a:solidFill>
+                      <a:prstDash val="solid"/>
+                      <a:round/>
+                      <a:headEnd type="none" w="med" len="med"/>
+                      <a:tailEnd type="none" w="med" len="med"/>
+                    </a:lnL>
+                    <a:lnR w="12700" cap="flat" cmpd="sng" algn="ctr">
+                      <a:solidFill>
+                        <a:schemeClr val="tx1"/>
+                      </a:solidFill>
+                      <a:prstDash val="solid"/>
+                      <a:round/>
+                      <a:headEnd type="none" w="med" len="med"/>
+                      <a:tailEnd type="none" w="med" len="med"/>
+                    </a:lnR>
+                    <a:lnT w="12700" cap="flat" cmpd="sng" algn="ctr">
+                      <a:solidFill>
+                        <a:schemeClr val="tx1"/>
+                      </a:solidFill>
+                      <a:prstDash val="solid"/>
+                      <a:round/>
+                      <a:headEnd type="none" w="med" len="med"/>
+                      <a:tailEnd type="none" w="med" len="med"/>
+                    </a:lnT>
+                    <a:lnB w="12700" cap="flat" cmpd="sng" algn="ctr">
+                      <a:solidFill>
+                        <a:schemeClr val="tx1"/>
+                      </a:solidFill>
+                      <a:prstDash val="solid"/>
+                      <a:round/>
+                      <a:headEnd type="none" w="med" len="med"/>
+                      <a:tailEnd type="none" w="med" len="med"/>
+                    </a:lnB>
+                    <a:solidFill>
+                      <a:schemeClr val="accent4">
+                        <a:lumMod val="60000"/>
+                        <a:lumOff val="40000"/>
+                      </a:schemeClr>
+                    </a:solidFill>
+                  </a:tcPr>
+                </a:tc>
+                <a:tc>
+                  <a:txBody>
+                    <a:bodyPr/>
+                    <a:lstStyle/>
+                    <a:p>
+                      <a:r>
+                        <a:rPr lang="en-US" sz="1400" dirty="0"/>
+                        <a:t>(2,1)</a:t>
+                      </a:r>
+                    </a:p>
+                    <a:p>
+                      <a:r>
+                        <a:rPr lang="en-US" sz="1400" dirty="0"/>
+                        <a:t>SM2</a:t>
+                      </a:r>
+                    </a:p>
+                  </a:txBody>
+                  <a:tcPr anchor="ctr">
+                    <a:lnL w="12700" cap="flat" cmpd="sng" algn="ctr">
+                      <a:solidFill>
+                        <a:schemeClr val="tx1"/>
+                      </a:solidFill>
+                      <a:prstDash val="solid"/>
+                      <a:round/>
+                      <a:headEnd type="none" w="med" len="med"/>
+                      <a:tailEnd type="none" w="med" len="med"/>
+                    </a:lnL>
+                    <a:lnR w="12700" cap="flat" cmpd="sng" algn="ctr">
+                      <a:solidFill>
+                        <a:schemeClr val="tx1"/>
+                      </a:solidFill>
+                      <a:prstDash val="solid"/>
+                      <a:round/>
+                      <a:headEnd type="none" w="med" len="med"/>
+                      <a:tailEnd type="none" w="med" len="med"/>
+                    </a:lnR>
+                    <a:lnT w="12700" cap="flat" cmpd="sng" algn="ctr">
+                      <a:solidFill>
+                        <a:schemeClr val="tx1"/>
+                      </a:solidFill>
+                      <a:prstDash val="solid"/>
+                      <a:round/>
+                      <a:headEnd type="none" w="med" len="med"/>
+                      <a:tailEnd type="none" w="med" len="med"/>
+                    </a:lnT>
+                    <a:lnB w="12700" cap="flat" cmpd="sng" algn="ctr">
+                      <a:solidFill>
+                        <a:schemeClr val="tx1"/>
+                      </a:solidFill>
+                      <a:prstDash val="solid"/>
+                      <a:round/>
+                      <a:headEnd type="none" w="med" len="med"/>
+                      <a:tailEnd type="none" w="med" len="med"/>
+                    </a:lnB>
+                    <a:solidFill>
+                      <a:srgbClr val="FFFF00"/>
+                    </a:solidFill>
+                  </a:tcPr>
+                </a:tc>
+                <a:tc>
+                  <a:txBody>
+                    <a:bodyPr/>
+                    <a:lstStyle/>
+                    <a:p>
+                      <a:pPr marL="0" marR="0" lvl="0" indent="0" algn="l" defTabSz="914400" rtl="0" eaLnBrk="1" fontAlgn="auto" latinLnBrk="0" hangingPunct="1">
+                        <a:lnSpc>
+                          <a:spcPct val="100000"/>
+                        </a:lnSpc>
+                        <a:spcBef>
+                          <a:spcPts val="0"/>
+                        </a:spcBef>
+                        <a:spcAft>
+                          <a:spcPts val="0"/>
+                        </a:spcAft>
+                        <a:buClrTx/>
+                        <a:buSzTx/>
+                        <a:buFontTx/>
+                        <a:buNone/>
+                        <a:tabLst/>
+                        <a:defRPr/>
+                      </a:pPr>
+                      <a:r>
+                        <a:rPr lang="en-US" sz="1400" dirty="0"/>
+                        <a:t>(2,2)</a:t>
+                      </a:r>
+                    </a:p>
+                    <a:p>
+                      <a:pPr marL="0" marR="0" lvl="0" indent="0" algn="l" defTabSz="914400" rtl="0" eaLnBrk="1" fontAlgn="auto" latinLnBrk="0" hangingPunct="1">
+                        <a:lnSpc>
+                          <a:spcPct val="100000"/>
+                        </a:lnSpc>
+                        <a:spcBef>
+                          <a:spcPts val="0"/>
+                        </a:spcBef>
+                        <a:spcAft>
+                          <a:spcPts val="0"/>
+                        </a:spcAft>
+                        <a:buClrTx/>
+                        <a:buSzTx/>
+                        <a:buFontTx/>
+                        <a:buNone/>
+                        <a:tabLst/>
+                        <a:defRPr/>
+                      </a:pPr>
+                      <a:r>
+                        <a:rPr lang="en-US" sz="1400" dirty="0"/>
+                        <a:t>SM2</a:t>
+                      </a:r>
+                    </a:p>
+                  </a:txBody>
+                  <a:tcPr anchor="ctr">
+                    <a:lnL w="12700" cap="flat" cmpd="sng" algn="ctr">
+                      <a:solidFill>
+                        <a:schemeClr val="tx1"/>
+                      </a:solidFill>
+                      <a:prstDash val="solid"/>
+                      <a:round/>
+                      <a:headEnd type="none" w="med" len="med"/>
+                      <a:tailEnd type="none" w="med" len="med"/>
+                    </a:lnL>
+                    <a:lnR w="12700" cap="flat" cmpd="sng" algn="ctr">
+                      <a:solidFill>
+                        <a:schemeClr val="tx1"/>
+                      </a:solidFill>
+                      <a:prstDash val="solid"/>
+                      <a:round/>
+                      <a:headEnd type="none" w="med" len="med"/>
+                      <a:tailEnd type="none" w="med" len="med"/>
+                    </a:lnR>
+                    <a:lnT w="12700" cap="flat" cmpd="sng" algn="ctr">
+                      <a:solidFill>
+                        <a:schemeClr val="tx1"/>
+                      </a:solidFill>
+                      <a:prstDash val="solid"/>
+                      <a:round/>
+                      <a:headEnd type="none" w="med" len="med"/>
+                      <a:tailEnd type="none" w="med" len="med"/>
+                    </a:lnT>
+                    <a:lnB w="12700" cap="flat" cmpd="sng" algn="ctr">
+                      <a:solidFill>
+                        <a:schemeClr val="tx1"/>
+                      </a:solidFill>
+                      <a:prstDash val="solid"/>
+                      <a:round/>
+                      <a:headEnd type="none" w="med" len="med"/>
+                      <a:tailEnd type="none" w="med" len="med"/>
+                    </a:lnB>
+                    <a:solidFill>
+                      <a:schemeClr val="accent2">
+                        <a:lumMod val="60000"/>
+                        <a:lumOff val="40000"/>
+                      </a:schemeClr>
+                    </a:solidFill>
+                  </a:tcPr>
+                </a:tc>
+                <a:tc>
+                  <a:txBody>
+                    <a:bodyPr/>
+                    <a:lstStyle/>
+                    <a:p>
+                      <a:pPr marL="0" marR="0" lvl="0" indent="0" algn="l" defTabSz="914400" rtl="0" eaLnBrk="1" fontAlgn="auto" latinLnBrk="0" hangingPunct="1">
+                        <a:lnSpc>
+                          <a:spcPct val="100000"/>
+                        </a:lnSpc>
+                        <a:spcBef>
+                          <a:spcPts val="0"/>
+                        </a:spcBef>
+                        <a:spcAft>
+                          <a:spcPts val="0"/>
+                        </a:spcAft>
+                        <a:buClrTx/>
+                        <a:buSzTx/>
+                        <a:buFontTx/>
+                        <a:buNone/>
+                        <a:tabLst/>
+                        <a:defRPr/>
+                      </a:pPr>
+                      <a:r>
+                        <a:rPr lang="en-US" sz="1400" dirty="0"/>
+                        <a:t>(2,3)</a:t>
+                      </a:r>
+                    </a:p>
+                    <a:p>
+                      <a:pPr marL="0" marR="0" lvl="0" indent="0" algn="l" defTabSz="914400" rtl="0" eaLnBrk="1" fontAlgn="auto" latinLnBrk="0" hangingPunct="1">
+                        <a:lnSpc>
+                          <a:spcPct val="100000"/>
+                        </a:lnSpc>
+                        <a:spcBef>
+                          <a:spcPts val="0"/>
+                        </a:spcBef>
+                        <a:spcAft>
+                          <a:spcPts val="0"/>
+                        </a:spcAft>
+                        <a:buClrTx/>
+                        <a:buSzTx/>
+                        <a:buFontTx/>
+                        <a:buNone/>
+                        <a:tabLst/>
+                        <a:defRPr/>
+                      </a:pPr>
+                      <a:r>
+                        <a:rPr lang="en-US" sz="1400" dirty="0"/>
+                        <a:t>SM2</a:t>
+                      </a:r>
+                    </a:p>
+                  </a:txBody>
+                  <a:tcPr anchor="ctr">
+                    <a:lnL w="12700" cap="flat" cmpd="sng" algn="ctr">
+                      <a:solidFill>
+                        <a:schemeClr val="tx1"/>
+                      </a:solidFill>
+                      <a:prstDash val="solid"/>
+                      <a:round/>
+                      <a:headEnd type="none" w="med" len="med"/>
+                      <a:tailEnd type="none" w="med" len="med"/>
+                    </a:lnL>
+                    <a:lnR w="12700" cap="flat" cmpd="sng" algn="ctr">
+                      <a:solidFill>
+                        <a:schemeClr val="tx1"/>
+                      </a:solidFill>
+                      <a:prstDash val="solid"/>
+                      <a:round/>
+                      <a:headEnd type="none" w="med" len="med"/>
+                      <a:tailEnd type="none" w="med" len="med"/>
+                    </a:lnR>
+                    <a:lnT w="12700" cap="flat" cmpd="sng" algn="ctr">
+                      <a:solidFill>
+                        <a:schemeClr val="tx1"/>
+                      </a:solidFill>
+                      <a:prstDash val="solid"/>
+                      <a:round/>
+                      <a:headEnd type="none" w="med" len="med"/>
+                      <a:tailEnd type="none" w="med" len="med"/>
+                    </a:lnT>
+                    <a:lnB w="12700" cap="flat" cmpd="sng" algn="ctr">
+                      <a:solidFill>
+                        <a:schemeClr val="tx1"/>
+                      </a:solidFill>
+                      <a:prstDash val="solid"/>
+                      <a:round/>
+                      <a:headEnd type="none" w="med" len="med"/>
+                      <a:tailEnd type="none" w="med" len="med"/>
+                    </a:lnB>
+                    <a:solidFill>
+                      <a:srgbClr val="92D050"/>
+                    </a:solidFill>
+                  </a:tcPr>
+                </a:tc>
+                <a:extLst>
+                  <a:ext uri="{0D108BD9-81ED-4DB2-BD59-A6C34878D82A}">
+                    <a16:rowId xmlns:a16="http://schemas.microsoft.com/office/drawing/2014/main" val="3415133006"/>
+                  </a:ext>
+                </a:extLst>
+              </a:tr>
+              <a:tr h="540000">
+                <a:tc>
+                  <a:txBody>
+                    <a:bodyPr/>
+                    <a:lstStyle/>
+                    <a:p>
+                      <a:r>
+                        <a:rPr lang="en-US" sz="1400" dirty="0"/>
+                        <a:t>(3,0)</a:t>
+                      </a:r>
+                    </a:p>
+                    <a:p>
+                      <a:r>
+                        <a:rPr lang="en-US" sz="1400" dirty="0"/>
+                        <a:t>SM3</a:t>
+                      </a:r>
+                    </a:p>
+                  </a:txBody>
+                  <a:tcPr anchor="ctr">
+                    <a:lnL w="12700" cap="flat" cmpd="sng" algn="ctr">
+                      <a:solidFill>
+                        <a:schemeClr val="tx1"/>
+                      </a:solidFill>
+                      <a:prstDash val="solid"/>
+                      <a:round/>
+                      <a:headEnd type="none" w="med" len="med"/>
+                      <a:tailEnd type="none" w="med" len="med"/>
+                    </a:lnL>
+                    <a:lnR w="12700" cap="flat" cmpd="sng" algn="ctr">
+                      <a:solidFill>
+                        <a:schemeClr val="tx1"/>
+                      </a:solidFill>
+                      <a:prstDash val="solid"/>
+                      <a:round/>
+                      <a:headEnd type="none" w="med" len="med"/>
+                      <a:tailEnd type="none" w="med" len="med"/>
+                    </a:lnR>
+                    <a:lnT w="12700" cap="flat" cmpd="sng" algn="ctr">
+                      <a:solidFill>
+                        <a:schemeClr val="tx1"/>
+                      </a:solidFill>
+                      <a:prstDash val="solid"/>
+                      <a:round/>
+                      <a:headEnd type="none" w="med" len="med"/>
+                      <a:tailEnd type="none" w="med" len="med"/>
+                    </a:lnT>
+                    <a:lnB w="12700" cap="flat" cmpd="sng" algn="ctr">
+                      <a:solidFill>
+                        <a:schemeClr val="tx1"/>
+                      </a:solidFill>
+                      <a:prstDash val="solid"/>
+                      <a:round/>
+                      <a:headEnd type="none" w="med" len="med"/>
+                      <a:tailEnd type="none" w="med" len="med"/>
+                    </a:lnB>
+                    <a:solidFill>
+                      <a:srgbClr val="92D050"/>
+                    </a:solidFill>
+                  </a:tcPr>
+                </a:tc>
+                <a:tc>
+                  <a:txBody>
+                    <a:bodyPr/>
+                    <a:lstStyle/>
+                    <a:p>
+                      <a:r>
+                        <a:rPr lang="en-US" sz="1400" dirty="0"/>
+                        <a:t>(3,1)</a:t>
+                      </a:r>
+                    </a:p>
+                    <a:p>
+                      <a:r>
+                        <a:rPr lang="en-US" sz="1400" dirty="0"/>
+                        <a:t>SM3</a:t>
+                      </a:r>
+                    </a:p>
+                  </a:txBody>
+                  <a:tcPr anchor="ctr">
+                    <a:lnL w="12700" cap="flat" cmpd="sng" algn="ctr">
+                      <a:solidFill>
+                        <a:schemeClr val="tx1"/>
+                      </a:solidFill>
+                      <a:prstDash val="solid"/>
+                      <a:round/>
+                      <a:headEnd type="none" w="med" len="med"/>
+                      <a:tailEnd type="none" w="med" len="med"/>
+                    </a:lnL>
+                    <a:lnR w="12700" cap="flat" cmpd="sng" algn="ctr">
+                      <a:solidFill>
+                        <a:schemeClr val="tx1"/>
+                      </a:solidFill>
+                      <a:prstDash val="solid"/>
+                      <a:round/>
+                      <a:headEnd type="none" w="med" len="med"/>
+                      <a:tailEnd type="none" w="med" len="med"/>
+                    </a:lnR>
+                    <a:lnT w="12700" cap="flat" cmpd="sng" algn="ctr">
+                      <a:solidFill>
+                        <a:schemeClr val="tx1"/>
+                      </a:solidFill>
+                      <a:prstDash val="solid"/>
+                      <a:round/>
+                      <a:headEnd type="none" w="med" len="med"/>
+                      <a:tailEnd type="none" w="med" len="med"/>
+                    </a:lnT>
+                    <a:lnB w="12700" cap="flat" cmpd="sng" algn="ctr">
+                      <a:solidFill>
+                        <a:schemeClr val="tx1"/>
+                      </a:solidFill>
+                      <a:prstDash val="solid"/>
+                      <a:round/>
+                      <a:headEnd type="none" w="med" len="med"/>
+                      <a:tailEnd type="none" w="med" len="med"/>
+                    </a:lnB>
+                    <a:solidFill>
+                      <a:schemeClr val="accent4">
+                        <a:lumMod val="60000"/>
+                        <a:lumOff val="40000"/>
+                      </a:schemeClr>
+                    </a:solidFill>
+                  </a:tcPr>
+                </a:tc>
+                <a:tc>
+                  <a:txBody>
+                    <a:bodyPr/>
+                    <a:lstStyle/>
+                    <a:p>
+                      <a:pPr marL="0" marR="0" lvl="0" indent="0" algn="l" defTabSz="914400" rtl="0" eaLnBrk="1" fontAlgn="auto" latinLnBrk="0" hangingPunct="1">
+                        <a:lnSpc>
+                          <a:spcPct val="100000"/>
+                        </a:lnSpc>
+                        <a:spcBef>
+                          <a:spcPts val="0"/>
+                        </a:spcBef>
+                        <a:spcAft>
+                          <a:spcPts val="0"/>
+                        </a:spcAft>
+                        <a:buClrTx/>
+                        <a:buSzTx/>
+                        <a:buFontTx/>
+                        <a:buNone/>
+                        <a:tabLst/>
+                        <a:defRPr/>
+                      </a:pPr>
+                      <a:r>
+                        <a:rPr lang="en-US" sz="1400" dirty="0"/>
+                        <a:t>(3,2)</a:t>
+                      </a:r>
+                    </a:p>
+                    <a:p>
+                      <a:pPr marL="0" marR="0" lvl="0" indent="0" algn="l" defTabSz="914400" rtl="0" eaLnBrk="1" fontAlgn="auto" latinLnBrk="0" hangingPunct="1">
+                        <a:lnSpc>
+                          <a:spcPct val="100000"/>
+                        </a:lnSpc>
+                        <a:spcBef>
+                          <a:spcPts val="0"/>
+                        </a:spcBef>
+                        <a:spcAft>
+                          <a:spcPts val="0"/>
+                        </a:spcAft>
+                        <a:buClrTx/>
+                        <a:buSzTx/>
+                        <a:buFontTx/>
+                        <a:buNone/>
+                        <a:tabLst/>
+                        <a:defRPr/>
+                      </a:pPr>
+                      <a:r>
+                        <a:rPr lang="en-US" sz="1400"/>
+                        <a:t>SM3</a:t>
+                      </a:r>
+                      <a:endParaRPr lang="en-US" sz="1400" dirty="0"/>
+                    </a:p>
+                  </a:txBody>
+                  <a:tcPr anchor="ctr">
+                    <a:lnL w="12700" cap="flat" cmpd="sng" algn="ctr">
+                      <a:solidFill>
+                        <a:schemeClr val="tx1"/>
+                      </a:solidFill>
+                      <a:prstDash val="solid"/>
+                      <a:round/>
+                      <a:headEnd type="none" w="med" len="med"/>
+                      <a:tailEnd type="none" w="med" len="med"/>
+                    </a:lnL>
+                    <a:lnR w="12700" cap="flat" cmpd="sng" algn="ctr">
+                      <a:solidFill>
+                        <a:schemeClr val="tx1"/>
+                      </a:solidFill>
+                      <a:prstDash val="solid"/>
+                      <a:round/>
+                      <a:headEnd type="none" w="med" len="med"/>
+                      <a:tailEnd type="none" w="med" len="med"/>
+                    </a:lnR>
+                    <a:lnT w="12700" cap="flat" cmpd="sng" algn="ctr">
+                      <a:solidFill>
+                        <a:schemeClr val="tx1"/>
+                      </a:solidFill>
+                      <a:prstDash val="solid"/>
+                      <a:round/>
+                      <a:headEnd type="none" w="med" len="med"/>
+                      <a:tailEnd type="none" w="med" len="med"/>
+                    </a:lnT>
+                    <a:lnB w="12700" cap="flat" cmpd="sng" algn="ctr">
+                      <a:solidFill>
+                        <a:schemeClr val="tx1"/>
+                      </a:solidFill>
+                      <a:prstDash val="solid"/>
+                      <a:round/>
+                      <a:headEnd type="none" w="med" len="med"/>
+                      <a:tailEnd type="none" w="med" len="med"/>
+                    </a:lnB>
+                    <a:solidFill>
+                      <a:srgbClr val="FFFF00"/>
+                    </a:solidFill>
+                  </a:tcPr>
+                </a:tc>
+                <a:tc>
+                  <a:txBody>
+                    <a:bodyPr/>
+                    <a:lstStyle/>
+                    <a:p>
+                      <a:pPr marL="0" marR="0" lvl="0" indent="0" algn="l" defTabSz="914400" rtl="0" eaLnBrk="1" fontAlgn="auto" latinLnBrk="0" hangingPunct="1">
+                        <a:lnSpc>
+                          <a:spcPct val="100000"/>
+                        </a:lnSpc>
+                        <a:spcBef>
+                          <a:spcPts val="0"/>
+                        </a:spcBef>
+                        <a:spcAft>
+                          <a:spcPts val="0"/>
+                        </a:spcAft>
+                        <a:buClrTx/>
+                        <a:buSzTx/>
+                        <a:buFontTx/>
+                        <a:buNone/>
+                        <a:tabLst/>
+                        <a:defRPr/>
+                      </a:pPr>
+                      <a:r>
+                        <a:rPr lang="en-US" sz="1400" dirty="0"/>
+                        <a:t>(3,3)</a:t>
+                      </a:r>
+                    </a:p>
+                    <a:p>
+                      <a:pPr marL="0" marR="0" lvl="0" indent="0" algn="l" defTabSz="914400" rtl="0" eaLnBrk="1" fontAlgn="auto" latinLnBrk="0" hangingPunct="1">
+                        <a:lnSpc>
+                          <a:spcPct val="100000"/>
+                        </a:lnSpc>
+                        <a:spcBef>
+                          <a:spcPts val="0"/>
+                        </a:spcBef>
+                        <a:spcAft>
+                          <a:spcPts val="0"/>
+                        </a:spcAft>
+                        <a:buClrTx/>
+                        <a:buSzTx/>
+                        <a:buFontTx/>
+                        <a:buNone/>
+                        <a:tabLst/>
+                        <a:defRPr/>
+                      </a:pPr>
+                      <a:r>
+                        <a:rPr lang="en-US" sz="1400" dirty="0"/>
+                        <a:t>SM3</a:t>
+                      </a:r>
+                    </a:p>
+                  </a:txBody>
+                  <a:tcPr anchor="ctr">
+                    <a:lnL w="12700" cap="flat" cmpd="sng" algn="ctr">
+                      <a:solidFill>
+                        <a:schemeClr val="tx1"/>
+                      </a:solidFill>
+                      <a:prstDash val="solid"/>
+                      <a:round/>
+                      <a:headEnd type="none" w="med" len="med"/>
+                      <a:tailEnd type="none" w="med" len="med"/>
+                    </a:lnL>
+                    <a:lnR w="12700" cap="flat" cmpd="sng" algn="ctr">
+                      <a:solidFill>
+                        <a:schemeClr val="tx1"/>
+                      </a:solidFill>
+                      <a:prstDash val="solid"/>
+                      <a:round/>
+                      <a:headEnd type="none" w="med" len="med"/>
+                      <a:tailEnd type="none" w="med" len="med"/>
+                    </a:lnR>
+                    <a:lnT w="12700" cap="flat" cmpd="sng" algn="ctr">
+                      <a:solidFill>
+                        <a:schemeClr val="tx1"/>
+                      </a:solidFill>
+                      <a:prstDash val="solid"/>
+                      <a:round/>
+                      <a:headEnd type="none" w="med" len="med"/>
+                      <a:tailEnd type="none" w="med" len="med"/>
+                    </a:lnT>
+                    <a:lnB w="12700" cap="flat" cmpd="sng" algn="ctr">
+                      <a:solidFill>
+                        <a:schemeClr val="tx1"/>
+                      </a:solidFill>
+                      <a:prstDash val="solid"/>
+                      <a:round/>
+                      <a:headEnd type="none" w="med" len="med"/>
+                      <a:tailEnd type="none" w="med" len="med"/>
+                    </a:lnB>
+                    <a:solidFill>
+                      <a:schemeClr val="accent2">
+                        <a:lumMod val="60000"/>
+                        <a:lumOff val="40000"/>
+                      </a:schemeClr>
+                    </a:solidFill>
+                  </a:tcPr>
+                </a:tc>
+                <a:extLst>
+                  <a:ext uri="{0D108BD9-81ED-4DB2-BD59-A6C34878D82A}">
+                    <a16:rowId xmlns:a16="http://schemas.microsoft.com/office/drawing/2014/main" val="2791348304"/>
+                  </a:ext>
+                </a:extLst>
+              </a:tr>
+            </a:tbl>
+          </a:graphicData>
+        </a:graphic>
+      </p:graphicFrame>
+      <p:sp>
+        <p:nvSpPr>
+          <p:cNvPr id="21" name="文本框 20">
+            <a:extLst>
+              <a:ext uri="{FF2B5EF4-FFF2-40B4-BE49-F238E27FC236}">
+                <a16:creationId xmlns:a16="http://schemas.microsoft.com/office/drawing/2014/main" id="{C1324805-2586-AFE6-3003-C7BC4A0E3CEB}"/>
+              </a:ext>
+            </a:extLst>
+          </p:cNvPr>
+          <p:cNvSpPr txBox="1"/>
+          <p:nvPr/>
+        </p:nvSpPr>
+        <p:spPr>
+          <a:xfrm>
+            <a:off x="993023" y="4744242"/>
+            <a:ext cx="2562881" cy="461665"/>
+          </a:xfrm>
+          <a:prstGeom prst="rect">
+            <a:avLst/>
+          </a:prstGeom>
+          <a:noFill/>
+        </p:spPr>
+        <p:txBody>
+          <a:bodyPr wrap="none" rtlCol="0">
+            <a:spAutoFit/>
+          </a:bodyPr>
+          <a:lstStyle/>
+          <a:p>
+            <a:r>
+              <a:rPr lang="en-US" sz="2400" dirty="0"/>
+              <a:t>Row Rasterization</a:t>
+            </a:r>
+          </a:p>
+        </p:txBody>
+      </p:sp>
+      <p:sp>
+        <p:nvSpPr>
+          <p:cNvPr id="22" name="文本框 21">
+            <a:extLst>
+              <a:ext uri="{FF2B5EF4-FFF2-40B4-BE49-F238E27FC236}">
+                <a16:creationId xmlns:a16="http://schemas.microsoft.com/office/drawing/2014/main" id="{B1A26E21-4B40-785B-110E-7AA591285E6B}"/>
+              </a:ext>
+            </a:extLst>
+          </p:cNvPr>
+          <p:cNvSpPr txBox="1"/>
+          <p:nvPr/>
+        </p:nvSpPr>
+        <p:spPr>
+          <a:xfrm>
+            <a:off x="4214089" y="4744242"/>
+            <a:ext cx="2455288" cy="461665"/>
+          </a:xfrm>
+          <a:prstGeom prst="rect">
+            <a:avLst/>
+          </a:prstGeom>
+          <a:noFill/>
+        </p:spPr>
+        <p:txBody>
+          <a:bodyPr wrap="none" rtlCol="0">
+            <a:spAutoFit/>
+          </a:bodyPr>
+          <a:lstStyle/>
+          <a:p>
+            <a:r>
+              <a:rPr lang="en-US" sz="2400" dirty="0"/>
+              <a:t>2x2 Rasterization</a:t>
+            </a:r>
+          </a:p>
+        </p:txBody>
+      </p:sp>
+      <p:sp>
+        <p:nvSpPr>
+          <p:cNvPr id="23" name="文本框 22">
+            <a:extLst>
+              <a:ext uri="{FF2B5EF4-FFF2-40B4-BE49-F238E27FC236}">
+                <a16:creationId xmlns:a16="http://schemas.microsoft.com/office/drawing/2014/main" id="{4580033D-7709-DD98-FB56-C64EA8D0FBC5}"/>
+              </a:ext>
+            </a:extLst>
+          </p:cNvPr>
+          <p:cNvSpPr txBox="1"/>
+          <p:nvPr/>
+        </p:nvSpPr>
+        <p:spPr>
+          <a:xfrm>
+            <a:off x="7353305" y="4744241"/>
+            <a:ext cx="2511393" cy="461665"/>
+          </a:xfrm>
+          <a:prstGeom prst="rect">
+            <a:avLst/>
+          </a:prstGeom>
+          <a:noFill/>
+        </p:spPr>
+        <p:txBody>
+          <a:bodyPr wrap="none" rtlCol="0">
+            <a:spAutoFit/>
+          </a:bodyPr>
+          <a:lstStyle/>
+          <a:p>
+            <a:r>
+              <a:rPr lang="en-US" sz="2400" dirty="0"/>
+              <a:t>Bad Rasterization</a:t>
+            </a:r>
+          </a:p>
+        </p:txBody>
+      </p:sp>
+    </p:spTree>
+    <p:extLst>
+      <p:ext uri="{BB962C8B-B14F-4D97-AF65-F5344CB8AC3E}">
+        <p14:creationId xmlns:p14="http://schemas.microsoft.com/office/powerpoint/2010/main" val="12860394"/>
+      </p:ext>
+    </p:extLst>
+  </p:cSld>
+  <p:clrMapOvr>
+    <a:masterClrMapping/>
+  </p:clrMapOvr>
+</p:sld>
+</file>
+
 <file path=ppt/theme/theme1.xml><?xml version="1.0" encoding="utf-8"?>
 <a:theme xmlns:a="http://schemas.openxmlformats.org/drawingml/2006/main" name="Office 主题​​">
   <a:themeElements>

--- a/blogs/reg_tile/figures.pptx
+++ b/blogs/reg_tile/figures.pptx
@@ -14,6 +14,8 @@
     <p:sldId id="262" r:id="rId8"/>
     <p:sldId id="263" r:id="rId9"/>
     <p:sldId id="264" r:id="rId10"/>
+    <p:sldId id="265" r:id="rId11"/>
+    <p:sldId id="266" r:id="rId12"/>
   </p:sldIdLst>
   <p:sldSz cx="12192000" cy="6858000"/>
   <p:notesSz cx="6858000" cy="9144000"/>
@@ -269,7 +271,7 @@
           <a:p>
             <a:fld id="{89170DA2-E98C-46C7-8CBA-4D919B2F7647}" type="datetimeFigureOut">
               <a:rPr lang="en-US" smtClean="0"/>
-              <a:t>3/31/2025</a:t>
+              <a:t>6/20/2025</a:t>
             </a:fld>
             <a:endParaRPr lang="en-US"/>
           </a:p>
@@ -469,7 +471,7 @@
           <a:p>
             <a:fld id="{89170DA2-E98C-46C7-8CBA-4D919B2F7647}" type="datetimeFigureOut">
               <a:rPr lang="en-US" smtClean="0"/>
-              <a:t>3/31/2025</a:t>
+              <a:t>6/20/2025</a:t>
             </a:fld>
             <a:endParaRPr lang="en-US"/>
           </a:p>
@@ -679,7 +681,7 @@
           <a:p>
             <a:fld id="{89170DA2-E98C-46C7-8CBA-4D919B2F7647}" type="datetimeFigureOut">
               <a:rPr lang="en-US" smtClean="0"/>
-              <a:t>3/31/2025</a:t>
+              <a:t>6/20/2025</a:t>
             </a:fld>
             <a:endParaRPr lang="en-US"/>
           </a:p>
@@ -879,7 +881,7 @@
           <a:p>
             <a:fld id="{89170DA2-E98C-46C7-8CBA-4D919B2F7647}" type="datetimeFigureOut">
               <a:rPr lang="en-US" smtClean="0"/>
-              <a:t>3/31/2025</a:t>
+              <a:t>6/20/2025</a:t>
             </a:fld>
             <a:endParaRPr lang="en-US"/>
           </a:p>
@@ -1155,7 +1157,7 @@
           <a:p>
             <a:fld id="{89170DA2-E98C-46C7-8CBA-4D919B2F7647}" type="datetimeFigureOut">
               <a:rPr lang="en-US" smtClean="0"/>
-              <a:t>3/31/2025</a:t>
+              <a:t>6/20/2025</a:t>
             </a:fld>
             <a:endParaRPr lang="en-US"/>
           </a:p>
@@ -1423,7 +1425,7 @@
           <a:p>
             <a:fld id="{89170DA2-E98C-46C7-8CBA-4D919B2F7647}" type="datetimeFigureOut">
               <a:rPr lang="en-US" smtClean="0"/>
-              <a:t>3/31/2025</a:t>
+              <a:t>6/20/2025</a:t>
             </a:fld>
             <a:endParaRPr lang="en-US"/>
           </a:p>
@@ -1838,7 +1840,7 @@
           <a:p>
             <a:fld id="{89170DA2-E98C-46C7-8CBA-4D919B2F7647}" type="datetimeFigureOut">
               <a:rPr lang="en-US" smtClean="0"/>
-              <a:t>3/31/2025</a:t>
+              <a:t>6/20/2025</a:t>
             </a:fld>
             <a:endParaRPr lang="en-US"/>
           </a:p>
@@ -1980,7 +1982,7 @@
           <a:p>
             <a:fld id="{89170DA2-E98C-46C7-8CBA-4D919B2F7647}" type="datetimeFigureOut">
               <a:rPr lang="en-US" smtClean="0"/>
-              <a:t>3/31/2025</a:t>
+              <a:t>6/20/2025</a:t>
             </a:fld>
             <a:endParaRPr lang="en-US"/>
           </a:p>
@@ -2093,7 +2095,7 @@
           <a:p>
             <a:fld id="{89170DA2-E98C-46C7-8CBA-4D919B2F7647}" type="datetimeFigureOut">
               <a:rPr lang="en-US" smtClean="0"/>
-              <a:t>3/31/2025</a:t>
+              <a:t>6/20/2025</a:t>
             </a:fld>
             <a:endParaRPr lang="en-US"/>
           </a:p>
@@ -2406,7 +2408,7 @@
           <a:p>
             <a:fld id="{89170DA2-E98C-46C7-8CBA-4D919B2F7647}" type="datetimeFigureOut">
               <a:rPr lang="en-US" smtClean="0"/>
-              <a:t>3/31/2025</a:t>
+              <a:t>6/20/2025</a:t>
             </a:fld>
             <a:endParaRPr lang="en-US"/>
           </a:p>
@@ -2695,7 +2697,7 @@
           <a:p>
             <a:fld id="{89170DA2-E98C-46C7-8CBA-4D919B2F7647}" type="datetimeFigureOut">
               <a:rPr lang="en-US" smtClean="0"/>
-              <a:t>3/31/2025</a:t>
+              <a:t>6/20/2025</a:t>
             </a:fld>
             <a:endParaRPr lang="en-US"/>
           </a:p>
@@ -2938,7 +2940,7 @@
           <a:p>
             <a:fld id="{89170DA2-E98C-46C7-8CBA-4D919B2F7647}" type="datetimeFigureOut">
               <a:rPr lang="en-US" smtClean="0"/>
-              <a:t>3/31/2025</a:t>
+              <a:t>6/20/2025</a:t>
             </a:fld>
             <a:endParaRPr lang="en-US"/>
           </a:p>
@@ -3368,6 +3370,1475 @@
 </p:sld>
 </file>
 
+<file path=ppt/slides/slide10.xml><?xml version="1.0" encoding="utf-8"?>
+<p:sld xmlns:a="http://schemas.openxmlformats.org/drawingml/2006/main" xmlns:r="http://schemas.openxmlformats.org/officeDocument/2006/relationships" xmlns:p="http://schemas.openxmlformats.org/presentationml/2006/main">
+  <p:cSld>
+    <p:spTree>
+      <p:nvGrpSpPr>
+        <p:cNvPr id="1" name=""/>
+        <p:cNvGrpSpPr/>
+        <p:nvPr/>
+      </p:nvGrpSpPr>
+      <p:grpSpPr>
+        <a:xfrm>
+          <a:off x="0" y="0"/>
+          <a:ext cx="0" cy="0"/>
+          <a:chOff x="0" y="0"/>
+          <a:chExt cx="0" cy="0"/>
+        </a:xfrm>
+      </p:grpSpPr>
+      <p:sp>
+        <p:nvSpPr>
+          <p:cNvPr id="2" name="矩形 1">
+            <a:extLst>
+              <a:ext uri="{FF2B5EF4-FFF2-40B4-BE49-F238E27FC236}">
+                <a16:creationId xmlns:a16="http://schemas.microsoft.com/office/drawing/2014/main" id="{304A7555-DD88-A75B-22D1-B0FC939BB48E}"/>
+              </a:ext>
+            </a:extLst>
+          </p:cNvPr>
+          <p:cNvSpPr/>
+          <p:nvPr/>
+        </p:nvSpPr>
+        <p:spPr>
+          <a:xfrm>
+            <a:off x="1175952" y="1256308"/>
+            <a:ext cx="1502797" cy="580446"/>
+          </a:xfrm>
+          <a:prstGeom prst="rect">
+            <a:avLst/>
+          </a:prstGeom>
+        </p:spPr>
+        <p:style>
+          <a:lnRef idx="2">
+            <a:schemeClr val="accent6">
+              <a:shade val="15000"/>
+            </a:schemeClr>
+          </a:lnRef>
+          <a:fillRef idx="1">
+            <a:schemeClr val="accent6"/>
+          </a:fillRef>
+          <a:effectRef idx="0">
+            <a:schemeClr val="accent6"/>
+          </a:effectRef>
+          <a:fontRef idx="minor">
+            <a:schemeClr val="lt1"/>
+          </a:fontRef>
+        </p:style>
+        <p:txBody>
+          <a:bodyPr rtlCol="0" anchor="ctr"/>
+          <a:lstStyle/>
+          <a:p>
+            <a:pPr algn="ctr"/>
+            <a:r>
+              <a:rPr lang="en-US" dirty="0"/>
+              <a:t>SM CUDA Core</a:t>
+            </a:r>
+          </a:p>
+        </p:txBody>
+      </p:sp>
+      <p:sp>
+        <p:nvSpPr>
+          <p:cNvPr id="3" name="矩形 2">
+            <a:extLst>
+              <a:ext uri="{FF2B5EF4-FFF2-40B4-BE49-F238E27FC236}">
+                <a16:creationId xmlns:a16="http://schemas.microsoft.com/office/drawing/2014/main" id="{C0E1B3C3-A664-7954-3377-3ACA8B6930D8}"/>
+              </a:ext>
+            </a:extLst>
+          </p:cNvPr>
+          <p:cNvSpPr/>
+          <p:nvPr/>
+        </p:nvSpPr>
+        <p:spPr>
+          <a:xfrm>
+            <a:off x="917534" y="2259927"/>
+            <a:ext cx="2019632" cy="580445"/>
+          </a:xfrm>
+          <a:prstGeom prst="rect">
+            <a:avLst/>
+          </a:prstGeom>
+          <a:solidFill>
+            <a:schemeClr val="bg2"/>
+          </a:solidFill>
+        </p:spPr>
+        <p:style>
+          <a:lnRef idx="2">
+            <a:schemeClr val="accent6">
+              <a:shade val="15000"/>
+            </a:schemeClr>
+          </a:lnRef>
+          <a:fillRef idx="1">
+            <a:schemeClr val="accent6"/>
+          </a:fillRef>
+          <a:effectRef idx="0">
+            <a:schemeClr val="accent6"/>
+          </a:effectRef>
+          <a:fontRef idx="minor">
+            <a:schemeClr val="lt1"/>
+          </a:fontRef>
+        </p:style>
+        <p:txBody>
+          <a:bodyPr rtlCol="0" anchor="ctr"/>
+          <a:lstStyle/>
+          <a:p>
+            <a:pPr algn="ctr"/>
+            <a:r>
+              <a:rPr lang="en-US" dirty="0">
+                <a:solidFill>
+                  <a:schemeClr val="tx1"/>
+                </a:solidFill>
+              </a:rPr>
+              <a:t>RF</a:t>
+            </a:r>
+          </a:p>
+          <a:p>
+            <a:pPr algn="ctr"/>
+            <a:r>
+              <a:rPr lang="en-US" dirty="0">
+                <a:solidFill>
+                  <a:schemeClr val="tx1"/>
+                </a:solidFill>
+              </a:rPr>
+              <a:t>256KB</a:t>
+            </a:r>
+          </a:p>
+        </p:txBody>
+      </p:sp>
+      <p:sp>
+        <p:nvSpPr>
+          <p:cNvPr id="4" name="矩形 3">
+            <a:extLst>
+              <a:ext uri="{FF2B5EF4-FFF2-40B4-BE49-F238E27FC236}">
+                <a16:creationId xmlns:a16="http://schemas.microsoft.com/office/drawing/2014/main" id="{3FE640EB-A190-A944-50DE-29D64B157129}"/>
+              </a:ext>
+            </a:extLst>
+          </p:cNvPr>
+          <p:cNvSpPr/>
+          <p:nvPr/>
+        </p:nvSpPr>
+        <p:spPr>
+          <a:xfrm>
+            <a:off x="917534" y="3266240"/>
+            <a:ext cx="2019632" cy="580446"/>
+          </a:xfrm>
+          <a:prstGeom prst="rect">
+            <a:avLst/>
+          </a:prstGeom>
+          <a:solidFill>
+            <a:schemeClr val="bg2"/>
+          </a:solidFill>
+        </p:spPr>
+        <p:style>
+          <a:lnRef idx="2">
+            <a:schemeClr val="accent6">
+              <a:shade val="15000"/>
+            </a:schemeClr>
+          </a:lnRef>
+          <a:fillRef idx="1">
+            <a:schemeClr val="accent6"/>
+          </a:fillRef>
+          <a:effectRef idx="0">
+            <a:schemeClr val="accent6"/>
+          </a:effectRef>
+          <a:fontRef idx="minor">
+            <a:schemeClr val="lt1"/>
+          </a:fontRef>
+        </p:style>
+        <p:txBody>
+          <a:bodyPr rtlCol="0" anchor="ctr"/>
+          <a:lstStyle/>
+          <a:p>
+            <a:pPr algn="ctr"/>
+            <a:r>
+              <a:rPr lang="en-US" dirty="0">
+                <a:solidFill>
+                  <a:schemeClr val="tx1"/>
+                </a:solidFill>
+              </a:rPr>
+              <a:t>DRAM</a:t>
+            </a:r>
+          </a:p>
+          <a:p>
+            <a:pPr algn="ctr"/>
+            <a:r>
+              <a:rPr lang="en-US" dirty="0">
+                <a:solidFill>
+                  <a:schemeClr val="tx1"/>
+                </a:solidFill>
+              </a:rPr>
+              <a:t>inf KB</a:t>
+            </a:r>
+          </a:p>
+        </p:txBody>
+      </p:sp>
+      <p:cxnSp>
+        <p:nvCxnSpPr>
+          <p:cNvPr id="5" name="直接箭头连接符 4">
+            <a:extLst>
+              <a:ext uri="{FF2B5EF4-FFF2-40B4-BE49-F238E27FC236}">
+                <a16:creationId xmlns:a16="http://schemas.microsoft.com/office/drawing/2014/main" id="{F02ED1B7-C3CC-DB83-B773-934A9D8D9C91}"/>
+              </a:ext>
+            </a:extLst>
+          </p:cNvPr>
+          <p:cNvCxnSpPr>
+            <a:cxnSpLocks/>
+            <a:stCxn id="3" idx="0"/>
+            <a:endCxn id="2" idx="2"/>
+          </p:cNvCxnSpPr>
+          <p:nvPr/>
+        </p:nvCxnSpPr>
+        <p:spPr>
+          <a:xfrm flipV="1">
+            <a:off x="1927350" y="1836754"/>
+            <a:ext cx="1" cy="423173"/>
+          </a:xfrm>
+          <a:prstGeom prst="straightConnector1">
+            <a:avLst/>
+          </a:prstGeom>
+          <a:ln w="57150">
+            <a:tailEnd type="triangle"/>
+          </a:ln>
+        </p:spPr>
+        <p:style>
+          <a:lnRef idx="2">
+            <a:schemeClr val="dk1"/>
+          </a:lnRef>
+          <a:fillRef idx="0">
+            <a:schemeClr val="dk1"/>
+          </a:fillRef>
+          <a:effectRef idx="1">
+            <a:schemeClr val="dk1"/>
+          </a:effectRef>
+          <a:fontRef idx="minor">
+            <a:schemeClr val="tx1"/>
+          </a:fontRef>
+        </p:style>
+      </p:cxnSp>
+      <p:cxnSp>
+        <p:nvCxnSpPr>
+          <p:cNvPr id="6" name="直接箭头连接符 5">
+            <a:extLst>
+              <a:ext uri="{FF2B5EF4-FFF2-40B4-BE49-F238E27FC236}">
+                <a16:creationId xmlns:a16="http://schemas.microsoft.com/office/drawing/2014/main" id="{8D95DCCF-46DB-6F3E-CCE7-A69AC58A7124}"/>
+              </a:ext>
+            </a:extLst>
+          </p:cNvPr>
+          <p:cNvCxnSpPr>
+            <a:cxnSpLocks/>
+            <a:stCxn id="4" idx="0"/>
+          </p:cNvCxnSpPr>
+          <p:nvPr/>
+        </p:nvCxnSpPr>
+        <p:spPr>
+          <a:xfrm flipV="1">
+            <a:off x="1927350" y="2843067"/>
+            <a:ext cx="0" cy="423173"/>
+          </a:xfrm>
+          <a:prstGeom prst="straightConnector1">
+            <a:avLst/>
+          </a:prstGeom>
+          <a:ln w="28575">
+            <a:tailEnd type="triangle"/>
+          </a:ln>
+        </p:spPr>
+        <p:style>
+          <a:lnRef idx="2">
+            <a:schemeClr val="dk1"/>
+          </a:lnRef>
+          <a:fillRef idx="0">
+            <a:schemeClr val="dk1"/>
+          </a:fillRef>
+          <a:effectRef idx="1">
+            <a:schemeClr val="dk1"/>
+          </a:effectRef>
+          <a:fontRef idx="minor">
+            <a:schemeClr val="tx1"/>
+          </a:fontRef>
+        </p:style>
+      </p:cxnSp>
+      <p:sp>
+        <p:nvSpPr>
+          <p:cNvPr id="7" name="文本框 6">
+            <a:extLst>
+              <a:ext uri="{FF2B5EF4-FFF2-40B4-BE49-F238E27FC236}">
+                <a16:creationId xmlns:a16="http://schemas.microsoft.com/office/drawing/2014/main" id="{B6929412-87F2-02D4-2956-CA3B462FC0CA}"/>
+              </a:ext>
+            </a:extLst>
+          </p:cNvPr>
+          <p:cNvSpPr txBox="1"/>
+          <p:nvPr/>
+        </p:nvSpPr>
+        <p:spPr>
+          <a:xfrm>
+            <a:off x="1053137" y="3897833"/>
+            <a:ext cx="1772280" cy="646331"/>
+          </a:xfrm>
+          <a:prstGeom prst="rect">
+            <a:avLst/>
+          </a:prstGeom>
+          <a:noFill/>
+        </p:spPr>
+        <p:txBody>
+          <a:bodyPr wrap="none" rtlCol="0">
+            <a:spAutoFit/>
+          </a:bodyPr>
+          <a:lstStyle/>
+          <a:p>
+            <a:pPr algn="ctr"/>
+            <a:r>
+              <a:rPr lang="en-US" dirty="0"/>
+              <a:t>Per SM</a:t>
+            </a:r>
+          </a:p>
+          <a:p>
+            <a:pPr algn="ctr"/>
+            <a:r>
+              <a:rPr lang="en-US" dirty="0"/>
+              <a:t>A100 80GB SXM</a:t>
+            </a:r>
+          </a:p>
+        </p:txBody>
+      </p:sp>
+      <p:sp>
+        <p:nvSpPr>
+          <p:cNvPr id="8" name="文本框 7">
+            <a:extLst>
+              <a:ext uri="{FF2B5EF4-FFF2-40B4-BE49-F238E27FC236}">
+                <a16:creationId xmlns:a16="http://schemas.microsoft.com/office/drawing/2014/main" id="{6CE55732-A7DE-E4A7-2A16-7E83CF6BBDB6}"/>
+              </a:ext>
+            </a:extLst>
+          </p:cNvPr>
+          <p:cNvSpPr txBox="1"/>
+          <p:nvPr/>
+        </p:nvSpPr>
+        <p:spPr>
+          <a:xfrm>
+            <a:off x="1939277" y="1863674"/>
+            <a:ext cx="1331775" cy="369332"/>
+          </a:xfrm>
+          <a:prstGeom prst="rect">
+            <a:avLst/>
+          </a:prstGeom>
+          <a:noFill/>
+        </p:spPr>
+        <p:txBody>
+          <a:bodyPr wrap="none" rtlCol="0">
+            <a:spAutoFit/>
+          </a:bodyPr>
+          <a:lstStyle/>
+          <a:p>
+            <a:r>
+              <a:rPr lang="en-US" dirty="0"/>
+              <a:t>512 B/cycle</a:t>
+            </a:r>
+          </a:p>
+        </p:txBody>
+      </p:sp>
+      <p:sp>
+        <p:nvSpPr>
+          <p:cNvPr id="9" name="文本框 8">
+            <a:extLst>
+              <a:ext uri="{FF2B5EF4-FFF2-40B4-BE49-F238E27FC236}">
+                <a16:creationId xmlns:a16="http://schemas.microsoft.com/office/drawing/2014/main" id="{2ED45E0B-590A-3182-395A-2E1B570B5C3F}"/>
+              </a:ext>
+            </a:extLst>
+          </p:cNvPr>
+          <p:cNvSpPr txBox="1"/>
+          <p:nvPr/>
+        </p:nvSpPr>
+        <p:spPr>
+          <a:xfrm>
+            <a:off x="1927350" y="2867293"/>
+            <a:ext cx="1397498" cy="369332"/>
+          </a:xfrm>
+          <a:prstGeom prst="rect">
+            <a:avLst/>
+          </a:prstGeom>
+          <a:noFill/>
+        </p:spPr>
+        <p:txBody>
+          <a:bodyPr wrap="none" rtlCol="0">
+            <a:spAutoFit/>
+          </a:bodyPr>
+          <a:lstStyle/>
+          <a:p>
+            <a:r>
+              <a:rPr lang="en-US" dirty="0"/>
+              <a:t>13.3 B/cycle</a:t>
+            </a:r>
+          </a:p>
+        </p:txBody>
+      </p:sp>
+      <p:sp>
+        <p:nvSpPr>
+          <p:cNvPr id="10" name="文本框 9">
+            <a:extLst>
+              <a:ext uri="{FF2B5EF4-FFF2-40B4-BE49-F238E27FC236}">
+                <a16:creationId xmlns:a16="http://schemas.microsoft.com/office/drawing/2014/main" id="{19FE0725-FD4C-C1B7-61AF-826BC1D1531D}"/>
+              </a:ext>
+            </a:extLst>
+          </p:cNvPr>
+          <p:cNvSpPr txBox="1"/>
+          <p:nvPr/>
+        </p:nvSpPr>
+        <p:spPr>
+          <a:xfrm>
+            <a:off x="2770189" y="1361865"/>
+            <a:ext cx="1509709" cy="369332"/>
+          </a:xfrm>
+          <a:prstGeom prst="rect">
+            <a:avLst/>
+          </a:prstGeom>
+          <a:noFill/>
+        </p:spPr>
+        <p:txBody>
+          <a:bodyPr wrap="none" rtlCol="0">
+            <a:spAutoFit/>
+          </a:bodyPr>
+          <a:lstStyle/>
+          <a:p>
+            <a:r>
+              <a:rPr lang="en-US" dirty="0"/>
+              <a:t>64 FMA/cycle</a:t>
+            </a:r>
+          </a:p>
+        </p:txBody>
+      </p:sp>
+    </p:spTree>
+    <p:extLst>
+      <p:ext uri="{BB962C8B-B14F-4D97-AF65-F5344CB8AC3E}">
+        <p14:creationId xmlns:p14="http://schemas.microsoft.com/office/powerpoint/2010/main" val="1640759712"/>
+      </p:ext>
+    </p:extLst>
+  </p:cSld>
+  <p:clrMapOvr>
+    <a:masterClrMapping/>
+  </p:clrMapOvr>
+</p:sld>
+</file>
+
+<file path=ppt/slides/slide11.xml><?xml version="1.0" encoding="utf-8"?>
+<p:sld xmlns:a="http://schemas.openxmlformats.org/drawingml/2006/main" xmlns:r="http://schemas.openxmlformats.org/officeDocument/2006/relationships" xmlns:p="http://schemas.openxmlformats.org/presentationml/2006/main">
+  <p:cSld>
+    <p:spTree>
+      <p:nvGrpSpPr>
+        <p:cNvPr id="1" name="">
+          <a:extLst>
+            <a:ext uri="{FF2B5EF4-FFF2-40B4-BE49-F238E27FC236}">
+              <a16:creationId xmlns:a16="http://schemas.microsoft.com/office/drawing/2014/main" id="{4F8CB990-EBA6-AB3F-A379-D6C1EF1AA607}"/>
+            </a:ext>
+          </a:extLst>
+        </p:cNvPr>
+        <p:cNvGrpSpPr/>
+        <p:nvPr/>
+      </p:nvGrpSpPr>
+      <p:grpSpPr>
+        <a:xfrm>
+          <a:off x="0" y="0"/>
+          <a:ext cx="0" cy="0"/>
+          <a:chOff x="0" y="0"/>
+          <a:chExt cx="0" cy="0"/>
+        </a:xfrm>
+      </p:grpSpPr>
+      <p:sp>
+        <p:nvSpPr>
+          <p:cNvPr id="2" name="矩形 1">
+            <a:extLst>
+              <a:ext uri="{FF2B5EF4-FFF2-40B4-BE49-F238E27FC236}">
+                <a16:creationId xmlns:a16="http://schemas.microsoft.com/office/drawing/2014/main" id="{1A053846-0789-7DFA-F36A-30A727CC10A7}"/>
+              </a:ext>
+            </a:extLst>
+          </p:cNvPr>
+          <p:cNvSpPr/>
+          <p:nvPr/>
+        </p:nvSpPr>
+        <p:spPr>
+          <a:xfrm>
+            <a:off x="1175952" y="1256308"/>
+            <a:ext cx="1502797" cy="580446"/>
+          </a:xfrm>
+          <a:prstGeom prst="rect">
+            <a:avLst/>
+          </a:prstGeom>
+        </p:spPr>
+        <p:style>
+          <a:lnRef idx="2">
+            <a:schemeClr val="accent6">
+              <a:shade val="15000"/>
+            </a:schemeClr>
+          </a:lnRef>
+          <a:fillRef idx="1">
+            <a:schemeClr val="accent6"/>
+          </a:fillRef>
+          <a:effectRef idx="0">
+            <a:schemeClr val="accent6"/>
+          </a:effectRef>
+          <a:fontRef idx="minor">
+            <a:schemeClr val="lt1"/>
+          </a:fontRef>
+        </p:style>
+        <p:txBody>
+          <a:bodyPr rtlCol="0" anchor="ctr"/>
+          <a:lstStyle/>
+          <a:p>
+            <a:pPr algn="ctr"/>
+            <a:r>
+              <a:rPr lang="en-US" dirty="0"/>
+              <a:t>SM CUDA Core</a:t>
+            </a:r>
+          </a:p>
+        </p:txBody>
+      </p:sp>
+      <p:sp>
+        <p:nvSpPr>
+          <p:cNvPr id="3" name="矩形 2">
+            <a:extLst>
+              <a:ext uri="{FF2B5EF4-FFF2-40B4-BE49-F238E27FC236}">
+                <a16:creationId xmlns:a16="http://schemas.microsoft.com/office/drawing/2014/main" id="{67F4E6EA-B1C8-F068-9CBC-106C5A2A639B}"/>
+              </a:ext>
+            </a:extLst>
+          </p:cNvPr>
+          <p:cNvSpPr/>
+          <p:nvPr/>
+        </p:nvSpPr>
+        <p:spPr>
+          <a:xfrm>
+            <a:off x="917534" y="2259927"/>
+            <a:ext cx="2019632" cy="580445"/>
+          </a:xfrm>
+          <a:prstGeom prst="rect">
+            <a:avLst/>
+          </a:prstGeom>
+          <a:solidFill>
+            <a:schemeClr val="bg2"/>
+          </a:solidFill>
+        </p:spPr>
+        <p:style>
+          <a:lnRef idx="2">
+            <a:schemeClr val="accent6">
+              <a:shade val="15000"/>
+            </a:schemeClr>
+          </a:lnRef>
+          <a:fillRef idx="1">
+            <a:schemeClr val="accent6"/>
+          </a:fillRef>
+          <a:effectRef idx="0">
+            <a:schemeClr val="accent6"/>
+          </a:effectRef>
+          <a:fontRef idx="minor">
+            <a:schemeClr val="lt1"/>
+          </a:fontRef>
+        </p:style>
+        <p:txBody>
+          <a:bodyPr rtlCol="0" anchor="ctr"/>
+          <a:lstStyle/>
+          <a:p>
+            <a:pPr algn="ctr"/>
+            <a:r>
+              <a:rPr lang="en-US" dirty="0">
+                <a:solidFill>
+                  <a:schemeClr val="tx1"/>
+                </a:solidFill>
+              </a:rPr>
+              <a:t>RF</a:t>
+            </a:r>
+          </a:p>
+          <a:p>
+            <a:pPr algn="ctr"/>
+            <a:r>
+              <a:rPr lang="en-US" dirty="0">
+                <a:solidFill>
+                  <a:schemeClr val="tx1"/>
+                </a:solidFill>
+              </a:rPr>
+              <a:t>256KB</a:t>
+            </a:r>
+          </a:p>
+        </p:txBody>
+      </p:sp>
+      <p:sp>
+        <p:nvSpPr>
+          <p:cNvPr id="4" name="矩形 3">
+            <a:extLst>
+              <a:ext uri="{FF2B5EF4-FFF2-40B4-BE49-F238E27FC236}">
+                <a16:creationId xmlns:a16="http://schemas.microsoft.com/office/drawing/2014/main" id="{B8D7AD73-B86D-831F-4CD6-8628A340E01E}"/>
+              </a:ext>
+            </a:extLst>
+          </p:cNvPr>
+          <p:cNvSpPr/>
+          <p:nvPr/>
+        </p:nvSpPr>
+        <p:spPr>
+          <a:xfrm>
+            <a:off x="917534" y="3266240"/>
+            <a:ext cx="2019632" cy="580446"/>
+          </a:xfrm>
+          <a:prstGeom prst="rect">
+            <a:avLst/>
+          </a:prstGeom>
+          <a:solidFill>
+            <a:schemeClr val="bg2"/>
+          </a:solidFill>
+        </p:spPr>
+        <p:style>
+          <a:lnRef idx="2">
+            <a:schemeClr val="accent6">
+              <a:shade val="15000"/>
+            </a:schemeClr>
+          </a:lnRef>
+          <a:fillRef idx="1">
+            <a:schemeClr val="accent6"/>
+          </a:fillRef>
+          <a:effectRef idx="0">
+            <a:schemeClr val="accent6"/>
+          </a:effectRef>
+          <a:fontRef idx="minor">
+            <a:schemeClr val="lt1"/>
+          </a:fontRef>
+        </p:style>
+        <p:txBody>
+          <a:bodyPr rtlCol="0" anchor="ctr"/>
+          <a:lstStyle/>
+          <a:p>
+            <a:pPr algn="ctr"/>
+            <a:r>
+              <a:rPr lang="en-US" dirty="0">
+                <a:solidFill>
+                  <a:schemeClr val="tx1"/>
+                </a:solidFill>
+              </a:rPr>
+              <a:t>DRAM</a:t>
+            </a:r>
+          </a:p>
+          <a:p>
+            <a:pPr algn="ctr"/>
+            <a:r>
+              <a:rPr lang="en-US" dirty="0">
+                <a:solidFill>
+                  <a:schemeClr val="tx1"/>
+                </a:solidFill>
+              </a:rPr>
+              <a:t>inf KB</a:t>
+            </a:r>
+          </a:p>
+        </p:txBody>
+      </p:sp>
+      <p:cxnSp>
+        <p:nvCxnSpPr>
+          <p:cNvPr id="5" name="直接箭头连接符 4">
+            <a:extLst>
+              <a:ext uri="{FF2B5EF4-FFF2-40B4-BE49-F238E27FC236}">
+                <a16:creationId xmlns:a16="http://schemas.microsoft.com/office/drawing/2014/main" id="{7A81B3BA-3FE2-A571-CB20-DBE42A14B6B5}"/>
+              </a:ext>
+            </a:extLst>
+          </p:cNvPr>
+          <p:cNvCxnSpPr>
+            <a:cxnSpLocks/>
+            <a:stCxn id="3" idx="0"/>
+            <a:endCxn id="2" idx="2"/>
+          </p:cNvCxnSpPr>
+          <p:nvPr/>
+        </p:nvCxnSpPr>
+        <p:spPr>
+          <a:xfrm flipV="1">
+            <a:off x="1927350" y="1836754"/>
+            <a:ext cx="1" cy="423173"/>
+          </a:xfrm>
+          <a:prstGeom prst="straightConnector1">
+            <a:avLst/>
+          </a:prstGeom>
+          <a:ln w="57150">
+            <a:tailEnd type="triangle"/>
+          </a:ln>
+        </p:spPr>
+        <p:style>
+          <a:lnRef idx="2">
+            <a:schemeClr val="dk1"/>
+          </a:lnRef>
+          <a:fillRef idx="0">
+            <a:schemeClr val="dk1"/>
+          </a:fillRef>
+          <a:effectRef idx="1">
+            <a:schemeClr val="dk1"/>
+          </a:effectRef>
+          <a:fontRef idx="minor">
+            <a:schemeClr val="tx1"/>
+          </a:fontRef>
+        </p:style>
+      </p:cxnSp>
+      <p:cxnSp>
+        <p:nvCxnSpPr>
+          <p:cNvPr id="6" name="直接箭头连接符 5">
+            <a:extLst>
+              <a:ext uri="{FF2B5EF4-FFF2-40B4-BE49-F238E27FC236}">
+                <a16:creationId xmlns:a16="http://schemas.microsoft.com/office/drawing/2014/main" id="{5D7B7A8F-D0E3-A081-0004-6B7D4105A4B0}"/>
+              </a:ext>
+            </a:extLst>
+          </p:cNvPr>
+          <p:cNvCxnSpPr>
+            <a:cxnSpLocks/>
+            <a:stCxn id="4" idx="0"/>
+          </p:cNvCxnSpPr>
+          <p:nvPr/>
+        </p:nvCxnSpPr>
+        <p:spPr>
+          <a:xfrm flipV="1">
+            <a:off x="1927350" y="2843067"/>
+            <a:ext cx="0" cy="423173"/>
+          </a:xfrm>
+          <a:prstGeom prst="straightConnector1">
+            <a:avLst/>
+          </a:prstGeom>
+          <a:ln w="28575">
+            <a:tailEnd type="triangle"/>
+          </a:ln>
+        </p:spPr>
+        <p:style>
+          <a:lnRef idx="2">
+            <a:schemeClr val="dk1"/>
+          </a:lnRef>
+          <a:fillRef idx="0">
+            <a:schemeClr val="dk1"/>
+          </a:fillRef>
+          <a:effectRef idx="1">
+            <a:schemeClr val="dk1"/>
+          </a:effectRef>
+          <a:fontRef idx="minor">
+            <a:schemeClr val="tx1"/>
+          </a:fontRef>
+        </p:style>
+      </p:cxnSp>
+      <p:sp>
+        <p:nvSpPr>
+          <p:cNvPr id="7" name="文本框 6">
+            <a:extLst>
+              <a:ext uri="{FF2B5EF4-FFF2-40B4-BE49-F238E27FC236}">
+                <a16:creationId xmlns:a16="http://schemas.microsoft.com/office/drawing/2014/main" id="{66F467E8-64EE-56E2-F206-7AD57C55DAC2}"/>
+              </a:ext>
+            </a:extLst>
+          </p:cNvPr>
+          <p:cNvSpPr txBox="1"/>
+          <p:nvPr/>
+        </p:nvSpPr>
+        <p:spPr>
+          <a:xfrm>
+            <a:off x="1053137" y="3897833"/>
+            <a:ext cx="1772280" cy="646331"/>
+          </a:xfrm>
+          <a:prstGeom prst="rect">
+            <a:avLst/>
+          </a:prstGeom>
+          <a:noFill/>
+        </p:spPr>
+        <p:txBody>
+          <a:bodyPr wrap="none" rtlCol="0">
+            <a:spAutoFit/>
+          </a:bodyPr>
+          <a:lstStyle/>
+          <a:p>
+            <a:pPr algn="ctr"/>
+            <a:r>
+              <a:rPr lang="en-US" dirty="0"/>
+              <a:t>Per SM</a:t>
+            </a:r>
+          </a:p>
+          <a:p>
+            <a:pPr algn="ctr"/>
+            <a:r>
+              <a:rPr lang="en-US" dirty="0"/>
+              <a:t>A100 80GB SXM</a:t>
+            </a:r>
+          </a:p>
+        </p:txBody>
+      </p:sp>
+      <p:sp>
+        <p:nvSpPr>
+          <p:cNvPr id="8" name="文本框 7">
+            <a:extLst>
+              <a:ext uri="{FF2B5EF4-FFF2-40B4-BE49-F238E27FC236}">
+                <a16:creationId xmlns:a16="http://schemas.microsoft.com/office/drawing/2014/main" id="{83605DCA-FA1F-17AA-D27E-A1A03DF03DF0}"/>
+              </a:ext>
+            </a:extLst>
+          </p:cNvPr>
+          <p:cNvSpPr txBox="1"/>
+          <p:nvPr/>
+        </p:nvSpPr>
+        <p:spPr>
+          <a:xfrm>
+            <a:off x="1939277" y="1863674"/>
+            <a:ext cx="1397498" cy="369332"/>
+          </a:xfrm>
+          <a:prstGeom prst="rect">
+            <a:avLst/>
+          </a:prstGeom>
+          <a:noFill/>
+        </p:spPr>
+        <p:txBody>
+          <a:bodyPr wrap="none" rtlCol="0">
+            <a:spAutoFit/>
+          </a:bodyPr>
+          <a:lstStyle/>
+          <a:p>
+            <a:r>
+              <a:rPr lang="en-US" dirty="0"/>
+              <a:t>26.6 B/cycle</a:t>
+            </a:r>
+          </a:p>
+        </p:txBody>
+      </p:sp>
+      <p:sp>
+        <p:nvSpPr>
+          <p:cNvPr id="9" name="文本框 8">
+            <a:extLst>
+              <a:ext uri="{FF2B5EF4-FFF2-40B4-BE49-F238E27FC236}">
+                <a16:creationId xmlns:a16="http://schemas.microsoft.com/office/drawing/2014/main" id="{BD6A7140-CDB4-C69A-DD4D-CBA5C3FEE910}"/>
+              </a:ext>
+            </a:extLst>
+          </p:cNvPr>
+          <p:cNvSpPr txBox="1"/>
+          <p:nvPr/>
+        </p:nvSpPr>
+        <p:spPr>
+          <a:xfrm>
+            <a:off x="1927350" y="2867293"/>
+            <a:ext cx="1397498" cy="369332"/>
+          </a:xfrm>
+          <a:prstGeom prst="rect">
+            <a:avLst/>
+          </a:prstGeom>
+          <a:noFill/>
+        </p:spPr>
+        <p:txBody>
+          <a:bodyPr wrap="none" rtlCol="0">
+            <a:spAutoFit/>
+          </a:bodyPr>
+          <a:lstStyle/>
+          <a:p>
+            <a:r>
+              <a:rPr lang="en-US" dirty="0"/>
+              <a:t>13.3 B/cycle</a:t>
+            </a:r>
+          </a:p>
+        </p:txBody>
+      </p:sp>
+      <p:sp>
+        <p:nvSpPr>
+          <p:cNvPr id="10" name="文本框 9">
+            <a:extLst>
+              <a:ext uri="{FF2B5EF4-FFF2-40B4-BE49-F238E27FC236}">
+                <a16:creationId xmlns:a16="http://schemas.microsoft.com/office/drawing/2014/main" id="{D8B350C2-A4A2-6766-DB2B-0E6A44163F29}"/>
+              </a:ext>
+            </a:extLst>
+          </p:cNvPr>
+          <p:cNvSpPr txBox="1"/>
+          <p:nvPr/>
+        </p:nvSpPr>
+        <p:spPr>
+          <a:xfrm>
+            <a:off x="2770189" y="1361865"/>
+            <a:ext cx="1698863" cy="369332"/>
+          </a:xfrm>
+          <a:prstGeom prst="rect">
+            <a:avLst/>
+          </a:prstGeom>
+          <a:noFill/>
+        </p:spPr>
+        <p:txBody>
+          <a:bodyPr wrap="none" rtlCol="0">
+            <a:spAutoFit/>
+          </a:bodyPr>
+          <a:lstStyle/>
+          <a:p>
+            <a:r>
+              <a:rPr lang="en-US" dirty="0"/>
+              <a:t>3.33 FMA/cycle</a:t>
+            </a:r>
+          </a:p>
+        </p:txBody>
+      </p:sp>
+      <p:sp>
+        <p:nvSpPr>
+          <p:cNvPr id="21" name="文本框 20">
+            <a:extLst>
+              <a:ext uri="{FF2B5EF4-FFF2-40B4-BE49-F238E27FC236}">
+                <a16:creationId xmlns:a16="http://schemas.microsoft.com/office/drawing/2014/main" id="{D6FF06E0-50CA-DAF5-4B19-3644B7B0C6CB}"/>
+              </a:ext>
+            </a:extLst>
+          </p:cNvPr>
+          <p:cNvSpPr txBox="1"/>
+          <p:nvPr/>
+        </p:nvSpPr>
+        <p:spPr>
+          <a:xfrm>
+            <a:off x="3473654" y="2894213"/>
+            <a:ext cx="1235466" cy="369332"/>
+          </a:xfrm>
+          <a:prstGeom prst="rect">
+            <a:avLst/>
+          </a:prstGeom>
+          <a:noFill/>
+        </p:spPr>
+        <p:txBody>
+          <a:bodyPr wrap="none" rtlCol="0">
+            <a:spAutoFit/>
+          </a:bodyPr>
+          <a:lstStyle/>
+          <a:p>
+            <a:r>
+              <a:rPr lang="en-US" dirty="0"/>
+              <a:t>Equivalent</a:t>
+            </a:r>
+          </a:p>
+        </p:txBody>
+      </p:sp>
+      <p:cxnSp>
+        <p:nvCxnSpPr>
+          <p:cNvPr id="22" name="直接箭头连接符 21">
+            <a:extLst>
+              <a:ext uri="{FF2B5EF4-FFF2-40B4-BE49-F238E27FC236}">
+                <a16:creationId xmlns:a16="http://schemas.microsoft.com/office/drawing/2014/main" id="{E53B6694-6FD0-E7AD-21A7-EB0EAC1EFCC4}"/>
+              </a:ext>
+            </a:extLst>
+          </p:cNvPr>
+          <p:cNvCxnSpPr>
+            <a:cxnSpLocks/>
+          </p:cNvCxnSpPr>
+          <p:nvPr/>
+        </p:nvCxnSpPr>
+        <p:spPr>
+          <a:xfrm>
+            <a:off x="3301123" y="3351010"/>
+            <a:ext cx="1580528" cy="0"/>
+          </a:xfrm>
+          <a:prstGeom prst="straightConnector1">
+            <a:avLst/>
+          </a:prstGeom>
+          <a:ln w="38100">
+            <a:headEnd type="triangle" w="med" len="med"/>
+            <a:tailEnd type="triangle" w="med" len="med"/>
+          </a:ln>
+        </p:spPr>
+        <p:style>
+          <a:lnRef idx="2">
+            <a:schemeClr val="dk1"/>
+          </a:lnRef>
+          <a:fillRef idx="0">
+            <a:schemeClr val="dk1"/>
+          </a:fillRef>
+          <a:effectRef idx="1">
+            <a:schemeClr val="dk1"/>
+          </a:effectRef>
+          <a:fontRef idx="minor">
+            <a:schemeClr val="tx1"/>
+          </a:fontRef>
+        </p:style>
+      </p:cxnSp>
+      <p:sp>
+        <p:nvSpPr>
+          <p:cNvPr id="24" name="文本框 23">
+            <a:extLst>
+              <a:ext uri="{FF2B5EF4-FFF2-40B4-BE49-F238E27FC236}">
+                <a16:creationId xmlns:a16="http://schemas.microsoft.com/office/drawing/2014/main" id="{152483BD-FFF4-C7AC-FAEE-EDC03ADB2087}"/>
+              </a:ext>
+            </a:extLst>
+          </p:cNvPr>
+          <p:cNvSpPr txBox="1"/>
+          <p:nvPr/>
+        </p:nvSpPr>
+        <p:spPr>
+          <a:xfrm>
+            <a:off x="1218823" y="2862967"/>
+            <a:ext cx="720454" cy="369332"/>
+          </a:xfrm>
+          <a:prstGeom prst="rect">
+            <a:avLst/>
+          </a:prstGeom>
+          <a:noFill/>
+        </p:spPr>
+        <p:txBody>
+          <a:bodyPr wrap="none" rtlCol="0">
+            <a:spAutoFit/>
+          </a:bodyPr>
+          <a:lstStyle/>
+          <a:p>
+            <a:r>
+              <a:rPr lang="en-US" dirty="0">
+                <a:solidFill>
+                  <a:srgbClr val="FF0000"/>
+                </a:solidFill>
+              </a:rPr>
+              <a:t>+LRC</a:t>
+            </a:r>
+          </a:p>
+        </p:txBody>
+      </p:sp>
+      <p:sp>
+        <p:nvSpPr>
+          <p:cNvPr id="25" name="矩形 24">
+            <a:extLst>
+              <a:ext uri="{FF2B5EF4-FFF2-40B4-BE49-F238E27FC236}">
+                <a16:creationId xmlns:a16="http://schemas.microsoft.com/office/drawing/2014/main" id="{FC47527B-1B30-583B-4B6E-6B64F7C5FDFE}"/>
+              </a:ext>
+            </a:extLst>
+          </p:cNvPr>
+          <p:cNvSpPr/>
+          <p:nvPr/>
+        </p:nvSpPr>
+        <p:spPr>
+          <a:xfrm>
+            <a:off x="5360975" y="1256308"/>
+            <a:ext cx="1502797" cy="580446"/>
+          </a:xfrm>
+          <a:prstGeom prst="rect">
+            <a:avLst/>
+          </a:prstGeom>
+        </p:spPr>
+        <p:style>
+          <a:lnRef idx="2">
+            <a:schemeClr val="accent6">
+              <a:shade val="15000"/>
+            </a:schemeClr>
+          </a:lnRef>
+          <a:fillRef idx="1">
+            <a:schemeClr val="accent6"/>
+          </a:fillRef>
+          <a:effectRef idx="0">
+            <a:schemeClr val="accent6"/>
+          </a:effectRef>
+          <a:fontRef idx="minor">
+            <a:schemeClr val="lt1"/>
+          </a:fontRef>
+        </p:style>
+        <p:txBody>
+          <a:bodyPr rtlCol="0" anchor="ctr"/>
+          <a:lstStyle/>
+          <a:p>
+            <a:pPr algn="ctr"/>
+            <a:r>
+              <a:rPr lang="en-US" dirty="0"/>
+              <a:t>SM CUDA Core</a:t>
+            </a:r>
+          </a:p>
+        </p:txBody>
+      </p:sp>
+      <p:sp>
+        <p:nvSpPr>
+          <p:cNvPr id="26" name="矩形 25">
+            <a:extLst>
+              <a:ext uri="{FF2B5EF4-FFF2-40B4-BE49-F238E27FC236}">
+                <a16:creationId xmlns:a16="http://schemas.microsoft.com/office/drawing/2014/main" id="{D2D90E76-8BDA-6AF3-B291-8A2FB10E7766}"/>
+              </a:ext>
+            </a:extLst>
+          </p:cNvPr>
+          <p:cNvSpPr/>
+          <p:nvPr/>
+        </p:nvSpPr>
+        <p:spPr>
+          <a:xfrm>
+            <a:off x="5102557" y="2259927"/>
+            <a:ext cx="2019632" cy="580445"/>
+          </a:xfrm>
+          <a:prstGeom prst="rect">
+            <a:avLst/>
+          </a:prstGeom>
+          <a:solidFill>
+            <a:schemeClr val="bg2"/>
+          </a:solidFill>
+        </p:spPr>
+        <p:style>
+          <a:lnRef idx="2">
+            <a:schemeClr val="accent6">
+              <a:shade val="15000"/>
+            </a:schemeClr>
+          </a:lnRef>
+          <a:fillRef idx="1">
+            <a:schemeClr val="accent6"/>
+          </a:fillRef>
+          <a:effectRef idx="0">
+            <a:schemeClr val="accent6"/>
+          </a:effectRef>
+          <a:fontRef idx="minor">
+            <a:schemeClr val="lt1"/>
+          </a:fontRef>
+        </p:style>
+        <p:txBody>
+          <a:bodyPr rtlCol="0" anchor="ctr"/>
+          <a:lstStyle/>
+          <a:p>
+            <a:pPr algn="ctr"/>
+            <a:r>
+              <a:rPr lang="en-US" dirty="0">
+                <a:solidFill>
+                  <a:schemeClr val="tx1"/>
+                </a:solidFill>
+              </a:rPr>
+              <a:t>RF</a:t>
+            </a:r>
+          </a:p>
+          <a:p>
+            <a:pPr algn="ctr"/>
+            <a:r>
+              <a:rPr lang="en-US" dirty="0">
+                <a:solidFill>
+                  <a:schemeClr val="tx1"/>
+                </a:solidFill>
+              </a:rPr>
+              <a:t>256KB</a:t>
+            </a:r>
+          </a:p>
+        </p:txBody>
+      </p:sp>
+      <p:sp>
+        <p:nvSpPr>
+          <p:cNvPr id="27" name="矩形 26">
+            <a:extLst>
+              <a:ext uri="{FF2B5EF4-FFF2-40B4-BE49-F238E27FC236}">
+                <a16:creationId xmlns:a16="http://schemas.microsoft.com/office/drawing/2014/main" id="{D5C5ACCA-7350-22C3-237A-A92D7BDF8783}"/>
+              </a:ext>
+            </a:extLst>
+          </p:cNvPr>
+          <p:cNvSpPr/>
+          <p:nvPr/>
+        </p:nvSpPr>
+        <p:spPr>
+          <a:xfrm>
+            <a:off x="5102557" y="3266240"/>
+            <a:ext cx="2019632" cy="580446"/>
+          </a:xfrm>
+          <a:prstGeom prst="rect">
+            <a:avLst/>
+          </a:prstGeom>
+          <a:solidFill>
+            <a:schemeClr val="bg2"/>
+          </a:solidFill>
+        </p:spPr>
+        <p:style>
+          <a:lnRef idx="2">
+            <a:schemeClr val="accent6">
+              <a:shade val="15000"/>
+            </a:schemeClr>
+          </a:lnRef>
+          <a:fillRef idx="1">
+            <a:schemeClr val="accent6"/>
+          </a:fillRef>
+          <a:effectRef idx="0">
+            <a:schemeClr val="accent6"/>
+          </a:effectRef>
+          <a:fontRef idx="minor">
+            <a:schemeClr val="lt1"/>
+          </a:fontRef>
+        </p:style>
+        <p:txBody>
+          <a:bodyPr rtlCol="0" anchor="ctr"/>
+          <a:lstStyle/>
+          <a:p>
+            <a:pPr algn="ctr"/>
+            <a:r>
+              <a:rPr lang="en-US" dirty="0">
+                <a:solidFill>
+                  <a:schemeClr val="tx1"/>
+                </a:solidFill>
+              </a:rPr>
+              <a:t>DRAM</a:t>
+            </a:r>
+          </a:p>
+          <a:p>
+            <a:pPr algn="ctr"/>
+            <a:r>
+              <a:rPr lang="en-US" dirty="0">
+                <a:solidFill>
+                  <a:schemeClr val="tx1"/>
+                </a:solidFill>
+              </a:rPr>
+              <a:t>inf KB</a:t>
+            </a:r>
+          </a:p>
+        </p:txBody>
+      </p:sp>
+      <p:cxnSp>
+        <p:nvCxnSpPr>
+          <p:cNvPr id="28" name="直接箭头连接符 27">
+            <a:extLst>
+              <a:ext uri="{FF2B5EF4-FFF2-40B4-BE49-F238E27FC236}">
+                <a16:creationId xmlns:a16="http://schemas.microsoft.com/office/drawing/2014/main" id="{B07BAD2D-D9B7-4D89-5078-91AD86F59384}"/>
+              </a:ext>
+            </a:extLst>
+          </p:cNvPr>
+          <p:cNvCxnSpPr>
+            <a:cxnSpLocks/>
+            <a:stCxn id="26" idx="0"/>
+            <a:endCxn id="25" idx="2"/>
+          </p:cNvCxnSpPr>
+          <p:nvPr/>
+        </p:nvCxnSpPr>
+        <p:spPr>
+          <a:xfrm flipV="1">
+            <a:off x="6112373" y="1836754"/>
+            <a:ext cx="1" cy="423173"/>
+          </a:xfrm>
+          <a:prstGeom prst="straightConnector1">
+            <a:avLst/>
+          </a:prstGeom>
+          <a:ln w="57150">
+            <a:tailEnd type="triangle"/>
+          </a:ln>
+        </p:spPr>
+        <p:style>
+          <a:lnRef idx="2">
+            <a:schemeClr val="dk1"/>
+          </a:lnRef>
+          <a:fillRef idx="0">
+            <a:schemeClr val="dk1"/>
+          </a:fillRef>
+          <a:effectRef idx="1">
+            <a:schemeClr val="dk1"/>
+          </a:effectRef>
+          <a:fontRef idx="minor">
+            <a:schemeClr val="tx1"/>
+          </a:fontRef>
+        </p:style>
+      </p:cxnSp>
+      <p:cxnSp>
+        <p:nvCxnSpPr>
+          <p:cNvPr id="29" name="直接箭头连接符 28">
+            <a:extLst>
+              <a:ext uri="{FF2B5EF4-FFF2-40B4-BE49-F238E27FC236}">
+                <a16:creationId xmlns:a16="http://schemas.microsoft.com/office/drawing/2014/main" id="{B122CEFA-6AEA-F91E-C906-772E407CFE3B}"/>
+              </a:ext>
+            </a:extLst>
+          </p:cNvPr>
+          <p:cNvCxnSpPr>
+            <a:cxnSpLocks/>
+            <a:stCxn id="27" idx="0"/>
+          </p:cNvCxnSpPr>
+          <p:nvPr/>
+        </p:nvCxnSpPr>
+        <p:spPr>
+          <a:xfrm flipV="1">
+            <a:off x="6112373" y="2843067"/>
+            <a:ext cx="0" cy="423173"/>
+          </a:xfrm>
+          <a:prstGeom prst="straightConnector1">
+            <a:avLst/>
+          </a:prstGeom>
+          <a:ln w="28575">
+            <a:tailEnd type="triangle"/>
+          </a:ln>
+        </p:spPr>
+        <p:style>
+          <a:lnRef idx="2">
+            <a:schemeClr val="dk1"/>
+          </a:lnRef>
+          <a:fillRef idx="0">
+            <a:schemeClr val="dk1"/>
+          </a:fillRef>
+          <a:effectRef idx="1">
+            <a:schemeClr val="dk1"/>
+          </a:effectRef>
+          <a:fontRef idx="minor">
+            <a:schemeClr val="tx1"/>
+          </a:fontRef>
+        </p:style>
+      </p:cxnSp>
+      <p:sp>
+        <p:nvSpPr>
+          <p:cNvPr id="30" name="文本框 29">
+            <a:extLst>
+              <a:ext uri="{FF2B5EF4-FFF2-40B4-BE49-F238E27FC236}">
+                <a16:creationId xmlns:a16="http://schemas.microsoft.com/office/drawing/2014/main" id="{8BCFB22E-79BE-57F5-2F86-6CEB0CC32A9D}"/>
+              </a:ext>
+            </a:extLst>
+          </p:cNvPr>
+          <p:cNvSpPr txBox="1"/>
+          <p:nvPr/>
+        </p:nvSpPr>
+        <p:spPr>
+          <a:xfrm>
+            <a:off x="5238160" y="3897833"/>
+            <a:ext cx="1772280" cy="646331"/>
+          </a:xfrm>
+          <a:prstGeom prst="rect">
+            <a:avLst/>
+          </a:prstGeom>
+          <a:noFill/>
+        </p:spPr>
+        <p:txBody>
+          <a:bodyPr wrap="none" rtlCol="0">
+            <a:spAutoFit/>
+          </a:bodyPr>
+          <a:lstStyle/>
+          <a:p>
+            <a:pPr algn="ctr"/>
+            <a:r>
+              <a:rPr lang="en-US" dirty="0"/>
+              <a:t>Per SM</a:t>
+            </a:r>
+          </a:p>
+          <a:p>
+            <a:pPr algn="ctr"/>
+            <a:r>
+              <a:rPr lang="en-US" dirty="0"/>
+              <a:t>A100 80GB SXM</a:t>
+            </a:r>
+          </a:p>
+        </p:txBody>
+      </p:sp>
+      <p:sp>
+        <p:nvSpPr>
+          <p:cNvPr id="31" name="文本框 30">
+            <a:extLst>
+              <a:ext uri="{FF2B5EF4-FFF2-40B4-BE49-F238E27FC236}">
+                <a16:creationId xmlns:a16="http://schemas.microsoft.com/office/drawing/2014/main" id="{B19D10F7-EEF7-CA38-ED25-3081F7078408}"/>
+              </a:ext>
+            </a:extLst>
+          </p:cNvPr>
+          <p:cNvSpPr txBox="1"/>
+          <p:nvPr/>
+        </p:nvSpPr>
+        <p:spPr>
+          <a:xfrm>
+            <a:off x="6124300" y="1863674"/>
+            <a:ext cx="1397498" cy="369332"/>
+          </a:xfrm>
+          <a:prstGeom prst="rect">
+            <a:avLst/>
+          </a:prstGeom>
+          <a:noFill/>
+        </p:spPr>
+        <p:txBody>
+          <a:bodyPr wrap="none" rtlCol="0">
+            <a:spAutoFit/>
+          </a:bodyPr>
+          <a:lstStyle/>
+          <a:p>
+            <a:r>
+              <a:rPr lang="en-US" dirty="0"/>
+              <a:t>26.6 B/cycle</a:t>
+            </a:r>
+          </a:p>
+        </p:txBody>
+      </p:sp>
+      <p:sp>
+        <p:nvSpPr>
+          <p:cNvPr id="32" name="文本框 31">
+            <a:extLst>
+              <a:ext uri="{FF2B5EF4-FFF2-40B4-BE49-F238E27FC236}">
+                <a16:creationId xmlns:a16="http://schemas.microsoft.com/office/drawing/2014/main" id="{2BA2E1B9-2D01-600C-9618-A4189517570E}"/>
+              </a:ext>
+            </a:extLst>
+          </p:cNvPr>
+          <p:cNvSpPr txBox="1"/>
+          <p:nvPr/>
+        </p:nvSpPr>
+        <p:spPr>
+          <a:xfrm>
+            <a:off x="6112373" y="2867293"/>
+            <a:ext cx="1397498" cy="369332"/>
+          </a:xfrm>
+          <a:prstGeom prst="rect">
+            <a:avLst/>
+          </a:prstGeom>
+          <a:noFill/>
+        </p:spPr>
+        <p:txBody>
+          <a:bodyPr wrap="none" rtlCol="0">
+            <a:spAutoFit/>
+          </a:bodyPr>
+          <a:lstStyle/>
+          <a:p>
+            <a:r>
+              <a:rPr lang="en-US" dirty="0"/>
+              <a:t>26.6 B/cycle</a:t>
+            </a:r>
+          </a:p>
+        </p:txBody>
+      </p:sp>
+      <p:sp>
+        <p:nvSpPr>
+          <p:cNvPr id="33" name="文本框 32">
+            <a:extLst>
+              <a:ext uri="{FF2B5EF4-FFF2-40B4-BE49-F238E27FC236}">
+                <a16:creationId xmlns:a16="http://schemas.microsoft.com/office/drawing/2014/main" id="{CAAA7B8F-E62D-AF1B-299D-6039CAFEAD9D}"/>
+              </a:ext>
+            </a:extLst>
+          </p:cNvPr>
+          <p:cNvSpPr txBox="1"/>
+          <p:nvPr/>
+        </p:nvSpPr>
+        <p:spPr>
+          <a:xfrm>
+            <a:off x="6955212" y="1361865"/>
+            <a:ext cx="1698863" cy="369332"/>
+          </a:xfrm>
+          <a:prstGeom prst="rect">
+            <a:avLst/>
+          </a:prstGeom>
+          <a:noFill/>
+        </p:spPr>
+        <p:txBody>
+          <a:bodyPr wrap="none" rtlCol="0">
+            <a:spAutoFit/>
+          </a:bodyPr>
+          <a:lstStyle/>
+          <a:p>
+            <a:r>
+              <a:rPr lang="en-US" dirty="0"/>
+              <a:t>3.33 FMA/cycle</a:t>
+            </a:r>
+          </a:p>
+        </p:txBody>
+      </p:sp>
+      <p:sp>
+        <p:nvSpPr>
+          <p:cNvPr id="37" name="文本框 36">
+            <a:extLst>
+              <a:ext uri="{FF2B5EF4-FFF2-40B4-BE49-F238E27FC236}">
+                <a16:creationId xmlns:a16="http://schemas.microsoft.com/office/drawing/2014/main" id="{1A0DBD8A-FBFB-D81B-5497-12EF4CF4FD1D}"/>
+              </a:ext>
+            </a:extLst>
+          </p:cNvPr>
+          <p:cNvSpPr txBox="1"/>
+          <p:nvPr/>
+        </p:nvSpPr>
+        <p:spPr>
+          <a:xfrm>
+            <a:off x="5190645" y="2882101"/>
+            <a:ext cx="933654" cy="369332"/>
+          </a:xfrm>
+          <a:prstGeom prst="rect">
+            <a:avLst/>
+          </a:prstGeom>
+          <a:noFill/>
+        </p:spPr>
+        <p:txBody>
+          <a:bodyPr wrap="none" rtlCol="0">
+            <a:spAutoFit/>
+          </a:bodyPr>
+          <a:lstStyle/>
+          <a:p>
+            <a:r>
+              <a:rPr lang="en-US" dirty="0">
+                <a:solidFill>
+                  <a:srgbClr val="FF0000"/>
+                </a:solidFill>
+              </a:rPr>
+              <a:t>No LRC</a:t>
+            </a:r>
+          </a:p>
+        </p:txBody>
+      </p:sp>
+    </p:spTree>
+    <p:extLst>
+      <p:ext uri="{BB962C8B-B14F-4D97-AF65-F5344CB8AC3E}">
+        <p14:creationId xmlns:p14="http://schemas.microsoft.com/office/powerpoint/2010/main" val="4243222066"/>
+      </p:ext>
+    </p:extLst>
+  </p:cSld>
+  <p:clrMapOvr>
+    <a:masterClrMapping/>
+  </p:clrMapOvr>
+</p:sld>
+</file>
+
 <file path=ppt/slides/slide2.xml><?xml version="1.0" encoding="utf-8"?>
 <p:sld xmlns:a="http://schemas.openxmlformats.org/drawingml/2006/main" xmlns:r="http://schemas.openxmlformats.org/officeDocument/2006/relationships" xmlns:p="http://schemas.openxmlformats.org/presentationml/2006/main">
   <p:cSld>
